--- a/AprendizadoMaquina/Tópico 03 - Aprendizado Não Supervisionado/Tópico 03 - Aprendizado - Não Supervisionado.pptx
+++ b/AprendizadoMaquina/Tópico 03 - Aprendizado Não Supervisionado/Tópico 03 - Aprendizado - Não Supervisionado.pptx
@@ -309,7 +309,7 @@
             <a:pPr algn="r">
               <a:buNone/>
             </a:pPr>
-            <a:fld id="{6B650D20-D5A0-4BC1-ADB9-83EE27019E3F}" type="slidenum">
+            <a:fld id="{19EAEE18-1C27-4A34-9403-81102E642B86}" type="slidenum">
               <a:rPr b="0" lang="pt-BR" sz="1400" spc="-1" strike="noStrike">
                 <a:latin typeface="Times New Roman"/>
               </a:rPr>
@@ -357,7 +357,7 @@
         <p:spPr>
           <a:xfrm>
             <a:off x="1376280" y="1336680"/>
-            <a:ext cx="4796280" cy="3596040"/>
+            <a:ext cx="4795920" cy="3595680"/>
           </a:xfrm>
           <a:prstGeom prst="rect">
             <a:avLst/>
@@ -380,7 +380,7 @@
         <p:spPr>
           <a:xfrm>
             <a:off x="756000" y="5145120"/>
-            <a:ext cx="6036480" cy="4198680"/>
+            <a:ext cx="6036120" cy="4198320"/>
           </a:xfrm>
           <a:prstGeom prst="rect">
             <a:avLst/>
@@ -410,7 +410,7 @@
         <p:spPr>
           <a:xfrm>
             <a:off x="0" y="10155240"/>
-            <a:ext cx="3264840" cy="525240"/>
+            <a:ext cx="3264480" cy="524880"/>
           </a:xfrm>
           <a:prstGeom prst="rect">
             <a:avLst/>
@@ -488,7 +488,7 @@
         <p:spPr>
           <a:xfrm>
             <a:off x="1376280" y="1336680"/>
-            <a:ext cx="4796280" cy="3596040"/>
+            <a:ext cx="4795920" cy="3595680"/>
           </a:xfrm>
           <a:prstGeom prst="rect">
             <a:avLst/>
@@ -511,7 +511,7 @@
         <p:spPr>
           <a:xfrm>
             <a:off x="756000" y="5145120"/>
-            <a:ext cx="6036480" cy="4198680"/>
+            <a:ext cx="6036120" cy="4198320"/>
           </a:xfrm>
           <a:prstGeom prst="rect">
             <a:avLst/>
@@ -541,7 +541,7 @@
         <p:spPr>
           <a:xfrm>
             <a:off x="0" y="10155240"/>
-            <a:ext cx="3264840" cy="525240"/>
+            <a:ext cx="3264480" cy="524880"/>
           </a:xfrm>
           <a:prstGeom prst="rect">
             <a:avLst/>
@@ -619,7 +619,7 @@
         <p:spPr>
           <a:xfrm>
             <a:off x="1376280" y="1336680"/>
-            <a:ext cx="4796280" cy="3596040"/>
+            <a:ext cx="4795920" cy="3595680"/>
           </a:xfrm>
           <a:prstGeom prst="rect">
             <a:avLst/>
@@ -642,7 +642,7 @@
         <p:spPr>
           <a:xfrm>
             <a:off x="756000" y="5145120"/>
-            <a:ext cx="6036480" cy="4198680"/>
+            <a:ext cx="6036120" cy="4198320"/>
           </a:xfrm>
           <a:prstGeom prst="rect">
             <a:avLst/>
@@ -672,7 +672,7 @@
         <p:spPr>
           <a:xfrm>
             <a:off x="0" y="10155240"/>
-            <a:ext cx="3264840" cy="525240"/>
+            <a:ext cx="3264480" cy="524880"/>
           </a:xfrm>
           <a:prstGeom prst="rect">
             <a:avLst/>
@@ -750,7 +750,7 @@
         <p:spPr>
           <a:xfrm>
             <a:off x="1376280" y="1336680"/>
-            <a:ext cx="4796280" cy="3596040"/>
+            <a:ext cx="4795920" cy="3595680"/>
           </a:xfrm>
           <a:prstGeom prst="rect">
             <a:avLst/>
@@ -773,7 +773,7 @@
         <p:spPr>
           <a:xfrm>
             <a:off x="756000" y="5145120"/>
-            <a:ext cx="6036480" cy="4198680"/>
+            <a:ext cx="6036120" cy="4198320"/>
           </a:xfrm>
           <a:prstGeom prst="rect">
             <a:avLst/>
@@ -803,7 +803,7 @@
         <p:spPr>
           <a:xfrm>
             <a:off x="0" y="10155240"/>
-            <a:ext cx="3264840" cy="525240"/>
+            <a:ext cx="3264480" cy="524880"/>
           </a:xfrm>
           <a:prstGeom prst="rect">
             <a:avLst/>
@@ -881,7 +881,7 @@
         <p:spPr>
           <a:xfrm>
             <a:off x="1376280" y="1336680"/>
-            <a:ext cx="4796280" cy="3596040"/>
+            <a:ext cx="4795920" cy="3595680"/>
           </a:xfrm>
           <a:prstGeom prst="rect">
             <a:avLst/>
@@ -904,7 +904,7 @@
         <p:spPr>
           <a:xfrm>
             <a:off x="756000" y="5145120"/>
-            <a:ext cx="6036480" cy="4198680"/>
+            <a:ext cx="6036120" cy="4198320"/>
           </a:xfrm>
           <a:prstGeom prst="rect">
             <a:avLst/>
@@ -934,7 +934,7 @@
         <p:spPr>
           <a:xfrm>
             <a:off x="0" y="10155240"/>
-            <a:ext cx="3264840" cy="525240"/>
+            <a:ext cx="3264480" cy="524880"/>
           </a:xfrm>
           <a:prstGeom prst="rect">
             <a:avLst/>
@@ -1012,7 +1012,7 @@
         <p:spPr>
           <a:xfrm>
             <a:off x="1376280" y="1336680"/>
-            <a:ext cx="4796280" cy="3596040"/>
+            <a:ext cx="4795920" cy="3595680"/>
           </a:xfrm>
           <a:prstGeom prst="rect">
             <a:avLst/>
@@ -1035,7 +1035,7 @@
         <p:spPr>
           <a:xfrm>
             <a:off x="756000" y="5145120"/>
-            <a:ext cx="6036480" cy="4198680"/>
+            <a:ext cx="6036120" cy="4198320"/>
           </a:xfrm>
           <a:prstGeom prst="rect">
             <a:avLst/>
@@ -1065,7 +1065,7 @@
         <p:spPr>
           <a:xfrm>
             <a:off x="0" y="10155240"/>
-            <a:ext cx="3264840" cy="525240"/>
+            <a:ext cx="3264480" cy="524880"/>
           </a:xfrm>
           <a:prstGeom prst="rect">
             <a:avLst/>
@@ -1143,7 +1143,7 @@
         <p:spPr>
           <a:xfrm>
             <a:off x="1376280" y="1336680"/>
-            <a:ext cx="4796280" cy="3596040"/>
+            <a:ext cx="4795920" cy="3595680"/>
           </a:xfrm>
           <a:prstGeom prst="rect">
             <a:avLst/>
@@ -1166,7 +1166,7 @@
         <p:spPr>
           <a:xfrm>
             <a:off x="756000" y="5145120"/>
-            <a:ext cx="6036480" cy="4198680"/>
+            <a:ext cx="6036120" cy="4198320"/>
           </a:xfrm>
           <a:prstGeom prst="rect">
             <a:avLst/>
@@ -1196,7 +1196,7 @@
         <p:spPr>
           <a:xfrm>
             <a:off x="0" y="10155240"/>
-            <a:ext cx="3264840" cy="525240"/>
+            <a:ext cx="3264480" cy="524880"/>
           </a:xfrm>
           <a:prstGeom prst="rect">
             <a:avLst/>
@@ -1274,7 +1274,7 @@
         <p:spPr>
           <a:xfrm>
             <a:off x="1376280" y="1336680"/>
-            <a:ext cx="4796280" cy="3596040"/>
+            <a:ext cx="4795920" cy="3595680"/>
           </a:xfrm>
           <a:prstGeom prst="rect">
             <a:avLst/>
@@ -1297,7 +1297,7 @@
         <p:spPr>
           <a:xfrm>
             <a:off x="756000" y="5145120"/>
-            <a:ext cx="6036480" cy="4198680"/>
+            <a:ext cx="6036120" cy="4198320"/>
           </a:xfrm>
           <a:prstGeom prst="rect">
             <a:avLst/>
@@ -1327,7 +1327,7 @@
         <p:spPr>
           <a:xfrm>
             <a:off x="0" y="10155240"/>
-            <a:ext cx="3264840" cy="525240"/>
+            <a:ext cx="3264480" cy="524880"/>
           </a:xfrm>
           <a:prstGeom prst="rect">
             <a:avLst/>
@@ -1405,7 +1405,7 @@
         <p:spPr>
           <a:xfrm>
             <a:off x="1376280" y="1336680"/>
-            <a:ext cx="4796280" cy="3596040"/>
+            <a:ext cx="4795920" cy="3595680"/>
           </a:xfrm>
           <a:prstGeom prst="rect">
             <a:avLst/>
@@ -1428,7 +1428,7 @@
         <p:spPr>
           <a:xfrm>
             <a:off x="756000" y="5145120"/>
-            <a:ext cx="6036480" cy="4198680"/>
+            <a:ext cx="6036120" cy="4198320"/>
           </a:xfrm>
           <a:prstGeom prst="rect">
             <a:avLst/>
@@ -1458,7 +1458,7 @@
         <p:spPr>
           <a:xfrm>
             <a:off x="0" y="10155240"/>
-            <a:ext cx="3264840" cy="525240"/>
+            <a:ext cx="3264480" cy="524880"/>
           </a:xfrm>
           <a:prstGeom prst="rect">
             <a:avLst/>
@@ -1536,7 +1536,7 @@
         <p:spPr>
           <a:xfrm>
             <a:off x="1376280" y="1336680"/>
-            <a:ext cx="4796280" cy="3596040"/>
+            <a:ext cx="4795920" cy="3595680"/>
           </a:xfrm>
           <a:prstGeom prst="rect">
             <a:avLst/>
@@ -1559,7 +1559,7 @@
         <p:spPr>
           <a:xfrm>
             <a:off x="756000" y="5145120"/>
-            <a:ext cx="6036480" cy="4198680"/>
+            <a:ext cx="6036120" cy="4198320"/>
           </a:xfrm>
           <a:prstGeom prst="rect">
             <a:avLst/>
@@ -1589,7 +1589,7 @@
         <p:spPr>
           <a:xfrm>
             <a:off x="0" y="10155240"/>
-            <a:ext cx="3264840" cy="525240"/>
+            <a:ext cx="3264480" cy="524880"/>
           </a:xfrm>
           <a:prstGeom prst="rect">
             <a:avLst/>
@@ -1667,7 +1667,7 @@
         <p:spPr>
           <a:xfrm>
             <a:off x="1376280" y="1336680"/>
-            <a:ext cx="4796280" cy="3596040"/>
+            <a:ext cx="4795920" cy="3595680"/>
           </a:xfrm>
           <a:prstGeom prst="rect">
             <a:avLst/>
@@ -1690,7 +1690,7 @@
         <p:spPr>
           <a:xfrm>
             <a:off x="756000" y="5145120"/>
-            <a:ext cx="6036480" cy="4198680"/>
+            <a:ext cx="6036120" cy="4198320"/>
           </a:xfrm>
           <a:prstGeom prst="rect">
             <a:avLst/>
@@ -1720,7 +1720,7 @@
         <p:spPr>
           <a:xfrm>
             <a:off x="0" y="10155240"/>
-            <a:ext cx="3264840" cy="525240"/>
+            <a:ext cx="3264480" cy="524880"/>
           </a:xfrm>
           <a:prstGeom prst="rect">
             <a:avLst/>
@@ -1798,7 +1798,7 @@
         <p:spPr>
           <a:xfrm>
             <a:off x="1376280" y="1336680"/>
-            <a:ext cx="4796280" cy="3596040"/>
+            <a:ext cx="4795920" cy="3595680"/>
           </a:xfrm>
           <a:prstGeom prst="rect">
             <a:avLst/>
@@ -1821,7 +1821,7 @@
         <p:spPr>
           <a:xfrm>
             <a:off x="756000" y="5145120"/>
-            <a:ext cx="6036480" cy="4198680"/>
+            <a:ext cx="6036120" cy="4198320"/>
           </a:xfrm>
           <a:prstGeom prst="rect">
             <a:avLst/>
@@ -1851,7 +1851,7 @@
         <p:spPr>
           <a:xfrm>
             <a:off x="0" y="10155240"/>
-            <a:ext cx="3264840" cy="525240"/>
+            <a:ext cx="3264480" cy="524880"/>
           </a:xfrm>
           <a:prstGeom prst="rect">
             <a:avLst/>
@@ -1929,7 +1929,7 @@
         <p:spPr>
           <a:xfrm>
             <a:off x="1376280" y="1336680"/>
-            <a:ext cx="4796280" cy="3596040"/>
+            <a:ext cx="4795920" cy="3595680"/>
           </a:xfrm>
           <a:prstGeom prst="rect">
             <a:avLst/>
@@ -1952,7 +1952,7 @@
         <p:spPr>
           <a:xfrm>
             <a:off x="756000" y="5145120"/>
-            <a:ext cx="6036480" cy="4198680"/>
+            <a:ext cx="6036120" cy="4198320"/>
           </a:xfrm>
           <a:prstGeom prst="rect">
             <a:avLst/>
@@ -1982,7 +1982,7 @@
         <p:spPr>
           <a:xfrm>
             <a:off x="0" y="10155240"/>
-            <a:ext cx="3264840" cy="525240"/>
+            <a:ext cx="3264480" cy="524880"/>
           </a:xfrm>
           <a:prstGeom prst="rect">
             <a:avLst/>
@@ -2060,7 +2060,7 @@
         <p:spPr>
           <a:xfrm>
             <a:off x="1376280" y="1336680"/>
-            <a:ext cx="4796280" cy="3596040"/>
+            <a:ext cx="4795920" cy="3595680"/>
           </a:xfrm>
           <a:prstGeom prst="rect">
             <a:avLst/>
@@ -2083,7 +2083,7 @@
         <p:spPr>
           <a:xfrm>
             <a:off x="756000" y="5145120"/>
-            <a:ext cx="6036480" cy="4198680"/>
+            <a:ext cx="6036120" cy="4198320"/>
           </a:xfrm>
           <a:prstGeom prst="rect">
             <a:avLst/>
@@ -2113,7 +2113,7 @@
         <p:spPr>
           <a:xfrm>
             <a:off x="0" y="10155240"/>
-            <a:ext cx="3264840" cy="525240"/>
+            <a:ext cx="3264480" cy="524880"/>
           </a:xfrm>
           <a:prstGeom prst="rect">
             <a:avLst/>
@@ -2191,7 +2191,7 @@
         <p:spPr>
           <a:xfrm>
             <a:off x="1376280" y="1336680"/>
-            <a:ext cx="4796280" cy="3596040"/>
+            <a:ext cx="4795920" cy="3595680"/>
           </a:xfrm>
           <a:prstGeom prst="rect">
             <a:avLst/>
@@ -2214,7 +2214,7 @@
         <p:spPr>
           <a:xfrm>
             <a:off x="756000" y="5145120"/>
-            <a:ext cx="6036480" cy="4198680"/>
+            <a:ext cx="6036120" cy="4198320"/>
           </a:xfrm>
           <a:prstGeom prst="rect">
             <a:avLst/>
@@ -2244,7 +2244,7 @@
         <p:spPr>
           <a:xfrm>
             <a:off x="0" y="10155240"/>
-            <a:ext cx="3264840" cy="525240"/>
+            <a:ext cx="3264480" cy="524880"/>
           </a:xfrm>
           <a:prstGeom prst="rect">
             <a:avLst/>
@@ -2322,7 +2322,7 @@
         <p:spPr>
           <a:xfrm>
             <a:off x="1376280" y="1336680"/>
-            <a:ext cx="4796280" cy="3596040"/>
+            <a:ext cx="4795920" cy="3595680"/>
           </a:xfrm>
           <a:prstGeom prst="rect">
             <a:avLst/>
@@ -2345,7 +2345,7 @@
         <p:spPr>
           <a:xfrm>
             <a:off x="756000" y="5145120"/>
-            <a:ext cx="6036480" cy="4198680"/>
+            <a:ext cx="6036120" cy="4198320"/>
           </a:xfrm>
           <a:prstGeom prst="rect">
             <a:avLst/>
@@ -2375,7 +2375,7 @@
         <p:spPr>
           <a:xfrm>
             <a:off x="0" y="10155240"/>
-            <a:ext cx="3264840" cy="525240"/>
+            <a:ext cx="3264480" cy="524880"/>
           </a:xfrm>
           <a:prstGeom prst="rect">
             <a:avLst/>
@@ -2453,7 +2453,7 @@
         <p:spPr>
           <a:xfrm>
             <a:off x="1376280" y="1336680"/>
-            <a:ext cx="4796280" cy="3596040"/>
+            <a:ext cx="4795920" cy="3595680"/>
           </a:xfrm>
           <a:prstGeom prst="rect">
             <a:avLst/>
@@ -2476,7 +2476,7 @@
         <p:spPr>
           <a:xfrm>
             <a:off x="756000" y="5145120"/>
-            <a:ext cx="6036480" cy="4198680"/>
+            <a:ext cx="6036120" cy="4198320"/>
           </a:xfrm>
           <a:prstGeom prst="rect">
             <a:avLst/>
@@ -2506,7 +2506,7 @@
         <p:spPr>
           <a:xfrm>
             <a:off x="0" y="10155240"/>
-            <a:ext cx="3264840" cy="525240"/>
+            <a:ext cx="3264480" cy="524880"/>
           </a:xfrm>
           <a:prstGeom prst="rect">
             <a:avLst/>
@@ -5635,7 +5635,7 @@
         <p:spPr>
           <a:xfrm>
             <a:off x="0" y="3150000"/>
-            <a:ext cx="9708840" cy="1248840"/>
+            <a:ext cx="9708480" cy="1248480"/>
           </a:xfrm>
           <a:prstGeom prst="rect">
             <a:avLst/>
@@ -5933,7 +5933,7 @@
         <p:spPr>
           <a:xfrm>
             <a:off x="0" y="180000"/>
-            <a:ext cx="9708840" cy="1248840"/>
+            <a:ext cx="9708480" cy="1248480"/>
           </a:xfrm>
           <a:prstGeom prst="rect">
             <a:avLst/>
@@ -5961,7 +5961,7 @@
         <p:spPr>
           <a:xfrm>
             <a:off x="7560000" y="6840000"/>
-            <a:ext cx="2508840" cy="528840"/>
+            <a:ext cx="2508480" cy="528480"/>
           </a:xfrm>
           <a:prstGeom prst="rect">
             <a:avLst/>
@@ -5989,7 +5989,7 @@
         <p:spPr>
           <a:xfrm>
             <a:off x="900000" y="6840000"/>
-            <a:ext cx="6468840" cy="528840"/>
+            <a:ext cx="6468480" cy="528480"/>
           </a:xfrm>
           <a:prstGeom prst="rect">
             <a:avLst/>
@@ -6017,7 +6017,7 @@
         <p:spPr>
           <a:xfrm>
             <a:off x="180000" y="6840000"/>
-            <a:ext cx="528840" cy="528840"/>
+            <a:ext cx="528480" cy="528480"/>
           </a:xfrm>
           <a:prstGeom prst="rect">
             <a:avLst/>
@@ -6306,7 +6306,7 @@
         <p:spPr>
           <a:xfrm>
             <a:off x="360000" y="3330000"/>
-            <a:ext cx="9348840" cy="888840"/>
+            <a:ext cx="9348480" cy="888480"/>
           </a:xfrm>
           <a:prstGeom prst="rect">
             <a:avLst/>
@@ -6379,7 +6379,7 @@
         <p:spPr>
           <a:xfrm>
             <a:off x="540000" y="4680000"/>
-            <a:ext cx="9168840" cy="2508840"/>
+            <a:ext cx="9168480" cy="2508480"/>
           </a:xfrm>
           <a:prstGeom prst="rect">
             <a:avLst/>
@@ -6618,7 +6618,7 @@
         <p:spPr>
           <a:xfrm>
             <a:off x="360000" y="360000"/>
-            <a:ext cx="9348840" cy="888840"/>
+            <a:ext cx="9348480" cy="888480"/>
           </a:xfrm>
           <a:prstGeom prst="rect">
             <a:avLst/>
@@ -6670,7 +6670,7 @@
         <p:spPr>
           <a:xfrm>
             <a:off x="360000" y="1980000"/>
-            <a:ext cx="9168840" cy="4668840"/>
+            <a:ext cx="9168480" cy="4668480"/>
           </a:xfrm>
           <a:prstGeom prst="rect">
             <a:avLst/>
@@ -6729,7 +6729,7 @@
         <p:spPr>
           <a:xfrm>
             <a:off x="897120" y="6886080"/>
-            <a:ext cx="6436080" cy="353880"/>
+            <a:ext cx="6435720" cy="353520"/>
           </a:xfrm>
           <a:prstGeom prst="rect">
             <a:avLst/>
@@ -6781,7 +6781,7 @@
         <p:spPr>
           <a:xfrm>
             <a:off x="7608600" y="6886080"/>
-            <a:ext cx="2274120" cy="353880"/>
+            <a:ext cx="2273760" cy="353520"/>
           </a:xfrm>
           <a:prstGeom prst="rect">
             <a:avLst/>
@@ -6816,7 +6816,7 @@
                 <a:latin typeface="Arial"/>
                 <a:ea typeface="DejaVu Sans"/>
               </a:rPr>
-              <a:t>Combinação</a:t>
+              <a:t>Agrupamentos</a:t>
             </a:r>
             <a:endParaRPr b="0" lang="pt-BR" sz="1800" spc="-1" strike="noStrike">
               <a:latin typeface="Arial"/>
@@ -6833,7 +6833,7 @@
         <p:spPr>
           <a:xfrm>
             <a:off x="342360" y="1529280"/>
-            <a:ext cx="9375120" cy="5358600"/>
+            <a:ext cx="9374760" cy="5358240"/>
           </a:xfrm>
           <a:prstGeom prst="rect">
             <a:avLst/>
@@ -6891,48 +6891,33 @@
             </a:endParaRPr>
           </a:p>
           <a:p>
-            <a:pPr lvl="1" marL="432000" indent="-216000">
+            <a:pPr>
               <a:lnSpc>
                 <a:spcPct val="150000"/>
               </a:lnSpc>
-              <a:buClr>
-                <a:srgbClr val="000000"/>
-              </a:buClr>
-              <a:buSzPct val="45000"/>
-              <a:buFont typeface="Wingdings" charset="2"/>
-              <a:buChar char=""/>
+              <a:buNone/>
             </a:pPr>
             <a:endParaRPr b="0" lang="pt-BR" sz="1600" spc="-1" strike="noStrike">
               <a:latin typeface="Arial"/>
             </a:endParaRPr>
           </a:p>
           <a:p>
-            <a:pPr marL="216000" indent="-216000">
+            <a:pPr>
               <a:lnSpc>
                 <a:spcPct val="150000"/>
               </a:lnSpc>
-              <a:buClr>
-                <a:srgbClr val="000000"/>
-              </a:buClr>
-              <a:buSzPct val="45000"/>
-              <a:buFont typeface="Wingdings" charset="2"/>
-              <a:buChar char=""/>
+              <a:buNone/>
             </a:pPr>
             <a:endParaRPr b="0" lang="pt-BR" sz="1600" spc="-1" strike="noStrike">
               <a:latin typeface="Arial"/>
             </a:endParaRPr>
           </a:p>
           <a:p>
-            <a:pPr marL="216000" indent="-216000">
+            <a:pPr>
               <a:lnSpc>
                 <a:spcPct val="150000"/>
               </a:lnSpc>
-              <a:buClr>
-                <a:srgbClr val="000000"/>
-              </a:buClr>
-              <a:buSzPct val="45000"/>
-              <a:buFont typeface="Wingdings" charset="2"/>
-              <a:buChar char=""/>
+              <a:buNone/>
             </a:pPr>
             <a:endParaRPr b="0" lang="pt-BR" sz="1600" spc="-1" strike="noStrike">
               <a:latin typeface="Arial"/>
@@ -6976,16 +6961,11 @@
             </a:endParaRPr>
           </a:p>
           <a:p>
-            <a:pPr marL="216000" indent="-216000">
+            <a:pPr>
               <a:lnSpc>
                 <a:spcPct val="150000"/>
               </a:lnSpc>
-              <a:buClr>
-                <a:srgbClr val="000000"/>
-              </a:buClr>
-              <a:buSzPct val="45000"/>
-              <a:buFont typeface="Wingdings" charset="2"/>
-              <a:buChar char=""/>
+              <a:buNone/>
             </a:pPr>
             <a:endParaRPr b="0" lang="pt-BR" sz="1600" spc="-1" strike="noStrike">
               <a:latin typeface="Arial"/>
@@ -7347,7 +7327,7 @@
         <p:spPr>
           <a:xfrm>
             <a:off x="5761440" y="1800000"/>
-            <a:ext cx="3797280" cy="2700000"/>
+            <a:ext cx="3796920" cy="2699640"/>
           </a:xfrm>
           <a:prstGeom prst="rect">
             <a:avLst/>
@@ -7370,7 +7350,7 @@
         <p:spPr>
           <a:xfrm>
             <a:off x="2628000" y="3810960"/>
-            <a:ext cx="1755720" cy="869040"/>
+            <a:ext cx="1755360" cy="868680"/>
           </a:xfrm>
           <a:prstGeom prst="rect">
             <a:avLst/>
@@ -7393,7 +7373,7 @@
         <p:spPr>
           <a:xfrm>
             <a:off x="2426400" y="3852000"/>
-            <a:ext cx="325800" cy="787320"/>
+            <a:ext cx="325440" cy="786960"/>
           </a:xfrm>
           <a:prstGeom prst="rect">
             <a:avLst/>
@@ -7416,7 +7396,7 @@
         <p:spPr>
           <a:xfrm>
             <a:off x="1620000" y="2370960"/>
-            <a:ext cx="1755720" cy="869040"/>
+            <a:ext cx="1755360" cy="868680"/>
           </a:xfrm>
           <a:prstGeom prst="rect">
             <a:avLst/>
@@ -7434,13 +7414,13 @@
         </p:nvPicPr>
         <p:blipFill>
           <a:blip r:embed="rId5"/>
-          <a:srcRect l="4321" t="14940" r="15582" b="6041"/>
+          <a:srcRect l="4321" t="14940" r="15579" b="6041"/>
           <a:stretch/>
         </p:blipFill>
         <p:spPr>
           <a:xfrm>
             <a:off x="1260000" y="4500000"/>
-            <a:ext cx="3672360" cy="2339640"/>
+            <a:ext cx="3672000" cy="2339280"/>
           </a:xfrm>
           <a:prstGeom prst="rect">
             <a:avLst/>
@@ -7459,7 +7439,7 @@
         <p:spPr>
           <a:xfrm>
             <a:off x="2844000" y="5724000"/>
-            <a:ext cx="180000" cy="360000"/>
+            <a:ext cx="179640" cy="359640"/>
           </a:xfrm>
           <a:custGeom>
             <a:avLst/>
@@ -7548,7 +7528,7 @@
         <p:spPr>
           <a:xfrm>
             <a:off x="360000" y="360000"/>
-            <a:ext cx="9348840" cy="888840"/>
+            <a:ext cx="9348480" cy="888480"/>
           </a:xfrm>
           <a:prstGeom prst="rect">
             <a:avLst/>
@@ -7583,67 +7563,7 @@
                 <a:latin typeface="Source Sans Pro Black"/>
                 <a:ea typeface="DejaVu Sans"/>
               </a:rPr>
-              <a:t>K</a:t>
-            </a:r>
-            <a:r>
-              <a:rPr b="1" lang="pt-BR" sz="2600" spc="-1" strike="noStrike">
-                <a:solidFill>
-                  <a:srgbClr val="ffffff"/>
-                </a:solidFill>
-                <a:latin typeface="Source Sans Pro Black"/>
-                <a:ea typeface="DejaVu Sans"/>
-              </a:rPr>
-              <a:t>-</a:t>
-            </a:r>
-            <a:r>
-              <a:rPr b="1" lang="pt-BR" sz="2600" spc="-1" strike="noStrike">
-                <a:solidFill>
-                  <a:srgbClr val="ffffff"/>
-                </a:solidFill>
-                <a:latin typeface="Source Sans Pro Black"/>
-                <a:ea typeface="DejaVu Sans"/>
-              </a:rPr>
-              <a:t>M</a:t>
-            </a:r>
-            <a:r>
-              <a:rPr b="1" lang="pt-BR" sz="2600" spc="-1" strike="noStrike">
-                <a:solidFill>
-                  <a:srgbClr val="ffffff"/>
-                </a:solidFill>
-                <a:latin typeface="Source Sans Pro Black"/>
-                <a:ea typeface="DejaVu Sans"/>
-              </a:rPr>
-              <a:t>e</a:t>
-            </a:r>
-            <a:r>
-              <a:rPr b="1" lang="pt-BR" sz="2600" spc="-1" strike="noStrike">
-                <a:solidFill>
-                  <a:srgbClr val="ffffff"/>
-                </a:solidFill>
-                <a:latin typeface="Source Sans Pro Black"/>
-                <a:ea typeface="DejaVu Sans"/>
-              </a:rPr>
-              <a:t>a</a:t>
-            </a:r>
-            <a:r>
-              <a:rPr b="1" lang="pt-BR" sz="2600" spc="-1" strike="noStrike">
-                <a:solidFill>
-                  <a:srgbClr val="ffffff"/>
-                </a:solidFill>
-                <a:latin typeface="Source Sans Pro Black"/>
-                <a:ea typeface="DejaVu Sans"/>
-              </a:rPr>
-              <a:t>n</a:t>
-            </a:r>
-            <a:r>
-              <a:rPr b="1" lang="pt-BR" sz="2600" spc="-1" strike="noStrike">
-                <a:solidFill>
-                  <a:srgbClr val="ffffff"/>
-                </a:solidFill>
-                <a:latin typeface="Source Sans Pro Black"/>
-                <a:ea typeface="DejaVu Sans"/>
-              </a:rPr>
-              <a:t>s</a:t>
+              <a:t>K-Means</a:t>
             </a:r>
             <a:endParaRPr b="0" lang="pt-BR" sz="2600" spc="-1" strike="noStrike">
               <a:latin typeface="Arial"/>
@@ -7660,7 +7580,7 @@
         <p:spPr>
           <a:xfrm>
             <a:off x="360000" y="1980000"/>
-            <a:ext cx="9168840" cy="4668840"/>
+            <a:ext cx="9168480" cy="4668480"/>
           </a:xfrm>
           <a:prstGeom prst="rect">
             <a:avLst/>
@@ -7719,7 +7639,7 @@
         <p:spPr>
           <a:xfrm>
             <a:off x="897120" y="6886080"/>
-            <a:ext cx="6436080" cy="353880"/>
+            <a:ext cx="6435720" cy="353520"/>
           </a:xfrm>
           <a:prstGeom prst="rect">
             <a:avLst/>
@@ -7754,8 +7674,50 @@
                 <a:latin typeface="Arial"/>
                 <a:ea typeface="DejaVu Sans"/>
               </a:rPr>
-              <a:t>A</a:t>
+              <a:t>Aprendizado de Máquina - Prof. André Hochuli</a:t>
             </a:r>
+            <a:endParaRPr b="0" lang="pt-BR" sz="1800" spc="-1" strike="noStrike">
+              <a:latin typeface="Arial"/>
+            </a:endParaRPr>
+          </a:p>
+        </p:txBody>
+      </p:sp>
+      <p:sp>
+        <p:nvSpPr>
+          <p:cNvPr id="164" name="CustomShape 48"/>
+          <p:cNvSpPr/>
+          <p:nvPr/>
+        </p:nvSpPr>
+        <p:spPr>
+          <a:xfrm>
+            <a:off x="7608600" y="6886080"/>
+            <a:ext cx="2273760" cy="353520"/>
+          </a:xfrm>
+          <a:prstGeom prst="rect">
+            <a:avLst/>
+          </a:prstGeom>
+          <a:noFill/>
+          <a:ln w="0">
+            <a:noFill/>
+          </a:ln>
+        </p:spPr>
+        <p:style>
+          <a:lnRef idx="0"/>
+          <a:fillRef idx="0"/>
+          <a:effectRef idx="0"/>
+          <a:fontRef idx="minor"/>
+        </p:style>
+        <p:txBody>
+          <a:bodyPr lIns="90000" rIns="90000" tIns="45000" bIns="45000" anchor="t">
+            <a:noAutofit/>
+          </a:bodyPr>
+          <a:p>
+            <a:pPr>
+              <a:lnSpc>
+                <a:spcPct val="100000"/>
+              </a:lnSpc>
+              <a:buNone/>
+            </a:pPr>
             <a:r>
               <a:rPr b="0" lang="pt-BR" sz="1800" spc="-1" strike="noStrike">
                 <a:solidFill>
@@ -7764,569 +7726,7 @@
                 <a:latin typeface="Arial"/>
                 <a:ea typeface="DejaVu Sans"/>
               </a:rPr>
-              <a:t>p</a:t>
-            </a:r>
-            <a:r>
-              <a:rPr b="0" lang="pt-BR" sz="1800" spc="-1" strike="noStrike">
-                <a:solidFill>
-                  <a:srgbClr val="000000"/>
-                </a:solidFill>
-                <a:latin typeface="Arial"/>
-                <a:ea typeface="DejaVu Sans"/>
-              </a:rPr>
-              <a:t>r</a:t>
-            </a:r>
-            <a:r>
-              <a:rPr b="0" lang="pt-BR" sz="1800" spc="-1" strike="noStrike">
-                <a:solidFill>
-                  <a:srgbClr val="000000"/>
-                </a:solidFill>
-                <a:latin typeface="Arial"/>
-                <a:ea typeface="DejaVu Sans"/>
-              </a:rPr>
-              <a:t>e</a:t>
-            </a:r>
-            <a:r>
-              <a:rPr b="0" lang="pt-BR" sz="1800" spc="-1" strike="noStrike">
-                <a:solidFill>
-                  <a:srgbClr val="000000"/>
-                </a:solidFill>
-                <a:latin typeface="Arial"/>
-                <a:ea typeface="DejaVu Sans"/>
-              </a:rPr>
-              <a:t>n</a:t>
-            </a:r>
-            <a:r>
-              <a:rPr b="0" lang="pt-BR" sz="1800" spc="-1" strike="noStrike">
-                <a:solidFill>
-                  <a:srgbClr val="000000"/>
-                </a:solidFill>
-                <a:latin typeface="Arial"/>
-                <a:ea typeface="DejaVu Sans"/>
-              </a:rPr>
-              <a:t>d</a:t>
-            </a:r>
-            <a:r>
-              <a:rPr b="0" lang="pt-BR" sz="1800" spc="-1" strike="noStrike">
-                <a:solidFill>
-                  <a:srgbClr val="000000"/>
-                </a:solidFill>
-                <a:latin typeface="Arial"/>
-                <a:ea typeface="DejaVu Sans"/>
-              </a:rPr>
-              <a:t>i</a:t>
-            </a:r>
-            <a:r>
-              <a:rPr b="0" lang="pt-BR" sz="1800" spc="-1" strike="noStrike">
-                <a:solidFill>
-                  <a:srgbClr val="000000"/>
-                </a:solidFill>
-                <a:latin typeface="Arial"/>
-                <a:ea typeface="DejaVu Sans"/>
-              </a:rPr>
-              <a:t>z</a:t>
-            </a:r>
-            <a:r>
-              <a:rPr b="0" lang="pt-BR" sz="1800" spc="-1" strike="noStrike">
-                <a:solidFill>
-                  <a:srgbClr val="000000"/>
-                </a:solidFill>
-                <a:latin typeface="Arial"/>
-                <a:ea typeface="DejaVu Sans"/>
-              </a:rPr>
-              <a:t>a</a:t>
-            </a:r>
-            <a:r>
-              <a:rPr b="0" lang="pt-BR" sz="1800" spc="-1" strike="noStrike">
-                <a:solidFill>
-                  <a:srgbClr val="000000"/>
-                </a:solidFill>
-                <a:latin typeface="Arial"/>
-                <a:ea typeface="DejaVu Sans"/>
-              </a:rPr>
-              <a:t>d</a:t>
-            </a:r>
-            <a:r>
-              <a:rPr b="0" lang="pt-BR" sz="1800" spc="-1" strike="noStrike">
-                <a:solidFill>
-                  <a:srgbClr val="000000"/>
-                </a:solidFill>
-                <a:latin typeface="Arial"/>
-                <a:ea typeface="DejaVu Sans"/>
-              </a:rPr>
-              <a:t>o</a:t>
-            </a:r>
-            <a:r>
-              <a:rPr b="0" lang="pt-BR" sz="1800" spc="-1" strike="noStrike">
-                <a:solidFill>
-                  <a:srgbClr val="000000"/>
-                </a:solidFill>
-                <a:latin typeface="Arial"/>
-                <a:ea typeface="DejaVu Sans"/>
-              </a:rPr>
-              <a:t> </a:t>
-            </a:r>
-            <a:r>
-              <a:rPr b="0" lang="pt-BR" sz="1800" spc="-1" strike="noStrike">
-                <a:solidFill>
-                  <a:srgbClr val="000000"/>
-                </a:solidFill>
-                <a:latin typeface="Arial"/>
-                <a:ea typeface="DejaVu Sans"/>
-              </a:rPr>
-              <a:t>d</a:t>
-            </a:r>
-            <a:r>
-              <a:rPr b="0" lang="pt-BR" sz="1800" spc="-1" strike="noStrike">
-                <a:solidFill>
-                  <a:srgbClr val="000000"/>
-                </a:solidFill>
-                <a:latin typeface="Arial"/>
-                <a:ea typeface="DejaVu Sans"/>
-              </a:rPr>
-              <a:t>e</a:t>
-            </a:r>
-            <a:r>
-              <a:rPr b="0" lang="pt-BR" sz="1800" spc="-1" strike="noStrike">
-                <a:solidFill>
-                  <a:srgbClr val="000000"/>
-                </a:solidFill>
-                <a:latin typeface="Arial"/>
-                <a:ea typeface="DejaVu Sans"/>
-              </a:rPr>
-              <a:t> </a:t>
-            </a:r>
-            <a:r>
-              <a:rPr b="0" lang="pt-BR" sz="1800" spc="-1" strike="noStrike">
-                <a:solidFill>
-                  <a:srgbClr val="000000"/>
-                </a:solidFill>
-                <a:latin typeface="Arial"/>
-                <a:ea typeface="DejaVu Sans"/>
-              </a:rPr>
-              <a:t>M</a:t>
-            </a:r>
-            <a:r>
-              <a:rPr b="0" lang="pt-BR" sz="1800" spc="-1" strike="noStrike">
-                <a:solidFill>
-                  <a:srgbClr val="000000"/>
-                </a:solidFill>
-                <a:latin typeface="Arial"/>
-                <a:ea typeface="DejaVu Sans"/>
-              </a:rPr>
-              <a:t>á</a:t>
-            </a:r>
-            <a:r>
-              <a:rPr b="0" lang="pt-BR" sz="1800" spc="-1" strike="noStrike">
-                <a:solidFill>
-                  <a:srgbClr val="000000"/>
-                </a:solidFill>
-                <a:latin typeface="Arial"/>
-                <a:ea typeface="DejaVu Sans"/>
-              </a:rPr>
-              <a:t>q</a:t>
-            </a:r>
-            <a:r>
-              <a:rPr b="0" lang="pt-BR" sz="1800" spc="-1" strike="noStrike">
-                <a:solidFill>
-                  <a:srgbClr val="000000"/>
-                </a:solidFill>
-                <a:latin typeface="Arial"/>
-                <a:ea typeface="DejaVu Sans"/>
-              </a:rPr>
-              <a:t>u</a:t>
-            </a:r>
-            <a:r>
-              <a:rPr b="0" lang="pt-BR" sz="1800" spc="-1" strike="noStrike">
-                <a:solidFill>
-                  <a:srgbClr val="000000"/>
-                </a:solidFill>
-                <a:latin typeface="Arial"/>
-                <a:ea typeface="DejaVu Sans"/>
-              </a:rPr>
-              <a:t>i</a:t>
-            </a:r>
-            <a:r>
-              <a:rPr b="0" lang="pt-BR" sz="1800" spc="-1" strike="noStrike">
-                <a:solidFill>
-                  <a:srgbClr val="000000"/>
-                </a:solidFill>
-                <a:latin typeface="Arial"/>
-                <a:ea typeface="DejaVu Sans"/>
-              </a:rPr>
-              <a:t>n</a:t>
-            </a:r>
-            <a:r>
-              <a:rPr b="0" lang="pt-BR" sz="1800" spc="-1" strike="noStrike">
-                <a:solidFill>
-                  <a:srgbClr val="000000"/>
-                </a:solidFill>
-                <a:latin typeface="Arial"/>
-                <a:ea typeface="DejaVu Sans"/>
-              </a:rPr>
-              <a:t>a</a:t>
-            </a:r>
-            <a:r>
-              <a:rPr b="0" lang="pt-BR" sz="1800" spc="-1" strike="noStrike">
-                <a:solidFill>
-                  <a:srgbClr val="000000"/>
-                </a:solidFill>
-                <a:latin typeface="Arial"/>
-                <a:ea typeface="DejaVu Sans"/>
-              </a:rPr>
-              <a:t> </a:t>
-            </a:r>
-            <a:r>
-              <a:rPr b="0" lang="pt-BR" sz="1800" spc="-1" strike="noStrike">
-                <a:solidFill>
-                  <a:srgbClr val="000000"/>
-                </a:solidFill>
-                <a:latin typeface="Arial"/>
-                <a:ea typeface="DejaVu Sans"/>
-              </a:rPr>
-              <a:t>-</a:t>
-            </a:r>
-            <a:r>
-              <a:rPr b="0" lang="pt-BR" sz="1800" spc="-1" strike="noStrike">
-                <a:solidFill>
-                  <a:srgbClr val="000000"/>
-                </a:solidFill>
-                <a:latin typeface="Arial"/>
-                <a:ea typeface="DejaVu Sans"/>
-              </a:rPr>
-              <a:t> </a:t>
-            </a:r>
-            <a:r>
-              <a:rPr b="0" lang="pt-BR" sz="1800" spc="-1" strike="noStrike">
-                <a:solidFill>
-                  <a:srgbClr val="000000"/>
-                </a:solidFill>
-                <a:latin typeface="Arial"/>
-                <a:ea typeface="DejaVu Sans"/>
-              </a:rPr>
-              <a:t>P</a:t>
-            </a:r>
-            <a:r>
-              <a:rPr b="0" lang="pt-BR" sz="1800" spc="-1" strike="noStrike">
-                <a:solidFill>
-                  <a:srgbClr val="000000"/>
-                </a:solidFill>
-                <a:latin typeface="Arial"/>
-                <a:ea typeface="DejaVu Sans"/>
-              </a:rPr>
-              <a:t>r</a:t>
-            </a:r>
-            <a:r>
-              <a:rPr b="0" lang="pt-BR" sz="1800" spc="-1" strike="noStrike">
-                <a:solidFill>
-                  <a:srgbClr val="000000"/>
-                </a:solidFill>
-                <a:latin typeface="Arial"/>
-                <a:ea typeface="DejaVu Sans"/>
-              </a:rPr>
-              <a:t>o</a:t>
-            </a:r>
-            <a:r>
-              <a:rPr b="0" lang="pt-BR" sz="1800" spc="-1" strike="noStrike">
-                <a:solidFill>
-                  <a:srgbClr val="000000"/>
-                </a:solidFill>
-                <a:latin typeface="Arial"/>
-                <a:ea typeface="DejaVu Sans"/>
-              </a:rPr>
-              <a:t>f</a:t>
-            </a:r>
-            <a:r>
-              <a:rPr b="0" lang="pt-BR" sz="1800" spc="-1" strike="noStrike">
-                <a:solidFill>
-                  <a:srgbClr val="000000"/>
-                </a:solidFill>
-                <a:latin typeface="Arial"/>
-                <a:ea typeface="DejaVu Sans"/>
-              </a:rPr>
-              <a:t>.</a:t>
-            </a:r>
-            <a:r>
-              <a:rPr b="0" lang="pt-BR" sz="1800" spc="-1" strike="noStrike">
-                <a:solidFill>
-                  <a:srgbClr val="000000"/>
-                </a:solidFill>
-                <a:latin typeface="Arial"/>
-                <a:ea typeface="DejaVu Sans"/>
-              </a:rPr>
-              <a:t> </a:t>
-            </a:r>
-            <a:r>
-              <a:rPr b="0" lang="pt-BR" sz="1800" spc="-1" strike="noStrike">
-                <a:solidFill>
-                  <a:srgbClr val="000000"/>
-                </a:solidFill>
-                <a:latin typeface="Arial"/>
-                <a:ea typeface="DejaVu Sans"/>
-              </a:rPr>
-              <a:t>A</a:t>
-            </a:r>
-            <a:r>
-              <a:rPr b="0" lang="pt-BR" sz="1800" spc="-1" strike="noStrike">
-                <a:solidFill>
-                  <a:srgbClr val="000000"/>
-                </a:solidFill>
-                <a:latin typeface="Arial"/>
-                <a:ea typeface="DejaVu Sans"/>
-              </a:rPr>
-              <a:t>n</a:t>
-            </a:r>
-            <a:r>
-              <a:rPr b="0" lang="pt-BR" sz="1800" spc="-1" strike="noStrike">
-                <a:solidFill>
-                  <a:srgbClr val="000000"/>
-                </a:solidFill>
-                <a:latin typeface="Arial"/>
-                <a:ea typeface="DejaVu Sans"/>
-              </a:rPr>
-              <a:t>d</a:t>
-            </a:r>
-            <a:r>
-              <a:rPr b="0" lang="pt-BR" sz="1800" spc="-1" strike="noStrike">
-                <a:solidFill>
-                  <a:srgbClr val="000000"/>
-                </a:solidFill>
-                <a:latin typeface="Arial"/>
-                <a:ea typeface="DejaVu Sans"/>
-              </a:rPr>
-              <a:t>r</a:t>
-            </a:r>
-            <a:r>
-              <a:rPr b="0" lang="pt-BR" sz="1800" spc="-1" strike="noStrike">
-                <a:solidFill>
-                  <a:srgbClr val="000000"/>
-                </a:solidFill>
-                <a:latin typeface="Arial"/>
-                <a:ea typeface="DejaVu Sans"/>
-              </a:rPr>
-              <a:t>é</a:t>
-            </a:r>
-            <a:r>
-              <a:rPr b="0" lang="pt-BR" sz="1800" spc="-1" strike="noStrike">
-                <a:solidFill>
-                  <a:srgbClr val="000000"/>
-                </a:solidFill>
-                <a:latin typeface="Arial"/>
-                <a:ea typeface="DejaVu Sans"/>
-              </a:rPr>
-              <a:t> </a:t>
-            </a:r>
-            <a:r>
-              <a:rPr b="0" lang="pt-BR" sz="1800" spc="-1" strike="noStrike">
-                <a:solidFill>
-                  <a:srgbClr val="000000"/>
-                </a:solidFill>
-                <a:latin typeface="Arial"/>
-                <a:ea typeface="DejaVu Sans"/>
-              </a:rPr>
-              <a:t>H</a:t>
-            </a:r>
-            <a:r>
-              <a:rPr b="0" lang="pt-BR" sz="1800" spc="-1" strike="noStrike">
-                <a:solidFill>
-                  <a:srgbClr val="000000"/>
-                </a:solidFill>
-                <a:latin typeface="Arial"/>
-                <a:ea typeface="DejaVu Sans"/>
-              </a:rPr>
-              <a:t>o</a:t>
-            </a:r>
-            <a:r>
-              <a:rPr b="0" lang="pt-BR" sz="1800" spc="-1" strike="noStrike">
-                <a:solidFill>
-                  <a:srgbClr val="000000"/>
-                </a:solidFill>
-                <a:latin typeface="Arial"/>
-                <a:ea typeface="DejaVu Sans"/>
-              </a:rPr>
-              <a:t>c</a:t>
-            </a:r>
-            <a:r>
-              <a:rPr b="0" lang="pt-BR" sz="1800" spc="-1" strike="noStrike">
-                <a:solidFill>
-                  <a:srgbClr val="000000"/>
-                </a:solidFill>
-                <a:latin typeface="Arial"/>
-                <a:ea typeface="DejaVu Sans"/>
-              </a:rPr>
-              <a:t>h</a:t>
-            </a:r>
-            <a:r>
-              <a:rPr b="0" lang="pt-BR" sz="1800" spc="-1" strike="noStrike">
-                <a:solidFill>
-                  <a:srgbClr val="000000"/>
-                </a:solidFill>
-                <a:latin typeface="Arial"/>
-                <a:ea typeface="DejaVu Sans"/>
-              </a:rPr>
-              <a:t>u</a:t>
-            </a:r>
-            <a:r>
-              <a:rPr b="0" lang="pt-BR" sz="1800" spc="-1" strike="noStrike">
-                <a:solidFill>
-                  <a:srgbClr val="000000"/>
-                </a:solidFill>
-                <a:latin typeface="Arial"/>
-                <a:ea typeface="DejaVu Sans"/>
-              </a:rPr>
-              <a:t>l</a:t>
-            </a:r>
-            <a:r>
-              <a:rPr b="0" lang="pt-BR" sz="1800" spc="-1" strike="noStrike">
-                <a:solidFill>
-                  <a:srgbClr val="000000"/>
-                </a:solidFill>
-                <a:latin typeface="Arial"/>
-                <a:ea typeface="DejaVu Sans"/>
-              </a:rPr>
-              <a:t>i</a:t>
-            </a:r>
-            <a:endParaRPr b="0" lang="pt-BR" sz="1800" spc="-1" strike="noStrike">
-              <a:latin typeface="Arial"/>
-            </a:endParaRPr>
-          </a:p>
-        </p:txBody>
-      </p:sp>
-      <p:sp>
-        <p:nvSpPr>
-          <p:cNvPr id="164" name="CustomShape 48"/>
-          <p:cNvSpPr/>
-          <p:nvPr/>
-        </p:nvSpPr>
-        <p:spPr>
-          <a:xfrm>
-            <a:off x="7608600" y="6886080"/>
-            <a:ext cx="2274120" cy="353880"/>
-          </a:xfrm>
-          <a:prstGeom prst="rect">
-            <a:avLst/>
-          </a:prstGeom>
-          <a:noFill/>
-          <a:ln w="0">
-            <a:noFill/>
-          </a:ln>
-        </p:spPr>
-        <p:style>
-          <a:lnRef idx="0"/>
-          <a:fillRef idx="0"/>
-          <a:effectRef idx="0"/>
-          <a:fontRef idx="minor"/>
-        </p:style>
-        <p:txBody>
-          <a:bodyPr lIns="90000" rIns="90000" tIns="45000" bIns="45000" anchor="t">
-            <a:noAutofit/>
-          </a:bodyPr>
-          <a:p>
-            <a:pPr>
-              <a:lnSpc>
-                <a:spcPct val="100000"/>
-              </a:lnSpc>
-              <a:buNone/>
-            </a:pPr>
-            <a:r>
-              <a:rPr b="0" lang="pt-BR" sz="1800" spc="-1" strike="noStrike">
-                <a:solidFill>
-                  <a:srgbClr val="000000"/>
-                </a:solidFill>
-                <a:latin typeface="Arial"/>
-                <a:ea typeface="DejaVu Sans"/>
-              </a:rPr>
-              <a:t>C</a:t>
-            </a:r>
-            <a:r>
-              <a:rPr b="0" lang="pt-BR" sz="1800" spc="-1" strike="noStrike">
-                <a:solidFill>
-                  <a:srgbClr val="000000"/>
-                </a:solidFill>
-                <a:latin typeface="Arial"/>
-                <a:ea typeface="DejaVu Sans"/>
-              </a:rPr>
-              <a:t>o</a:t>
-            </a:r>
-            <a:r>
-              <a:rPr b="0" lang="pt-BR" sz="1800" spc="-1" strike="noStrike">
-                <a:solidFill>
-                  <a:srgbClr val="000000"/>
-                </a:solidFill>
-                <a:latin typeface="Arial"/>
-                <a:ea typeface="DejaVu Sans"/>
-              </a:rPr>
-              <a:t>m</a:t>
-            </a:r>
-            <a:r>
-              <a:rPr b="0" lang="pt-BR" sz="1800" spc="-1" strike="noStrike">
-                <a:solidFill>
-                  <a:srgbClr val="000000"/>
-                </a:solidFill>
-                <a:latin typeface="Arial"/>
-                <a:ea typeface="DejaVu Sans"/>
-              </a:rPr>
-              <a:t>b</a:t>
-            </a:r>
-            <a:r>
-              <a:rPr b="0" lang="pt-BR" sz="1800" spc="-1" strike="noStrike">
-                <a:solidFill>
-                  <a:srgbClr val="000000"/>
-                </a:solidFill>
-                <a:latin typeface="Arial"/>
-                <a:ea typeface="DejaVu Sans"/>
-              </a:rPr>
-              <a:t>i</a:t>
-            </a:r>
-            <a:r>
-              <a:rPr b="0" lang="pt-BR" sz="1800" spc="-1" strike="noStrike">
-                <a:solidFill>
-                  <a:srgbClr val="000000"/>
-                </a:solidFill>
-                <a:latin typeface="Arial"/>
-                <a:ea typeface="DejaVu Sans"/>
-              </a:rPr>
-              <a:t>n</a:t>
-            </a:r>
-            <a:r>
-              <a:rPr b="0" lang="pt-BR" sz="1800" spc="-1" strike="noStrike">
-                <a:solidFill>
-                  <a:srgbClr val="000000"/>
-                </a:solidFill>
-                <a:latin typeface="Arial"/>
-                <a:ea typeface="DejaVu Sans"/>
-              </a:rPr>
-              <a:t>a</a:t>
-            </a:r>
-            <a:r>
-              <a:rPr b="0" lang="pt-BR" sz="1800" spc="-1" strike="noStrike">
-                <a:solidFill>
-                  <a:srgbClr val="000000"/>
-                </a:solidFill>
-                <a:latin typeface="Arial"/>
-                <a:ea typeface="DejaVu Sans"/>
-              </a:rPr>
-              <a:t>ç</a:t>
-            </a:r>
-            <a:r>
-              <a:rPr b="0" lang="pt-BR" sz="1800" spc="-1" strike="noStrike">
-                <a:solidFill>
-                  <a:srgbClr val="000000"/>
-                </a:solidFill>
-                <a:latin typeface="Arial"/>
-                <a:ea typeface="DejaVu Sans"/>
-              </a:rPr>
-              <a:t>ã</a:t>
-            </a:r>
-            <a:r>
-              <a:rPr b="0" lang="pt-BR" sz="1800" spc="-1" strike="noStrike">
-                <a:solidFill>
-                  <a:srgbClr val="000000"/>
-                </a:solidFill>
-                <a:latin typeface="Arial"/>
-                <a:ea typeface="DejaVu Sans"/>
-              </a:rPr>
-              <a:t>o</a:t>
+              <a:t>Agrupamentos</a:t>
             </a:r>
             <a:endParaRPr b="0" lang="pt-BR" sz="1800" spc="-1" strike="noStrike">
               <a:latin typeface="Arial"/>
@@ -8343,7 +7743,7 @@
         <p:spPr>
           <a:xfrm>
             <a:off x="342360" y="1529280"/>
-            <a:ext cx="9375120" cy="5358600"/>
+            <a:ext cx="9374760" cy="5358240"/>
           </a:xfrm>
           <a:prstGeom prst="rect">
             <a:avLst/>
@@ -8394,8 +7794,24 @@
                 <a:latin typeface="Latin Modern Sans"/>
                 <a:ea typeface="DejaVu Sans"/>
               </a:rPr>
-              <a:t>S</a:t>
+              <a:t>Silhueta (Silhouette)</a:t>
             </a:r>
+            <a:endParaRPr b="0" lang="pt-BR" sz="1600" spc="-1" strike="noStrike">
+              <a:latin typeface="Arial"/>
+            </a:endParaRPr>
+          </a:p>
+          <a:p>
+            <a:pPr lvl="1" marL="432000" indent="-216000">
+              <a:lnSpc>
+                <a:spcPct val="150000"/>
+              </a:lnSpc>
+              <a:buClr>
+                <a:srgbClr val="000000"/>
+              </a:buClr>
+              <a:buSzPct val="45000"/>
+              <a:buFont typeface="Wingdings" charset="2"/>
+              <a:buChar char=""/>
+            </a:pPr>
             <a:r>
               <a:rPr b="0" lang="pt-BR" sz="1600" spc="-1" strike="noStrike">
                 <a:solidFill>
@@ -8404,8 +7820,24 @@
                 <a:latin typeface="Latin Modern Sans"/>
                 <a:ea typeface="DejaVu Sans"/>
               </a:rPr>
-              <a:t>i</a:t>
+              <a:t>Medida por instâncias [-1,1]</a:t>
             </a:r>
+            <a:endParaRPr b="0" lang="pt-BR" sz="1600" spc="-1" strike="noStrike">
+              <a:latin typeface="Arial"/>
+            </a:endParaRPr>
+          </a:p>
+          <a:p>
+            <a:pPr lvl="1" marL="432000" indent="-216000">
+              <a:lnSpc>
+                <a:spcPct val="150000"/>
+              </a:lnSpc>
+              <a:buClr>
+                <a:srgbClr val="000000"/>
+              </a:buClr>
+              <a:buSzPct val="45000"/>
+              <a:buFont typeface="Wingdings" charset="2"/>
+              <a:buChar char=""/>
+            </a:pPr>
             <a:r>
               <a:rPr b="0" lang="pt-BR" sz="1600" spc="-1" strike="noStrike">
                 <a:solidFill>
@@ -8414,8 +7846,24 @@
                 <a:latin typeface="Latin Modern Sans"/>
                 <a:ea typeface="DejaVu Sans"/>
               </a:rPr>
-              <a:t>l</a:t>
+              <a:t>Coesão (a)</a:t>
             </a:r>
+            <a:endParaRPr b="0" lang="pt-BR" sz="1600" spc="-1" strike="noStrike">
+              <a:latin typeface="Arial"/>
+            </a:endParaRPr>
+          </a:p>
+          <a:p>
+            <a:pPr lvl="1" marL="432000" indent="-216000">
+              <a:lnSpc>
+                <a:spcPct val="150000"/>
+              </a:lnSpc>
+              <a:buClr>
+                <a:srgbClr val="000000"/>
+              </a:buClr>
+              <a:buSzPct val="45000"/>
+              <a:buFont typeface="Wingdings" charset="2"/>
+              <a:buChar char=""/>
+            </a:pPr>
             <a:r>
               <a:rPr b="0" lang="pt-BR" sz="1600" spc="-1" strike="noStrike">
                 <a:solidFill>
@@ -8424,8 +7872,57 @@
                 <a:latin typeface="Latin Modern Sans"/>
                 <a:ea typeface="DejaVu Sans"/>
               </a:rPr>
-              <a:t>h</a:t>
+              <a:t>Separação (b)</a:t>
             </a:r>
+            <a:endParaRPr b="0" lang="pt-BR" sz="1600" spc="-1" strike="noStrike">
+              <a:latin typeface="Arial"/>
+            </a:endParaRPr>
+          </a:p>
+          <a:p>
+            <a:pPr>
+              <a:lnSpc>
+                <a:spcPct val="150000"/>
+              </a:lnSpc>
+              <a:buNone/>
+            </a:pPr>
+            <a:endParaRPr b="0" lang="pt-BR" sz="1600" spc="-1" strike="noStrike">
+              <a:latin typeface="Arial"/>
+            </a:endParaRPr>
+          </a:p>
+          <a:p>
+            <a:pPr>
+              <a:lnSpc>
+                <a:spcPct val="150000"/>
+              </a:lnSpc>
+              <a:buNone/>
+            </a:pPr>
+            <a:endParaRPr b="0" lang="pt-BR" sz="1600" spc="-1" strike="noStrike">
+              <a:latin typeface="Arial"/>
+            </a:endParaRPr>
+          </a:p>
+          <a:p>
+            <a:pPr>
+              <a:lnSpc>
+                <a:spcPct val="150000"/>
+              </a:lnSpc>
+              <a:buNone/>
+            </a:pPr>
+            <a:endParaRPr b="0" lang="pt-BR" sz="1600" spc="-1" strike="noStrike">
+              <a:latin typeface="Arial"/>
+            </a:endParaRPr>
+          </a:p>
+          <a:p>
+            <a:pPr lvl="1" marL="432000" indent="-216000">
+              <a:lnSpc>
+                <a:spcPct val="150000"/>
+              </a:lnSpc>
+              <a:buClr>
+                <a:srgbClr val="000000"/>
+              </a:buClr>
+              <a:buSzPct val="45000"/>
+              <a:buFont typeface="Wingdings" charset="2"/>
+              <a:buChar char=""/>
+            </a:pPr>
             <a:r>
               <a:rPr b="0" lang="pt-BR" sz="1600" spc="-1" strike="noStrike">
                 <a:solidFill>
@@ -8434,8 +7931,24 @@
                 <a:latin typeface="Latin Modern Sans"/>
                 <a:ea typeface="DejaVu Sans"/>
               </a:rPr>
-              <a:t>u</a:t>
+              <a:t>[-1,+1]:</a:t>
             </a:r>
+            <a:endParaRPr b="0" lang="pt-BR" sz="1600" spc="-1" strike="noStrike">
+              <a:latin typeface="Arial"/>
+            </a:endParaRPr>
+          </a:p>
+          <a:p>
+            <a:pPr lvl="2" marL="648000" indent="-216000">
+              <a:lnSpc>
+                <a:spcPct val="150000"/>
+              </a:lnSpc>
+              <a:buClr>
+                <a:srgbClr val="000000"/>
+              </a:buClr>
+              <a:buSzPct val="45000"/>
+              <a:buFont typeface="Wingdings" charset="2"/>
+              <a:buChar char=""/>
+            </a:pPr>
             <a:r>
               <a:rPr b="0" lang="pt-BR" sz="1600" spc="-1" strike="noStrike">
                 <a:solidFill>
@@ -8444,8 +7957,24 @@
                 <a:latin typeface="Latin Modern Sans"/>
                 <a:ea typeface="DejaVu Sans"/>
               </a:rPr>
-              <a:t>e</a:t>
+              <a:t>-1: Não coerente</a:t>
             </a:r>
+            <a:endParaRPr b="0" lang="pt-BR" sz="1600" spc="-1" strike="noStrike">
+              <a:latin typeface="Arial"/>
+            </a:endParaRPr>
+          </a:p>
+          <a:p>
+            <a:pPr lvl="2" marL="648000" indent="-216000">
+              <a:lnSpc>
+                <a:spcPct val="150000"/>
+              </a:lnSpc>
+              <a:buClr>
+                <a:srgbClr val="000000"/>
+              </a:buClr>
+              <a:buSzPct val="45000"/>
+              <a:buFont typeface="Wingdings" charset="2"/>
+              <a:buChar char=""/>
+            </a:pPr>
             <a:r>
               <a:rPr b="0" lang="pt-BR" sz="1600" spc="-1" strike="noStrike">
                 <a:solidFill>
@@ -8454,1177 +7983,18 @@
                 <a:latin typeface="Latin Modern Sans"/>
                 <a:ea typeface="DejaVu Sans"/>
               </a:rPr>
-              <a:t>t</a:t>
-            </a:r>
-            <a:r>
-              <a:rPr b="0" lang="pt-BR" sz="1600" spc="-1" strike="noStrike">
-                <a:solidFill>
-                  <a:srgbClr val="1c1c1c"/>
-                </a:solidFill>
-                <a:latin typeface="Latin Modern Sans"/>
-                <a:ea typeface="DejaVu Sans"/>
-              </a:rPr>
-              <a:t>a</a:t>
-            </a:r>
-            <a:r>
-              <a:rPr b="0" lang="pt-BR" sz="1600" spc="-1" strike="noStrike">
-                <a:solidFill>
-                  <a:srgbClr val="1c1c1c"/>
-                </a:solidFill>
-                <a:latin typeface="Latin Modern Sans"/>
-                <a:ea typeface="DejaVu Sans"/>
-              </a:rPr>
-              <a:t> </a:t>
-            </a:r>
-            <a:r>
-              <a:rPr b="0" lang="pt-BR" sz="1600" spc="-1" strike="noStrike">
-                <a:solidFill>
-                  <a:srgbClr val="1c1c1c"/>
-                </a:solidFill>
-                <a:latin typeface="Latin Modern Sans"/>
-                <a:ea typeface="DejaVu Sans"/>
-              </a:rPr>
-              <a:t>(</a:t>
-            </a:r>
-            <a:r>
-              <a:rPr b="0" lang="pt-BR" sz="1600" spc="-1" strike="noStrike">
-                <a:solidFill>
-                  <a:srgbClr val="1c1c1c"/>
-                </a:solidFill>
-                <a:latin typeface="Latin Modern Sans"/>
-                <a:ea typeface="DejaVu Sans"/>
-              </a:rPr>
-              <a:t>S</a:t>
-            </a:r>
-            <a:r>
-              <a:rPr b="0" lang="pt-BR" sz="1600" spc="-1" strike="noStrike">
-                <a:solidFill>
-                  <a:srgbClr val="1c1c1c"/>
-                </a:solidFill>
-                <a:latin typeface="Latin Modern Sans"/>
-                <a:ea typeface="DejaVu Sans"/>
-              </a:rPr>
-              <a:t>i</a:t>
-            </a:r>
-            <a:r>
-              <a:rPr b="0" lang="pt-BR" sz="1600" spc="-1" strike="noStrike">
-                <a:solidFill>
-                  <a:srgbClr val="1c1c1c"/>
-                </a:solidFill>
-                <a:latin typeface="Latin Modern Sans"/>
-                <a:ea typeface="DejaVu Sans"/>
-              </a:rPr>
-              <a:t>l</a:t>
-            </a:r>
-            <a:r>
-              <a:rPr b="0" lang="pt-BR" sz="1600" spc="-1" strike="noStrike">
-                <a:solidFill>
-                  <a:srgbClr val="1c1c1c"/>
-                </a:solidFill>
-                <a:latin typeface="Latin Modern Sans"/>
-                <a:ea typeface="DejaVu Sans"/>
-              </a:rPr>
-              <a:t>h</a:t>
-            </a:r>
-            <a:r>
-              <a:rPr b="0" lang="pt-BR" sz="1600" spc="-1" strike="noStrike">
-                <a:solidFill>
-                  <a:srgbClr val="1c1c1c"/>
-                </a:solidFill>
-                <a:latin typeface="Latin Modern Sans"/>
-                <a:ea typeface="DejaVu Sans"/>
-              </a:rPr>
-              <a:t>o</a:t>
-            </a:r>
-            <a:r>
-              <a:rPr b="0" lang="pt-BR" sz="1600" spc="-1" strike="noStrike">
-                <a:solidFill>
-                  <a:srgbClr val="1c1c1c"/>
-                </a:solidFill>
-                <a:latin typeface="Latin Modern Sans"/>
-                <a:ea typeface="DejaVu Sans"/>
-              </a:rPr>
-              <a:t>u</a:t>
-            </a:r>
-            <a:r>
-              <a:rPr b="0" lang="pt-BR" sz="1600" spc="-1" strike="noStrike">
-                <a:solidFill>
-                  <a:srgbClr val="1c1c1c"/>
-                </a:solidFill>
-                <a:latin typeface="Latin Modern Sans"/>
-                <a:ea typeface="DejaVu Sans"/>
-              </a:rPr>
-              <a:t>e</a:t>
-            </a:r>
-            <a:r>
-              <a:rPr b="0" lang="pt-BR" sz="1600" spc="-1" strike="noStrike">
-                <a:solidFill>
-                  <a:srgbClr val="1c1c1c"/>
-                </a:solidFill>
-                <a:latin typeface="Latin Modern Sans"/>
-                <a:ea typeface="DejaVu Sans"/>
-              </a:rPr>
-              <a:t>t</a:t>
-            </a:r>
-            <a:r>
-              <a:rPr b="0" lang="pt-BR" sz="1600" spc="-1" strike="noStrike">
-                <a:solidFill>
-                  <a:srgbClr val="1c1c1c"/>
-                </a:solidFill>
-                <a:latin typeface="Latin Modern Sans"/>
-                <a:ea typeface="DejaVu Sans"/>
-              </a:rPr>
-              <a:t>t</a:t>
-            </a:r>
-            <a:r>
-              <a:rPr b="0" lang="pt-BR" sz="1600" spc="-1" strike="noStrike">
-                <a:solidFill>
-                  <a:srgbClr val="1c1c1c"/>
-                </a:solidFill>
-                <a:latin typeface="Latin Modern Sans"/>
-                <a:ea typeface="DejaVu Sans"/>
-              </a:rPr>
-              <a:t>e</a:t>
-            </a:r>
-            <a:r>
-              <a:rPr b="0" lang="pt-BR" sz="1600" spc="-1" strike="noStrike">
-                <a:solidFill>
-                  <a:srgbClr val="1c1c1c"/>
-                </a:solidFill>
-                <a:latin typeface="Latin Modern Sans"/>
-                <a:ea typeface="DejaVu Sans"/>
-              </a:rPr>
-              <a:t>)</a:t>
+              <a:t>+1: Coerente</a:t>
             </a:r>
             <a:endParaRPr b="0" lang="pt-BR" sz="1600" spc="-1" strike="noStrike">
               <a:latin typeface="Arial"/>
             </a:endParaRPr>
           </a:p>
           <a:p>
-            <a:pPr lvl="1" marL="432000" indent="-216000">
+            <a:pPr>
               <a:lnSpc>
                 <a:spcPct val="150000"/>
               </a:lnSpc>
-              <a:buClr>
-                <a:srgbClr val="000000"/>
-              </a:buClr>
-              <a:buSzPct val="45000"/>
-              <a:buFont typeface="Wingdings" charset="2"/>
-              <a:buChar char=""/>
-            </a:pPr>
-            <a:r>
-              <a:rPr b="0" lang="pt-BR" sz="1600" spc="-1" strike="noStrike">
-                <a:solidFill>
-                  <a:srgbClr val="1c1c1c"/>
-                </a:solidFill>
-                <a:latin typeface="Latin Modern Sans"/>
-                <a:ea typeface="DejaVu Sans"/>
-              </a:rPr>
-              <a:t>M</a:t>
-            </a:r>
-            <a:r>
-              <a:rPr b="0" lang="pt-BR" sz="1600" spc="-1" strike="noStrike">
-                <a:solidFill>
-                  <a:srgbClr val="1c1c1c"/>
-                </a:solidFill>
-                <a:latin typeface="Latin Modern Sans"/>
-                <a:ea typeface="DejaVu Sans"/>
-              </a:rPr>
-              <a:t>e</a:t>
-            </a:r>
-            <a:r>
-              <a:rPr b="0" lang="pt-BR" sz="1600" spc="-1" strike="noStrike">
-                <a:solidFill>
-                  <a:srgbClr val="1c1c1c"/>
-                </a:solidFill>
-                <a:latin typeface="Latin Modern Sans"/>
-                <a:ea typeface="DejaVu Sans"/>
-              </a:rPr>
-              <a:t>d</a:t>
-            </a:r>
-            <a:r>
-              <a:rPr b="0" lang="pt-BR" sz="1600" spc="-1" strike="noStrike">
-                <a:solidFill>
-                  <a:srgbClr val="1c1c1c"/>
-                </a:solidFill>
-                <a:latin typeface="Latin Modern Sans"/>
-                <a:ea typeface="DejaVu Sans"/>
-              </a:rPr>
-              <a:t>i</a:t>
-            </a:r>
-            <a:r>
-              <a:rPr b="0" lang="pt-BR" sz="1600" spc="-1" strike="noStrike">
-                <a:solidFill>
-                  <a:srgbClr val="1c1c1c"/>
-                </a:solidFill>
-                <a:latin typeface="Latin Modern Sans"/>
-                <a:ea typeface="DejaVu Sans"/>
-              </a:rPr>
-              <a:t>d</a:t>
-            </a:r>
-            <a:r>
-              <a:rPr b="0" lang="pt-BR" sz="1600" spc="-1" strike="noStrike">
-                <a:solidFill>
-                  <a:srgbClr val="1c1c1c"/>
-                </a:solidFill>
-                <a:latin typeface="Latin Modern Sans"/>
-                <a:ea typeface="DejaVu Sans"/>
-              </a:rPr>
-              <a:t>a</a:t>
-            </a:r>
-            <a:r>
-              <a:rPr b="0" lang="pt-BR" sz="1600" spc="-1" strike="noStrike">
-                <a:solidFill>
-                  <a:srgbClr val="1c1c1c"/>
-                </a:solidFill>
-                <a:latin typeface="Latin Modern Sans"/>
-                <a:ea typeface="DejaVu Sans"/>
-              </a:rPr>
-              <a:t> </a:t>
-            </a:r>
-            <a:r>
-              <a:rPr b="0" lang="pt-BR" sz="1600" spc="-1" strike="noStrike">
-                <a:solidFill>
-                  <a:srgbClr val="1c1c1c"/>
-                </a:solidFill>
-                <a:latin typeface="Latin Modern Sans"/>
-                <a:ea typeface="DejaVu Sans"/>
-              </a:rPr>
-              <a:t>p</a:t>
-            </a:r>
-            <a:r>
-              <a:rPr b="0" lang="pt-BR" sz="1600" spc="-1" strike="noStrike">
-                <a:solidFill>
-                  <a:srgbClr val="1c1c1c"/>
-                </a:solidFill>
-                <a:latin typeface="Latin Modern Sans"/>
-                <a:ea typeface="DejaVu Sans"/>
-              </a:rPr>
-              <a:t>o</a:t>
-            </a:r>
-            <a:r>
-              <a:rPr b="0" lang="pt-BR" sz="1600" spc="-1" strike="noStrike">
-                <a:solidFill>
-                  <a:srgbClr val="1c1c1c"/>
-                </a:solidFill>
-                <a:latin typeface="Latin Modern Sans"/>
-                <a:ea typeface="DejaVu Sans"/>
-              </a:rPr>
-              <a:t>r</a:t>
-            </a:r>
-            <a:r>
-              <a:rPr b="0" lang="pt-BR" sz="1600" spc="-1" strike="noStrike">
-                <a:solidFill>
-                  <a:srgbClr val="1c1c1c"/>
-                </a:solidFill>
-                <a:latin typeface="Latin Modern Sans"/>
-                <a:ea typeface="DejaVu Sans"/>
-              </a:rPr>
-              <a:t> </a:t>
-            </a:r>
-            <a:r>
-              <a:rPr b="0" lang="pt-BR" sz="1600" spc="-1" strike="noStrike">
-                <a:solidFill>
-                  <a:srgbClr val="1c1c1c"/>
-                </a:solidFill>
-                <a:latin typeface="Latin Modern Sans"/>
-                <a:ea typeface="DejaVu Sans"/>
-              </a:rPr>
-              <a:t>i</a:t>
-            </a:r>
-            <a:r>
-              <a:rPr b="0" lang="pt-BR" sz="1600" spc="-1" strike="noStrike">
-                <a:solidFill>
-                  <a:srgbClr val="1c1c1c"/>
-                </a:solidFill>
-                <a:latin typeface="Latin Modern Sans"/>
-                <a:ea typeface="DejaVu Sans"/>
-              </a:rPr>
-              <a:t>n</a:t>
-            </a:r>
-            <a:r>
-              <a:rPr b="0" lang="pt-BR" sz="1600" spc="-1" strike="noStrike">
-                <a:solidFill>
-                  <a:srgbClr val="1c1c1c"/>
-                </a:solidFill>
-                <a:latin typeface="Latin Modern Sans"/>
-                <a:ea typeface="DejaVu Sans"/>
-              </a:rPr>
-              <a:t>s</a:t>
-            </a:r>
-            <a:r>
-              <a:rPr b="0" lang="pt-BR" sz="1600" spc="-1" strike="noStrike">
-                <a:solidFill>
-                  <a:srgbClr val="1c1c1c"/>
-                </a:solidFill>
-                <a:latin typeface="Latin Modern Sans"/>
-                <a:ea typeface="DejaVu Sans"/>
-              </a:rPr>
-              <a:t>t</a:t>
-            </a:r>
-            <a:r>
-              <a:rPr b="0" lang="pt-BR" sz="1600" spc="-1" strike="noStrike">
-                <a:solidFill>
-                  <a:srgbClr val="1c1c1c"/>
-                </a:solidFill>
-                <a:latin typeface="Latin Modern Sans"/>
-                <a:ea typeface="DejaVu Sans"/>
-              </a:rPr>
-              <a:t>â</a:t>
-            </a:r>
-            <a:r>
-              <a:rPr b="0" lang="pt-BR" sz="1600" spc="-1" strike="noStrike">
-                <a:solidFill>
-                  <a:srgbClr val="1c1c1c"/>
-                </a:solidFill>
-                <a:latin typeface="Latin Modern Sans"/>
-                <a:ea typeface="DejaVu Sans"/>
-              </a:rPr>
-              <a:t>n</a:t>
-            </a:r>
-            <a:r>
-              <a:rPr b="0" lang="pt-BR" sz="1600" spc="-1" strike="noStrike">
-                <a:solidFill>
-                  <a:srgbClr val="1c1c1c"/>
-                </a:solidFill>
-                <a:latin typeface="Latin Modern Sans"/>
-                <a:ea typeface="DejaVu Sans"/>
-              </a:rPr>
-              <a:t>c</a:t>
-            </a:r>
-            <a:r>
-              <a:rPr b="0" lang="pt-BR" sz="1600" spc="-1" strike="noStrike">
-                <a:solidFill>
-                  <a:srgbClr val="1c1c1c"/>
-                </a:solidFill>
-                <a:latin typeface="Latin Modern Sans"/>
-                <a:ea typeface="DejaVu Sans"/>
-              </a:rPr>
-              <a:t>i</a:t>
-            </a:r>
-            <a:r>
-              <a:rPr b="0" lang="pt-BR" sz="1600" spc="-1" strike="noStrike">
-                <a:solidFill>
-                  <a:srgbClr val="1c1c1c"/>
-                </a:solidFill>
-                <a:latin typeface="Latin Modern Sans"/>
-                <a:ea typeface="DejaVu Sans"/>
-              </a:rPr>
-              <a:t>a</a:t>
-            </a:r>
-            <a:r>
-              <a:rPr b="0" lang="pt-BR" sz="1600" spc="-1" strike="noStrike">
-                <a:solidFill>
-                  <a:srgbClr val="1c1c1c"/>
-                </a:solidFill>
-                <a:latin typeface="Latin Modern Sans"/>
-                <a:ea typeface="DejaVu Sans"/>
-              </a:rPr>
-              <a:t>s</a:t>
-            </a:r>
-            <a:r>
-              <a:rPr b="0" lang="pt-BR" sz="1600" spc="-1" strike="noStrike">
-                <a:solidFill>
-                  <a:srgbClr val="1c1c1c"/>
-                </a:solidFill>
-                <a:latin typeface="Latin Modern Sans"/>
-                <a:ea typeface="DejaVu Sans"/>
-              </a:rPr>
-              <a:t> </a:t>
-            </a:r>
-            <a:r>
-              <a:rPr b="0" lang="pt-BR" sz="1600" spc="-1" strike="noStrike">
-                <a:solidFill>
-                  <a:srgbClr val="1c1c1c"/>
-                </a:solidFill>
-                <a:latin typeface="Latin Modern Sans"/>
-                <a:ea typeface="DejaVu Sans"/>
-              </a:rPr>
-              <a:t>[</a:t>
-            </a:r>
-            <a:r>
-              <a:rPr b="0" lang="pt-BR" sz="1600" spc="-1" strike="noStrike">
-                <a:solidFill>
-                  <a:srgbClr val="1c1c1c"/>
-                </a:solidFill>
-                <a:latin typeface="Latin Modern Sans"/>
-                <a:ea typeface="DejaVu Sans"/>
-              </a:rPr>
-              <a:t>-</a:t>
-            </a:r>
-            <a:r>
-              <a:rPr b="0" lang="pt-BR" sz="1600" spc="-1" strike="noStrike">
-                <a:solidFill>
-                  <a:srgbClr val="1c1c1c"/>
-                </a:solidFill>
-                <a:latin typeface="Latin Modern Sans"/>
-                <a:ea typeface="DejaVu Sans"/>
-              </a:rPr>
-              <a:t>1</a:t>
-            </a:r>
-            <a:r>
-              <a:rPr b="0" lang="pt-BR" sz="1600" spc="-1" strike="noStrike">
-                <a:solidFill>
-                  <a:srgbClr val="1c1c1c"/>
-                </a:solidFill>
-                <a:latin typeface="Latin Modern Sans"/>
-                <a:ea typeface="DejaVu Sans"/>
-              </a:rPr>
-              <a:t>,</a:t>
-            </a:r>
-            <a:r>
-              <a:rPr b="0" lang="pt-BR" sz="1600" spc="-1" strike="noStrike">
-                <a:solidFill>
-                  <a:srgbClr val="1c1c1c"/>
-                </a:solidFill>
-                <a:latin typeface="Latin Modern Sans"/>
-                <a:ea typeface="DejaVu Sans"/>
-              </a:rPr>
-              <a:t>1</a:t>
-            </a:r>
-            <a:r>
-              <a:rPr b="0" lang="pt-BR" sz="1600" spc="-1" strike="noStrike">
-                <a:solidFill>
-                  <a:srgbClr val="1c1c1c"/>
-                </a:solidFill>
-                <a:latin typeface="Latin Modern Sans"/>
-                <a:ea typeface="DejaVu Sans"/>
-              </a:rPr>
-              <a:t>]</a:t>
-            </a:r>
-            <a:endParaRPr b="0" lang="pt-BR" sz="1600" spc="-1" strike="noStrike">
-              <a:latin typeface="Arial"/>
-            </a:endParaRPr>
-          </a:p>
-          <a:p>
-            <a:pPr lvl="1" marL="432000" indent="-216000">
-              <a:lnSpc>
-                <a:spcPct val="150000"/>
-              </a:lnSpc>
-              <a:buClr>
-                <a:srgbClr val="000000"/>
-              </a:buClr>
-              <a:buSzPct val="45000"/>
-              <a:buFont typeface="Wingdings" charset="2"/>
-              <a:buChar char=""/>
-            </a:pPr>
-            <a:r>
-              <a:rPr b="0" lang="pt-BR" sz="1600" spc="-1" strike="noStrike">
-                <a:solidFill>
-                  <a:srgbClr val="1c1c1c"/>
-                </a:solidFill>
-                <a:latin typeface="Latin Modern Sans"/>
-                <a:ea typeface="DejaVu Sans"/>
-              </a:rPr>
-              <a:t>C</a:t>
-            </a:r>
-            <a:r>
-              <a:rPr b="0" lang="pt-BR" sz="1600" spc="-1" strike="noStrike">
-                <a:solidFill>
-                  <a:srgbClr val="1c1c1c"/>
-                </a:solidFill>
-                <a:latin typeface="Latin Modern Sans"/>
-                <a:ea typeface="DejaVu Sans"/>
-              </a:rPr>
-              <a:t>o</a:t>
-            </a:r>
-            <a:r>
-              <a:rPr b="0" lang="pt-BR" sz="1600" spc="-1" strike="noStrike">
-                <a:solidFill>
-                  <a:srgbClr val="1c1c1c"/>
-                </a:solidFill>
-                <a:latin typeface="Latin Modern Sans"/>
-                <a:ea typeface="DejaVu Sans"/>
-              </a:rPr>
-              <a:t>e</a:t>
-            </a:r>
-            <a:r>
-              <a:rPr b="0" lang="pt-BR" sz="1600" spc="-1" strike="noStrike">
-                <a:solidFill>
-                  <a:srgbClr val="1c1c1c"/>
-                </a:solidFill>
-                <a:latin typeface="Latin Modern Sans"/>
-                <a:ea typeface="DejaVu Sans"/>
-              </a:rPr>
-              <a:t>s</a:t>
-            </a:r>
-            <a:r>
-              <a:rPr b="0" lang="pt-BR" sz="1600" spc="-1" strike="noStrike">
-                <a:solidFill>
-                  <a:srgbClr val="1c1c1c"/>
-                </a:solidFill>
-                <a:latin typeface="Latin Modern Sans"/>
-                <a:ea typeface="DejaVu Sans"/>
-              </a:rPr>
-              <a:t>ã</a:t>
-            </a:r>
-            <a:r>
-              <a:rPr b="0" lang="pt-BR" sz="1600" spc="-1" strike="noStrike">
-                <a:solidFill>
-                  <a:srgbClr val="1c1c1c"/>
-                </a:solidFill>
-                <a:latin typeface="Latin Modern Sans"/>
-                <a:ea typeface="DejaVu Sans"/>
-              </a:rPr>
-              <a:t>o</a:t>
-            </a:r>
-            <a:r>
-              <a:rPr b="0" lang="pt-BR" sz="1600" spc="-1" strike="noStrike">
-                <a:solidFill>
-                  <a:srgbClr val="1c1c1c"/>
-                </a:solidFill>
-                <a:latin typeface="Latin Modern Sans"/>
-                <a:ea typeface="DejaVu Sans"/>
-              </a:rPr>
-              <a:t> </a:t>
-            </a:r>
-            <a:r>
-              <a:rPr b="0" lang="pt-BR" sz="1600" spc="-1" strike="noStrike">
-                <a:solidFill>
-                  <a:srgbClr val="1c1c1c"/>
-                </a:solidFill>
-                <a:latin typeface="Latin Modern Sans"/>
-                <a:ea typeface="DejaVu Sans"/>
-              </a:rPr>
-              <a:t>(</a:t>
-            </a:r>
-            <a:r>
-              <a:rPr b="0" lang="pt-BR" sz="1600" spc="-1" strike="noStrike">
-                <a:solidFill>
-                  <a:srgbClr val="1c1c1c"/>
-                </a:solidFill>
-                <a:latin typeface="Latin Modern Sans"/>
-                <a:ea typeface="DejaVu Sans"/>
-              </a:rPr>
-              <a:t>a</a:t>
-            </a:r>
-            <a:r>
-              <a:rPr b="0" lang="pt-BR" sz="1600" spc="-1" strike="noStrike">
-                <a:solidFill>
-                  <a:srgbClr val="1c1c1c"/>
-                </a:solidFill>
-                <a:latin typeface="Latin Modern Sans"/>
-                <a:ea typeface="DejaVu Sans"/>
-              </a:rPr>
-              <a:t>)</a:t>
-            </a:r>
-            <a:endParaRPr b="0" lang="pt-BR" sz="1600" spc="-1" strike="noStrike">
-              <a:latin typeface="Arial"/>
-            </a:endParaRPr>
-          </a:p>
-          <a:p>
-            <a:pPr lvl="1" marL="432000" indent="-216000">
-              <a:lnSpc>
-                <a:spcPct val="150000"/>
-              </a:lnSpc>
-              <a:buClr>
-                <a:srgbClr val="000000"/>
-              </a:buClr>
-              <a:buSzPct val="45000"/>
-              <a:buFont typeface="Wingdings" charset="2"/>
-              <a:buChar char=""/>
-            </a:pPr>
-            <a:r>
-              <a:rPr b="0" lang="pt-BR" sz="1600" spc="-1" strike="noStrike">
-                <a:solidFill>
-                  <a:srgbClr val="1c1c1c"/>
-                </a:solidFill>
-                <a:latin typeface="Latin Modern Sans"/>
-                <a:ea typeface="DejaVu Sans"/>
-              </a:rPr>
-              <a:t>S</a:t>
-            </a:r>
-            <a:r>
-              <a:rPr b="0" lang="pt-BR" sz="1600" spc="-1" strike="noStrike">
-                <a:solidFill>
-                  <a:srgbClr val="1c1c1c"/>
-                </a:solidFill>
-                <a:latin typeface="Latin Modern Sans"/>
-                <a:ea typeface="DejaVu Sans"/>
-              </a:rPr>
-              <a:t>e</a:t>
-            </a:r>
-            <a:r>
-              <a:rPr b="0" lang="pt-BR" sz="1600" spc="-1" strike="noStrike">
-                <a:solidFill>
-                  <a:srgbClr val="1c1c1c"/>
-                </a:solidFill>
-                <a:latin typeface="Latin Modern Sans"/>
-                <a:ea typeface="DejaVu Sans"/>
-              </a:rPr>
-              <a:t>p</a:t>
-            </a:r>
-            <a:r>
-              <a:rPr b="0" lang="pt-BR" sz="1600" spc="-1" strike="noStrike">
-                <a:solidFill>
-                  <a:srgbClr val="1c1c1c"/>
-                </a:solidFill>
-                <a:latin typeface="Latin Modern Sans"/>
-                <a:ea typeface="DejaVu Sans"/>
-              </a:rPr>
-              <a:t>a</a:t>
-            </a:r>
-            <a:r>
-              <a:rPr b="0" lang="pt-BR" sz="1600" spc="-1" strike="noStrike">
-                <a:solidFill>
-                  <a:srgbClr val="1c1c1c"/>
-                </a:solidFill>
-                <a:latin typeface="Latin Modern Sans"/>
-                <a:ea typeface="DejaVu Sans"/>
-              </a:rPr>
-              <a:t>r</a:t>
-            </a:r>
-            <a:r>
-              <a:rPr b="0" lang="pt-BR" sz="1600" spc="-1" strike="noStrike">
-                <a:solidFill>
-                  <a:srgbClr val="1c1c1c"/>
-                </a:solidFill>
-                <a:latin typeface="Latin Modern Sans"/>
-                <a:ea typeface="DejaVu Sans"/>
-              </a:rPr>
-              <a:t>a</a:t>
-            </a:r>
-            <a:r>
-              <a:rPr b="0" lang="pt-BR" sz="1600" spc="-1" strike="noStrike">
-                <a:solidFill>
-                  <a:srgbClr val="1c1c1c"/>
-                </a:solidFill>
-                <a:latin typeface="Latin Modern Sans"/>
-                <a:ea typeface="DejaVu Sans"/>
-              </a:rPr>
-              <a:t>ç</a:t>
-            </a:r>
-            <a:r>
-              <a:rPr b="0" lang="pt-BR" sz="1600" spc="-1" strike="noStrike">
-                <a:solidFill>
-                  <a:srgbClr val="1c1c1c"/>
-                </a:solidFill>
-                <a:latin typeface="Latin Modern Sans"/>
-                <a:ea typeface="DejaVu Sans"/>
-              </a:rPr>
-              <a:t>ã</a:t>
-            </a:r>
-            <a:r>
-              <a:rPr b="0" lang="pt-BR" sz="1600" spc="-1" strike="noStrike">
-                <a:solidFill>
-                  <a:srgbClr val="1c1c1c"/>
-                </a:solidFill>
-                <a:latin typeface="Latin Modern Sans"/>
-                <a:ea typeface="DejaVu Sans"/>
-              </a:rPr>
-              <a:t>o</a:t>
-            </a:r>
-            <a:r>
-              <a:rPr b="0" lang="pt-BR" sz="1600" spc="-1" strike="noStrike">
-                <a:solidFill>
-                  <a:srgbClr val="1c1c1c"/>
-                </a:solidFill>
-                <a:latin typeface="Latin Modern Sans"/>
-                <a:ea typeface="DejaVu Sans"/>
-              </a:rPr>
-              <a:t> </a:t>
-            </a:r>
-            <a:r>
-              <a:rPr b="0" lang="pt-BR" sz="1600" spc="-1" strike="noStrike">
-                <a:solidFill>
-                  <a:srgbClr val="1c1c1c"/>
-                </a:solidFill>
-                <a:latin typeface="Latin Modern Sans"/>
-                <a:ea typeface="DejaVu Sans"/>
-              </a:rPr>
-              <a:t>(</a:t>
-            </a:r>
-            <a:r>
-              <a:rPr b="0" lang="pt-BR" sz="1600" spc="-1" strike="noStrike">
-                <a:solidFill>
-                  <a:srgbClr val="1c1c1c"/>
-                </a:solidFill>
-                <a:latin typeface="Latin Modern Sans"/>
-                <a:ea typeface="DejaVu Sans"/>
-              </a:rPr>
-              <a:t>b</a:t>
-            </a:r>
-            <a:r>
-              <a:rPr b="0" lang="pt-BR" sz="1600" spc="-1" strike="noStrike">
-                <a:solidFill>
-                  <a:srgbClr val="1c1c1c"/>
-                </a:solidFill>
-                <a:latin typeface="Latin Modern Sans"/>
-                <a:ea typeface="DejaVu Sans"/>
-              </a:rPr>
-              <a:t>)</a:t>
-            </a:r>
-            <a:endParaRPr b="0" lang="pt-BR" sz="1600" spc="-1" strike="noStrike">
-              <a:latin typeface="Arial"/>
-            </a:endParaRPr>
-          </a:p>
-          <a:p>
-            <a:pPr lvl="1" marL="432000" indent="-216000">
-              <a:lnSpc>
-                <a:spcPct val="150000"/>
-              </a:lnSpc>
-              <a:buClr>
-                <a:srgbClr val="000000"/>
-              </a:buClr>
-              <a:buSzPct val="45000"/>
-              <a:buFont typeface="Wingdings" charset="2"/>
-              <a:buChar char=""/>
-            </a:pPr>
-            <a:endParaRPr b="0" lang="pt-BR" sz="1600" spc="-1" strike="noStrike">
-              <a:latin typeface="Arial"/>
-            </a:endParaRPr>
-          </a:p>
-          <a:p>
-            <a:pPr lvl="1" marL="432000" indent="-216000">
-              <a:lnSpc>
-                <a:spcPct val="150000"/>
-              </a:lnSpc>
-              <a:buClr>
-                <a:srgbClr val="000000"/>
-              </a:buClr>
-              <a:buSzPct val="45000"/>
-              <a:buFont typeface="Wingdings" charset="2"/>
-              <a:buChar char=""/>
-            </a:pPr>
-            <a:endParaRPr b="0" lang="pt-BR" sz="1600" spc="-1" strike="noStrike">
-              <a:latin typeface="Arial"/>
-            </a:endParaRPr>
-          </a:p>
-          <a:p>
-            <a:pPr lvl="1" marL="432000" indent="-216000">
-              <a:lnSpc>
-                <a:spcPct val="150000"/>
-              </a:lnSpc>
-              <a:buClr>
-                <a:srgbClr val="000000"/>
-              </a:buClr>
-              <a:buSzPct val="45000"/>
-              <a:buFont typeface="Wingdings" charset="2"/>
-              <a:buChar char=""/>
-            </a:pPr>
-            <a:endParaRPr b="0" lang="pt-BR" sz="1600" spc="-1" strike="noStrike">
-              <a:latin typeface="Arial"/>
-            </a:endParaRPr>
-          </a:p>
-          <a:p>
-            <a:pPr lvl="1" marL="432000" indent="-216000">
-              <a:lnSpc>
-                <a:spcPct val="150000"/>
-              </a:lnSpc>
-              <a:buClr>
-                <a:srgbClr val="000000"/>
-              </a:buClr>
-              <a:buSzPct val="45000"/>
-              <a:buFont typeface="Wingdings" charset="2"/>
-              <a:buChar char=""/>
-            </a:pPr>
-            <a:r>
-              <a:rPr b="0" lang="pt-BR" sz="1600" spc="-1" strike="noStrike">
-                <a:solidFill>
-                  <a:srgbClr val="1c1c1c"/>
-                </a:solidFill>
-                <a:latin typeface="Latin Modern Sans"/>
-                <a:ea typeface="DejaVu Sans"/>
-              </a:rPr>
-              <a:t>[</a:t>
-            </a:r>
-            <a:r>
-              <a:rPr b="0" lang="pt-BR" sz="1600" spc="-1" strike="noStrike">
-                <a:solidFill>
-                  <a:srgbClr val="1c1c1c"/>
-                </a:solidFill>
-                <a:latin typeface="Latin Modern Sans"/>
-                <a:ea typeface="DejaVu Sans"/>
-              </a:rPr>
-              <a:t>-</a:t>
-            </a:r>
-            <a:r>
-              <a:rPr b="0" lang="pt-BR" sz="1600" spc="-1" strike="noStrike">
-                <a:solidFill>
-                  <a:srgbClr val="1c1c1c"/>
-                </a:solidFill>
-                <a:latin typeface="Latin Modern Sans"/>
-                <a:ea typeface="DejaVu Sans"/>
-              </a:rPr>
-              <a:t>1</a:t>
-            </a:r>
-            <a:r>
-              <a:rPr b="0" lang="pt-BR" sz="1600" spc="-1" strike="noStrike">
-                <a:solidFill>
-                  <a:srgbClr val="1c1c1c"/>
-                </a:solidFill>
-                <a:latin typeface="Latin Modern Sans"/>
-                <a:ea typeface="DejaVu Sans"/>
-              </a:rPr>
-              <a:t>,</a:t>
-            </a:r>
-            <a:r>
-              <a:rPr b="0" lang="pt-BR" sz="1600" spc="-1" strike="noStrike">
-                <a:solidFill>
-                  <a:srgbClr val="1c1c1c"/>
-                </a:solidFill>
-                <a:latin typeface="Latin Modern Sans"/>
-                <a:ea typeface="DejaVu Sans"/>
-              </a:rPr>
-              <a:t>+</a:t>
-            </a:r>
-            <a:r>
-              <a:rPr b="0" lang="pt-BR" sz="1600" spc="-1" strike="noStrike">
-                <a:solidFill>
-                  <a:srgbClr val="1c1c1c"/>
-                </a:solidFill>
-                <a:latin typeface="Latin Modern Sans"/>
-                <a:ea typeface="DejaVu Sans"/>
-              </a:rPr>
-              <a:t>1</a:t>
-            </a:r>
-            <a:r>
-              <a:rPr b="0" lang="pt-BR" sz="1600" spc="-1" strike="noStrike">
-                <a:solidFill>
-                  <a:srgbClr val="1c1c1c"/>
-                </a:solidFill>
-                <a:latin typeface="Latin Modern Sans"/>
-                <a:ea typeface="DejaVu Sans"/>
-              </a:rPr>
-              <a:t>]</a:t>
-            </a:r>
-            <a:r>
-              <a:rPr b="0" lang="pt-BR" sz="1600" spc="-1" strike="noStrike">
-                <a:solidFill>
-                  <a:srgbClr val="1c1c1c"/>
-                </a:solidFill>
-                <a:latin typeface="Latin Modern Sans"/>
-                <a:ea typeface="DejaVu Sans"/>
-              </a:rPr>
-              <a:t>:</a:t>
-            </a:r>
-            <a:endParaRPr b="0" lang="pt-BR" sz="1600" spc="-1" strike="noStrike">
-              <a:latin typeface="Arial"/>
-            </a:endParaRPr>
-          </a:p>
-          <a:p>
-            <a:pPr lvl="2" marL="648000" indent="-216000">
-              <a:lnSpc>
-                <a:spcPct val="150000"/>
-              </a:lnSpc>
-              <a:buClr>
-                <a:srgbClr val="000000"/>
-              </a:buClr>
-              <a:buSzPct val="45000"/>
-              <a:buFont typeface="Wingdings" charset="2"/>
-              <a:buChar char=""/>
-            </a:pPr>
-            <a:r>
-              <a:rPr b="0" lang="pt-BR" sz="1600" spc="-1" strike="noStrike">
-                <a:solidFill>
-                  <a:srgbClr val="1c1c1c"/>
-                </a:solidFill>
-                <a:latin typeface="Latin Modern Sans"/>
-                <a:ea typeface="DejaVu Sans"/>
-              </a:rPr>
-              <a:t>-</a:t>
-            </a:r>
-            <a:r>
-              <a:rPr b="0" lang="pt-BR" sz="1600" spc="-1" strike="noStrike">
-                <a:solidFill>
-                  <a:srgbClr val="1c1c1c"/>
-                </a:solidFill>
-                <a:latin typeface="Latin Modern Sans"/>
-                <a:ea typeface="DejaVu Sans"/>
-              </a:rPr>
-              <a:t>1</a:t>
-            </a:r>
-            <a:r>
-              <a:rPr b="0" lang="pt-BR" sz="1600" spc="-1" strike="noStrike">
-                <a:solidFill>
-                  <a:srgbClr val="1c1c1c"/>
-                </a:solidFill>
-                <a:latin typeface="Latin Modern Sans"/>
-                <a:ea typeface="DejaVu Sans"/>
-              </a:rPr>
-              <a:t>:</a:t>
-            </a:r>
-            <a:r>
-              <a:rPr b="0" lang="pt-BR" sz="1600" spc="-1" strike="noStrike">
-                <a:solidFill>
-                  <a:srgbClr val="1c1c1c"/>
-                </a:solidFill>
-                <a:latin typeface="Latin Modern Sans"/>
-                <a:ea typeface="DejaVu Sans"/>
-              </a:rPr>
-              <a:t> </a:t>
-            </a:r>
-            <a:r>
-              <a:rPr b="0" lang="pt-BR" sz="1600" spc="-1" strike="noStrike">
-                <a:solidFill>
-                  <a:srgbClr val="1c1c1c"/>
-                </a:solidFill>
-                <a:latin typeface="Latin Modern Sans"/>
-                <a:ea typeface="DejaVu Sans"/>
-              </a:rPr>
-              <a:t>N</a:t>
-            </a:r>
-            <a:r>
-              <a:rPr b="0" lang="pt-BR" sz="1600" spc="-1" strike="noStrike">
-                <a:solidFill>
-                  <a:srgbClr val="1c1c1c"/>
-                </a:solidFill>
-                <a:latin typeface="Latin Modern Sans"/>
-                <a:ea typeface="DejaVu Sans"/>
-              </a:rPr>
-              <a:t>ã</a:t>
-            </a:r>
-            <a:r>
-              <a:rPr b="0" lang="pt-BR" sz="1600" spc="-1" strike="noStrike">
-                <a:solidFill>
-                  <a:srgbClr val="1c1c1c"/>
-                </a:solidFill>
-                <a:latin typeface="Latin Modern Sans"/>
-                <a:ea typeface="DejaVu Sans"/>
-              </a:rPr>
-              <a:t>o</a:t>
-            </a:r>
-            <a:r>
-              <a:rPr b="0" lang="pt-BR" sz="1600" spc="-1" strike="noStrike">
-                <a:solidFill>
-                  <a:srgbClr val="1c1c1c"/>
-                </a:solidFill>
-                <a:latin typeface="Latin Modern Sans"/>
-                <a:ea typeface="DejaVu Sans"/>
-              </a:rPr>
-              <a:t> </a:t>
-            </a:r>
-            <a:r>
-              <a:rPr b="0" lang="pt-BR" sz="1600" spc="-1" strike="noStrike">
-                <a:solidFill>
-                  <a:srgbClr val="1c1c1c"/>
-                </a:solidFill>
-                <a:latin typeface="Latin Modern Sans"/>
-                <a:ea typeface="DejaVu Sans"/>
-              </a:rPr>
-              <a:t>c</a:t>
-            </a:r>
-            <a:r>
-              <a:rPr b="0" lang="pt-BR" sz="1600" spc="-1" strike="noStrike">
-                <a:solidFill>
-                  <a:srgbClr val="1c1c1c"/>
-                </a:solidFill>
-                <a:latin typeface="Latin Modern Sans"/>
-                <a:ea typeface="DejaVu Sans"/>
-              </a:rPr>
-              <a:t>o</a:t>
-            </a:r>
-            <a:r>
-              <a:rPr b="0" lang="pt-BR" sz="1600" spc="-1" strike="noStrike">
-                <a:solidFill>
-                  <a:srgbClr val="1c1c1c"/>
-                </a:solidFill>
-                <a:latin typeface="Latin Modern Sans"/>
-                <a:ea typeface="DejaVu Sans"/>
-              </a:rPr>
-              <a:t>e</a:t>
-            </a:r>
-            <a:r>
-              <a:rPr b="0" lang="pt-BR" sz="1600" spc="-1" strike="noStrike">
-                <a:solidFill>
-                  <a:srgbClr val="1c1c1c"/>
-                </a:solidFill>
-                <a:latin typeface="Latin Modern Sans"/>
-                <a:ea typeface="DejaVu Sans"/>
-              </a:rPr>
-              <a:t>r</a:t>
-            </a:r>
-            <a:r>
-              <a:rPr b="0" lang="pt-BR" sz="1600" spc="-1" strike="noStrike">
-                <a:solidFill>
-                  <a:srgbClr val="1c1c1c"/>
-                </a:solidFill>
-                <a:latin typeface="Latin Modern Sans"/>
-                <a:ea typeface="DejaVu Sans"/>
-              </a:rPr>
-              <a:t>e</a:t>
-            </a:r>
-            <a:r>
-              <a:rPr b="0" lang="pt-BR" sz="1600" spc="-1" strike="noStrike">
-                <a:solidFill>
-                  <a:srgbClr val="1c1c1c"/>
-                </a:solidFill>
-                <a:latin typeface="Latin Modern Sans"/>
-                <a:ea typeface="DejaVu Sans"/>
-              </a:rPr>
-              <a:t>n</a:t>
-            </a:r>
-            <a:r>
-              <a:rPr b="0" lang="pt-BR" sz="1600" spc="-1" strike="noStrike">
-                <a:solidFill>
-                  <a:srgbClr val="1c1c1c"/>
-                </a:solidFill>
-                <a:latin typeface="Latin Modern Sans"/>
-                <a:ea typeface="DejaVu Sans"/>
-              </a:rPr>
-              <a:t>t</a:t>
-            </a:r>
-            <a:r>
-              <a:rPr b="0" lang="pt-BR" sz="1600" spc="-1" strike="noStrike">
-                <a:solidFill>
-                  <a:srgbClr val="1c1c1c"/>
-                </a:solidFill>
-                <a:latin typeface="Latin Modern Sans"/>
-                <a:ea typeface="DejaVu Sans"/>
-              </a:rPr>
-              <a:t>e</a:t>
-            </a:r>
-            <a:endParaRPr b="0" lang="pt-BR" sz="1600" spc="-1" strike="noStrike">
-              <a:latin typeface="Arial"/>
-            </a:endParaRPr>
-          </a:p>
-          <a:p>
-            <a:pPr lvl="2" marL="648000" indent="-216000">
-              <a:lnSpc>
-                <a:spcPct val="150000"/>
-              </a:lnSpc>
-              <a:buClr>
-                <a:srgbClr val="000000"/>
-              </a:buClr>
-              <a:buSzPct val="45000"/>
-              <a:buFont typeface="Wingdings" charset="2"/>
-              <a:buChar char=""/>
-            </a:pPr>
-            <a:r>
-              <a:rPr b="0" lang="pt-BR" sz="1600" spc="-1" strike="noStrike">
-                <a:solidFill>
-                  <a:srgbClr val="1c1c1c"/>
-                </a:solidFill>
-                <a:latin typeface="Latin Modern Sans"/>
-                <a:ea typeface="DejaVu Sans"/>
-              </a:rPr>
-              <a:t>+</a:t>
-            </a:r>
-            <a:r>
-              <a:rPr b="0" lang="pt-BR" sz="1600" spc="-1" strike="noStrike">
-                <a:solidFill>
-                  <a:srgbClr val="1c1c1c"/>
-                </a:solidFill>
-                <a:latin typeface="Latin Modern Sans"/>
-                <a:ea typeface="DejaVu Sans"/>
-              </a:rPr>
-              <a:t>1</a:t>
-            </a:r>
-            <a:r>
-              <a:rPr b="0" lang="pt-BR" sz="1600" spc="-1" strike="noStrike">
-                <a:solidFill>
-                  <a:srgbClr val="1c1c1c"/>
-                </a:solidFill>
-                <a:latin typeface="Latin Modern Sans"/>
-                <a:ea typeface="DejaVu Sans"/>
-              </a:rPr>
-              <a:t>:</a:t>
-            </a:r>
-            <a:r>
-              <a:rPr b="0" lang="pt-BR" sz="1600" spc="-1" strike="noStrike">
-                <a:solidFill>
-                  <a:srgbClr val="1c1c1c"/>
-                </a:solidFill>
-                <a:latin typeface="Latin Modern Sans"/>
-                <a:ea typeface="DejaVu Sans"/>
-              </a:rPr>
-              <a:t> </a:t>
-            </a:r>
-            <a:r>
-              <a:rPr b="0" lang="pt-BR" sz="1600" spc="-1" strike="noStrike">
-                <a:solidFill>
-                  <a:srgbClr val="1c1c1c"/>
-                </a:solidFill>
-                <a:latin typeface="Latin Modern Sans"/>
-                <a:ea typeface="DejaVu Sans"/>
-              </a:rPr>
-              <a:t>C</a:t>
-            </a:r>
-            <a:r>
-              <a:rPr b="0" lang="pt-BR" sz="1600" spc="-1" strike="noStrike">
-                <a:solidFill>
-                  <a:srgbClr val="1c1c1c"/>
-                </a:solidFill>
-                <a:latin typeface="Latin Modern Sans"/>
-                <a:ea typeface="DejaVu Sans"/>
-              </a:rPr>
-              <a:t>o</a:t>
-            </a:r>
-            <a:r>
-              <a:rPr b="0" lang="pt-BR" sz="1600" spc="-1" strike="noStrike">
-                <a:solidFill>
-                  <a:srgbClr val="1c1c1c"/>
-                </a:solidFill>
-                <a:latin typeface="Latin Modern Sans"/>
-                <a:ea typeface="DejaVu Sans"/>
-              </a:rPr>
-              <a:t>e</a:t>
-            </a:r>
-            <a:r>
-              <a:rPr b="0" lang="pt-BR" sz="1600" spc="-1" strike="noStrike">
-                <a:solidFill>
-                  <a:srgbClr val="1c1c1c"/>
-                </a:solidFill>
-                <a:latin typeface="Latin Modern Sans"/>
-                <a:ea typeface="DejaVu Sans"/>
-              </a:rPr>
-              <a:t>r</a:t>
-            </a:r>
-            <a:r>
-              <a:rPr b="0" lang="pt-BR" sz="1600" spc="-1" strike="noStrike">
-                <a:solidFill>
-                  <a:srgbClr val="1c1c1c"/>
-                </a:solidFill>
-                <a:latin typeface="Latin Modern Sans"/>
-                <a:ea typeface="DejaVu Sans"/>
-              </a:rPr>
-              <a:t>e</a:t>
-            </a:r>
-            <a:r>
-              <a:rPr b="0" lang="pt-BR" sz="1600" spc="-1" strike="noStrike">
-                <a:solidFill>
-                  <a:srgbClr val="1c1c1c"/>
-                </a:solidFill>
-                <a:latin typeface="Latin Modern Sans"/>
-                <a:ea typeface="DejaVu Sans"/>
-              </a:rPr>
-              <a:t>n</a:t>
-            </a:r>
-            <a:r>
-              <a:rPr b="0" lang="pt-BR" sz="1600" spc="-1" strike="noStrike">
-                <a:solidFill>
-                  <a:srgbClr val="1c1c1c"/>
-                </a:solidFill>
-                <a:latin typeface="Latin Modern Sans"/>
-                <a:ea typeface="DejaVu Sans"/>
-              </a:rPr>
-              <a:t>t</a:t>
-            </a:r>
-            <a:r>
-              <a:rPr b="0" lang="pt-BR" sz="1600" spc="-1" strike="noStrike">
-                <a:solidFill>
-                  <a:srgbClr val="1c1c1c"/>
-                </a:solidFill>
-                <a:latin typeface="Latin Modern Sans"/>
-                <a:ea typeface="DejaVu Sans"/>
-              </a:rPr>
-              <a:t>e</a:t>
-            </a:r>
-            <a:endParaRPr b="0" lang="pt-BR" sz="1600" spc="-1" strike="noStrike">
-              <a:latin typeface="Arial"/>
-            </a:endParaRPr>
-          </a:p>
-          <a:p>
-            <a:pPr lvl="1" marL="432000" indent="-216000">
-              <a:lnSpc>
-                <a:spcPct val="150000"/>
-              </a:lnSpc>
-              <a:buClr>
-                <a:srgbClr val="000000"/>
-              </a:buClr>
-              <a:buSzPct val="45000"/>
-              <a:buFont typeface="Wingdings" charset="2"/>
-              <a:buChar char=""/>
+              <a:buNone/>
             </a:pPr>
             <a:endParaRPr b="0" lang="pt-BR" sz="1600" spc="-1" strike="noStrike">
               <a:latin typeface="Arial"/>
@@ -9668,16 +8038,11 @@
             </a:endParaRPr>
           </a:p>
           <a:p>
-            <a:pPr marL="216000" indent="-216000">
+            <a:pPr>
               <a:lnSpc>
                 <a:spcPct val="150000"/>
               </a:lnSpc>
-              <a:buClr>
-                <a:srgbClr val="000000"/>
-              </a:buClr>
-              <a:buSzPct val="45000"/>
-              <a:buFont typeface="Wingdings" charset="2"/>
-              <a:buChar char=""/>
+              <a:buNone/>
             </a:pPr>
             <a:endParaRPr b="0" lang="pt-BR" sz="1600" spc="-1" strike="noStrike">
               <a:latin typeface="Arial"/>
@@ -10039,7 +8404,7 @@
         <p:spPr>
           <a:xfrm>
             <a:off x="4860720" y="1980000"/>
-            <a:ext cx="4139280" cy="4139280"/>
+            <a:ext cx="4138920" cy="4138920"/>
           </a:xfrm>
           <a:prstGeom prst="rect">
             <a:avLst/>
@@ -10062,7 +8427,7 @@
         <p:spPr>
           <a:xfrm>
             <a:off x="900000" y="3511800"/>
-            <a:ext cx="1676160" cy="628200"/>
+            <a:ext cx="1675800" cy="627840"/>
           </a:xfrm>
           <a:prstGeom prst="rect">
             <a:avLst/>
@@ -10111,7 +8476,7 @@
         <p:spPr>
           <a:xfrm>
             <a:off x="360000" y="360000"/>
-            <a:ext cx="9348840" cy="888840"/>
+            <a:ext cx="9348480" cy="888480"/>
           </a:xfrm>
           <a:prstGeom prst="rect">
             <a:avLst/>
@@ -10163,7 +8528,7 @@
         <p:spPr>
           <a:xfrm>
             <a:off x="360000" y="1980000"/>
-            <a:ext cx="9168840" cy="4668840"/>
+            <a:ext cx="9168480" cy="4668480"/>
           </a:xfrm>
           <a:prstGeom prst="rect">
             <a:avLst/>
@@ -10222,7 +8587,7 @@
         <p:spPr>
           <a:xfrm>
             <a:off x="897120" y="6886080"/>
-            <a:ext cx="6436080" cy="353880"/>
+            <a:ext cx="6435720" cy="353520"/>
           </a:xfrm>
           <a:prstGeom prst="rect">
             <a:avLst/>
@@ -10257,8 +8622,50 @@
                 <a:latin typeface="Arial"/>
                 <a:ea typeface="DejaVu Sans"/>
               </a:rPr>
-              <a:t>A</a:t>
+              <a:t>Aprendizado de Máquina - Prof. André Hochuli</a:t>
             </a:r>
+            <a:endParaRPr b="0" lang="pt-BR" sz="1800" spc="-1" strike="noStrike">
+              <a:latin typeface="Arial"/>
+            </a:endParaRPr>
+          </a:p>
+        </p:txBody>
+      </p:sp>
+      <p:sp>
+        <p:nvSpPr>
+          <p:cNvPr id="171" name="CustomShape 53"/>
+          <p:cNvSpPr/>
+          <p:nvPr/>
+        </p:nvSpPr>
+        <p:spPr>
+          <a:xfrm>
+            <a:off x="7608600" y="6886080"/>
+            <a:ext cx="2273760" cy="353520"/>
+          </a:xfrm>
+          <a:prstGeom prst="rect">
+            <a:avLst/>
+          </a:prstGeom>
+          <a:noFill/>
+          <a:ln w="0">
+            <a:noFill/>
+          </a:ln>
+        </p:spPr>
+        <p:style>
+          <a:lnRef idx="0"/>
+          <a:fillRef idx="0"/>
+          <a:effectRef idx="0"/>
+          <a:fontRef idx="minor"/>
+        </p:style>
+        <p:txBody>
+          <a:bodyPr lIns="90000" rIns="90000" tIns="45000" bIns="45000" anchor="t">
+            <a:noAutofit/>
+          </a:bodyPr>
+          <a:p>
+            <a:pPr>
+              <a:lnSpc>
+                <a:spcPct val="100000"/>
+              </a:lnSpc>
+              <a:buNone/>
+            </a:pPr>
             <a:r>
               <a:rPr b="0" lang="pt-BR" sz="1800" spc="-1" strike="noStrike">
                 <a:solidFill>
@@ -10267,549 +8674,7 @@
                 <a:latin typeface="Arial"/>
                 <a:ea typeface="DejaVu Sans"/>
               </a:rPr>
-              <a:t>p</a:t>
-            </a:r>
-            <a:r>
-              <a:rPr b="0" lang="pt-BR" sz="1800" spc="-1" strike="noStrike">
-                <a:solidFill>
-                  <a:srgbClr val="000000"/>
-                </a:solidFill>
-                <a:latin typeface="Arial"/>
-                <a:ea typeface="DejaVu Sans"/>
-              </a:rPr>
-              <a:t>r</a:t>
-            </a:r>
-            <a:r>
-              <a:rPr b="0" lang="pt-BR" sz="1800" spc="-1" strike="noStrike">
-                <a:solidFill>
-                  <a:srgbClr val="000000"/>
-                </a:solidFill>
-                <a:latin typeface="Arial"/>
-                <a:ea typeface="DejaVu Sans"/>
-              </a:rPr>
-              <a:t>e</a:t>
-            </a:r>
-            <a:r>
-              <a:rPr b="0" lang="pt-BR" sz="1800" spc="-1" strike="noStrike">
-                <a:solidFill>
-                  <a:srgbClr val="000000"/>
-                </a:solidFill>
-                <a:latin typeface="Arial"/>
-                <a:ea typeface="DejaVu Sans"/>
-              </a:rPr>
-              <a:t>n</a:t>
-            </a:r>
-            <a:r>
-              <a:rPr b="0" lang="pt-BR" sz="1800" spc="-1" strike="noStrike">
-                <a:solidFill>
-                  <a:srgbClr val="000000"/>
-                </a:solidFill>
-                <a:latin typeface="Arial"/>
-                <a:ea typeface="DejaVu Sans"/>
-              </a:rPr>
-              <a:t>d</a:t>
-            </a:r>
-            <a:r>
-              <a:rPr b="0" lang="pt-BR" sz="1800" spc="-1" strike="noStrike">
-                <a:solidFill>
-                  <a:srgbClr val="000000"/>
-                </a:solidFill>
-                <a:latin typeface="Arial"/>
-                <a:ea typeface="DejaVu Sans"/>
-              </a:rPr>
-              <a:t>i</a:t>
-            </a:r>
-            <a:r>
-              <a:rPr b="0" lang="pt-BR" sz="1800" spc="-1" strike="noStrike">
-                <a:solidFill>
-                  <a:srgbClr val="000000"/>
-                </a:solidFill>
-                <a:latin typeface="Arial"/>
-                <a:ea typeface="DejaVu Sans"/>
-              </a:rPr>
-              <a:t>z</a:t>
-            </a:r>
-            <a:r>
-              <a:rPr b="0" lang="pt-BR" sz="1800" spc="-1" strike="noStrike">
-                <a:solidFill>
-                  <a:srgbClr val="000000"/>
-                </a:solidFill>
-                <a:latin typeface="Arial"/>
-                <a:ea typeface="DejaVu Sans"/>
-              </a:rPr>
-              <a:t>a</a:t>
-            </a:r>
-            <a:r>
-              <a:rPr b="0" lang="pt-BR" sz="1800" spc="-1" strike="noStrike">
-                <a:solidFill>
-                  <a:srgbClr val="000000"/>
-                </a:solidFill>
-                <a:latin typeface="Arial"/>
-                <a:ea typeface="DejaVu Sans"/>
-              </a:rPr>
-              <a:t>d</a:t>
-            </a:r>
-            <a:r>
-              <a:rPr b="0" lang="pt-BR" sz="1800" spc="-1" strike="noStrike">
-                <a:solidFill>
-                  <a:srgbClr val="000000"/>
-                </a:solidFill>
-                <a:latin typeface="Arial"/>
-                <a:ea typeface="DejaVu Sans"/>
-              </a:rPr>
-              <a:t>o</a:t>
-            </a:r>
-            <a:r>
-              <a:rPr b="0" lang="pt-BR" sz="1800" spc="-1" strike="noStrike">
-                <a:solidFill>
-                  <a:srgbClr val="000000"/>
-                </a:solidFill>
-                <a:latin typeface="Arial"/>
-                <a:ea typeface="DejaVu Sans"/>
-              </a:rPr>
-              <a:t> </a:t>
-            </a:r>
-            <a:r>
-              <a:rPr b="0" lang="pt-BR" sz="1800" spc="-1" strike="noStrike">
-                <a:solidFill>
-                  <a:srgbClr val="000000"/>
-                </a:solidFill>
-                <a:latin typeface="Arial"/>
-                <a:ea typeface="DejaVu Sans"/>
-              </a:rPr>
-              <a:t>d</a:t>
-            </a:r>
-            <a:r>
-              <a:rPr b="0" lang="pt-BR" sz="1800" spc="-1" strike="noStrike">
-                <a:solidFill>
-                  <a:srgbClr val="000000"/>
-                </a:solidFill>
-                <a:latin typeface="Arial"/>
-                <a:ea typeface="DejaVu Sans"/>
-              </a:rPr>
-              <a:t>e</a:t>
-            </a:r>
-            <a:r>
-              <a:rPr b="0" lang="pt-BR" sz="1800" spc="-1" strike="noStrike">
-                <a:solidFill>
-                  <a:srgbClr val="000000"/>
-                </a:solidFill>
-                <a:latin typeface="Arial"/>
-                <a:ea typeface="DejaVu Sans"/>
-              </a:rPr>
-              <a:t> </a:t>
-            </a:r>
-            <a:r>
-              <a:rPr b="0" lang="pt-BR" sz="1800" spc="-1" strike="noStrike">
-                <a:solidFill>
-                  <a:srgbClr val="000000"/>
-                </a:solidFill>
-                <a:latin typeface="Arial"/>
-                <a:ea typeface="DejaVu Sans"/>
-              </a:rPr>
-              <a:t>M</a:t>
-            </a:r>
-            <a:r>
-              <a:rPr b="0" lang="pt-BR" sz="1800" spc="-1" strike="noStrike">
-                <a:solidFill>
-                  <a:srgbClr val="000000"/>
-                </a:solidFill>
-                <a:latin typeface="Arial"/>
-                <a:ea typeface="DejaVu Sans"/>
-              </a:rPr>
-              <a:t>á</a:t>
-            </a:r>
-            <a:r>
-              <a:rPr b="0" lang="pt-BR" sz="1800" spc="-1" strike="noStrike">
-                <a:solidFill>
-                  <a:srgbClr val="000000"/>
-                </a:solidFill>
-                <a:latin typeface="Arial"/>
-                <a:ea typeface="DejaVu Sans"/>
-              </a:rPr>
-              <a:t>q</a:t>
-            </a:r>
-            <a:r>
-              <a:rPr b="0" lang="pt-BR" sz="1800" spc="-1" strike="noStrike">
-                <a:solidFill>
-                  <a:srgbClr val="000000"/>
-                </a:solidFill>
-                <a:latin typeface="Arial"/>
-                <a:ea typeface="DejaVu Sans"/>
-              </a:rPr>
-              <a:t>u</a:t>
-            </a:r>
-            <a:r>
-              <a:rPr b="0" lang="pt-BR" sz="1800" spc="-1" strike="noStrike">
-                <a:solidFill>
-                  <a:srgbClr val="000000"/>
-                </a:solidFill>
-                <a:latin typeface="Arial"/>
-                <a:ea typeface="DejaVu Sans"/>
-              </a:rPr>
-              <a:t>i</a:t>
-            </a:r>
-            <a:r>
-              <a:rPr b="0" lang="pt-BR" sz="1800" spc="-1" strike="noStrike">
-                <a:solidFill>
-                  <a:srgbClr val="000000"/>
-                </a:solidFill>
-                <a:latin typeface="Arial"/>
-                <a:ea typeface="DejaVu Sans"/>
-              </a:rPr>
-              <a:t>n</a:t>
-            </a:r>
-            <a:r>
-              <a:rPr b="0" lang="pt-BR" sz="1800" spc="-1" strike="noStrike">
-                <a:solidFill>
-                  <a:srgbClr val="000000"/>
-                </a:solidFill>
-                <a:latin typeface="Arial"/>
-                <a:ea typeface="DejaVu Sans"/>
-              </a:rPr>
-              <a:t>a</a:t>
-            </a:r>
-            <a:r>
-              <a:rPr b="0" lang="pt-BR" sz="1800" spc="-1" strike="noStrike">
-                <a:solidFill>
-                  <a:srgbClr val="000000"/>
-                </a:solidFill>
-                <a:latin typeface="Arial"/>
-                <a:ea typeface="DejaVu Sans"/>
-              </a:rPr>
-              <a:t> </a:t>
-            </a:r>
-            <a:r>
-              <a:rPr b="0" lang="pt-BR" sz="1800" spc="-1" strike="noStrike">
-                <a:solidFill>
-                  <a:srgbClr val="000000"/>
-                </a:solidFill>
-                <a:latin typeface="Arial"/>
-                <a:ea typeface="DejaVu Sans"/>
-              </a:rPr>
-              <a:t>- </a:t>
-            </a:r>
-            <a:r>
-              <a:rPr b="0" lang="pt-BR" sz="1800" spc="-1" strike="noStrike">
-                <a:solidFill>
-                  <a:srgbClr val="000000"/>
-                </a:solidFill>
-                <a:latin typeface="Arial"/>
-                <a:ea typeface="DejaVu Sans"/>
-              </a:rPr>
-              <a:t>P</a:t>
-            </a:r>
-            <a:r>
-              <a:rPr b="0" lang="pt-BR" sz="1800" spc="-1" strike="noStrike">
-                <a:solidFill>
-                  <a:srgbClr val="000000"/>
-                </a:solidFill>
-                <a:latin typeface="Arial"/>
-                <a:ea typeface="DejaVu Sans"/>
-              </a:rPr>
-              <a:t>r</a:t>
-            </a:r>
-            <a:r>
-              <a:rPr b="0" lang="pt-BR" sz="1800" spc="-1" strike="noStrike">
-                <a:solidFill>
-                  <a:srgbClr val="000000"/>
-                </a:solidFill>
-                <a:latin typeface="Arial"/>
-                <a:ea typeface="DejaVu Sans"/>
-              </a:rPr>
-              <a:t>o</a:t>
-            </a:r>
-            <a:r>
-              <a:rPr b="0" lang="pt-BR" sz="1800" spc="-1" strike="noStrike">
-                <a:solidFill>
-                  <a:srgbClr val="000000"/>
-                </a:solidFill>
-                <a:latin typeface="Arial"/>
-                <a:ea typeface="DejaVu Sans"/>
-              </a:rPr>
-              <a:t>f</a:t>
-            </a:r>
-            <a:r>
-              <a:rPr b="0" lang="pt-BR" sz="1800" spc="-1" strike="noStrike">
-                <a:solidFill>
-                  <a:srgbClr val="000000"/>
-                </a:solidFill>
-                <a:latin typeface="Arial"/>
-                <a:ea typeface="DejaVu Sans"/>
-              </a:rPr>
-              <a:t>. </a:t>
-            </a:r>
-            <a:r>
-              <a:rPr b="0" lang="pt-BR" sz="1800" spc="-1" strike="noStrike">
-                <a:solidFill>
-                  <a:srgbClr val="000000"/>
-                </a:solidFill>
-                <a:latin typeface="Arial"/>
-                <a:ea typeface="DejaVu Sans"/>
-              </a:rPr>
-              <a:t>A</a:t>
-            </a:r>
-            <a:r>
-              <a:rPr b="0" lang="pt-BR" sz="1800" spc="-1" strike="noStrike">
-                <a:solidFill>
-                  <a:srgbClr val="000000"/>
-                </a:solidFill>
-                <a:latin typeface="Arial"/>
-                <a:ea typeface="DejaVu Sans"/>
-              </a:rPr>
-              <a:t>n</a:t>
-            </a:r>
-            <a:r>
-              <a:rPr b="0" lang="pt-BR" sz="1800" spc="-1" strike="noStrike">
-                <a:solidFill>
-                  <a:srgbClr val="000000"/>
-                </a:solidFill>
-                <a:latin typeface="Arial"/>
-                <a:ea typeface="DejaVu Sans"/>
-              </a:rPr>
-              <a:t>d</a:t>
-            </a:r>
-            <a:r>
-              <a:rPr b="0" lang="pt-BR" sz="1800" spc="-1" strike="noStrike">
-                <a:solidFill>
-                  <a:srgbClr val="000000"/>
-                </a:solidFill>
-                <a:latin typeface="Arial"/>
-                <a:ea typeface="DejaVu Sans"/>
-              </a:rPr>
-              <a:t>r</a:t>
-            </a:r>
-            <a:r>
-              <a:rPr b="0" lang="pt-BR" sz="1800" spc="-1" strike="noStrike">
-                <a:solidFill>
-                  <a:srgbClr val="000000"/>
-                </a:solidFill>
-                <a:latin typeface="Arial"/>
-                <a:ea typeface="DejaVu Sans"/>
-              </a:rPr>
-              <a:t>é</a:t>
-            </a:r>
-            <a:r>
-              <a:rPr b="0" lang="pt-BR" sz="1800" spc="-1" strike="noStrike">
-                <a:solidFill>
-                  <a:srgbClr val="000000"/>
-                </a:solidFill>
-                <a:latin typeface="Arial"/>
-                <a:ea typeface="DejaVu Sans"/>
-              </a:rPr>
-              <a:t> </a:t>
-            </a:r>
-            <a:r>
-              <a:rPr b="0" lang="pt-BR" sz="1800" spc="-1" strike="noStrike">
-                <a:solidFill>
-                  <a:srgbClr val="000000"/>
-                </a:solidFill>
-                <a:latin typeface="Arial"/>
-                <a:ea typeface="DejaVu Sans"/>
-              </a:rPr>
-              <a:t>H</a:t>
-            </a:r>
-            <a:r>
-              <a:rPr b="0" lang="pt-BR" sz="1800" spc="-1" strike="noStrike">
-                <a:solidFill>
-                  <a:srgbClr val="000000"/>
-                </a:solidFill>
-                <a:latin typeface="Arial"/>
-                <a:ea typeface="DejaVu Sans"/>
-              </a:rPr>
-              <a:t>o</a:t>
-            </a:r>
-            <a:r>
-              <a:rPr b="0" lang="pt-BR" sz="1800" spc="-1" strike="noStrike">
-                <a:solidFill>
-                  <a:srgbClr val="000000"/>
-                </a:solidFill>
-                <a:latin typeface="Arial"/>
-                <a:ea typeface="DejaVu Sans"/>
-              </a:rPr>
-              <a:t>c</a:t>
-            </a:r>
-            <a:r>
-              <a:rPr b="0" lang="pt-BR" sz="1800" spc="-1" strike="noStrike">
-                <a:solidFill>
-                  <a:srgbClr val="000000"/>
-                </a:solidFill>
-                <a:latin typeface="Arial"/>
-                <a:ea typeface="DejaVu Sans"/>
-              </a:rPr>
-              <a:t>h</a:t>
-            </a:r>
-            <a:r>
-              <a:rPr b="0" lang="pt-BR" sz="1800" spc="-1" strike="noStrike">
-                <a:solidFill>
-                  <a:srgbClr val="000000"/>
-                </a:solidFill>
-                <a:latin typeface="Arial"/>
-                <a:ea typeface="DejaVu Sans"/>
-              </a:rPr>
-              <a:t>u</a:t>
-            </a:r>
-            <a:r>
-              <a:rPr b="0" lang="pt-BR" sz="1800" spc="-1" strike="noStrike">
-                <a:solidFill>
-                  <a:srgbClr val="000000"/>
-                </a:solidFill>
-                <a:latin typeface="Arial"/>
-                <a:ea typeface="DejaVu Sans"/>
-              </a:rPr>
-              <a:t>l</a:t>
-            </a:r>
-            <a:r>
-              <a:rPr b="0" lang="pt-BR" sz="1800" spc="-1" strike="noStrike">
-                <a:solidFill>
-                  <a:srgbClr val="000000"/>
-                </a:solidFill>
-                <a:latin typeface="Arial"/>
-                <a:ea typeface="DejaVu Sans"/>
-              </a:rPr>
-              <a:t>i</a:t>
-            </a:r>
-            <a:endParaRPr b="0" lang="pt-BR" sz="1800" spc="-1" strike="noStrike">
-              <a:latin typeface="Arial"/>
-            </a:endParaRPr>
-          </a:p>
-        </p:txBody>
-      </p:sp>
-      <p:sp>
-        <p:nvSpPr>
-          <p:cNvPr id="171" name="CustomShape 53"/>
-          <p:cNvSpPr/>
-          <p:nvPr/>
-        </p:nvSpPr>
-        <p:spPr>
-          <a:xfrm>
-            <a:off x="7608600" y="6886080"/>
-            <a:ext cx="2274120" cy="353880"/>
-          </a:xfrm>
-          <a:prstGeom prst="rect">
-            <a:avLst/>
-          </a:prstGeom>
-          <a:noFill/>
-          <a:ln w="0">
-            <a:noFill/>
-          </a:ln>
-        </p:spPr>
-        <p:style>
-          <a:lnRef idx="0"/>
-          <a:fillRef idx="0"/>
-          <a:effectRef idx="0"/>
-          <a:fontRef idx="minor"/>
-        </p:style>
-        <p:txBody>
-          <a:bodyPr lIns="90000" rIns="90000" tIns="45000" bIns="45000" anchor="t">
-            <a:noAutofit/>
-          </a:bodyPr>
-          <a:p>
-            <a:pPr>
-              <a:lnSpc>
-                <a:spcPct val="100000"/>
-              </a:lnSpc>
-              <a:buNone/>
-            </a:pPr>
-            <a:r>
-              <a:rPr b="0" lang="pt-BR" sz="1800" spc="-1" strike="noStrike">
-                <a:solidFill>
-                  <a:srgbClr val="000000"/>
-                </a:solidFill>
-                <a:latin typeface="Arial"/>
-                <a:ea typeface="DejaVu Sans"/>
-              </a:rPr>
-              <a:t>C</a:t>
-            </a:r>
-            <a:r>
-              <a:rPr b="0" lang="pt-BR" sz="1800" spc="-1" strike="noStrike">
-                <a:solidFill>
-                  <a:srgbClr val="000000"/>
-                </a:solidFill>
-                <a:latin typeface="Arial"/>
-                <a:ea typeface="DejaVu Sans"/>
-              </a:rPr>
-              <a:t>o</a:t>
-            </a:r>
-            <a:r>
-              <a:rPr b="0" lang="pt-BR" sz="1800" spc="-1" strike="noStrike">
-                <a:solidFill>
-                  <a:srgbClr val="000000"/>
-                </a:solidFill>
-                <a:latin typeface="Arial"/>
-                <a:ea typeface="DejaVu Sans"/>
-              </a:rPr>
-              <a:t>m</a:t>
-            </a:r>
-            <a:r>
-              <a:rPr b="0" lang="pt-BR" sz="1800" spc="-1" strike="noStrike">
-                <a:solidFill>
-                  <a:srgbClr val="000000"/>
-                </a:solidFill>
-                <a:latin typeface="Arial"/>
-                <a:ea typeface="DejaVu Sans"/>
-              </a:rPr>
-              <a:t>b</a:t>
-            </a:r>
-            <a:r>
-              <a:rPr b="0" lang="pt-BR" sz="1800" spc="-1" strike="noStrike">
-                <a:solidFill>
-                  <a:srgbClr val="000000"/>
-                </a:solidFill>
-                <a:latin typeface="Arial"/>
-                <a:ea typeface="DejaVu Sans"/>
-              </a:rPr>
-              <a:t>i</a:t>
-            </a:r>
-            <a:r>
-              <a:rPr b="0" lang="pt-BR" sz="1800" spc="-1" strike="noStrike">
-                <a:solidFill>
-                  <a:srgbClr val="000000"/>
-                </a:solidFill>
-                <a:latin typeface="Arial"/>
-                <a:ea typeface="DejaVu Sans"/>
-              </a:rPr>
-              <a:t>n</a:t>
-            </a:r>
-            <a:r>
-              <a:rPr b="0" lang="pt-BR" sz="1800" spc="-1" strike="noStrike">
-                <a:solidFill>
-                  <a:srgbClr val="000000"/>
-                </a:solidFill>
-                <a:latin typeface="Arial"/>
-                <a:ea typeface="DejaVu Sans"/>
-              </a:rPr>
-              <a:t>a</a:t>
-            </a:r>
-            <a:r>
-              <a:rPr b="0" lang="pt-BR" sz="1800" spc="-1" strike="noStrike">
-                <a:solidFill>
-                  <a:srgbClr val="000000"/>
-                </a:solidFill>
-                <a:latin typeface="Arial"/>
-                <a:ea typeface="DejaVu Sans"/>
-              </a:rPr>
-              <a:t>ç</a:t>
-            </a:r>
-            <a:r>
-              <a:rPr b="0" lang="pt-BR" sz="1800" spc="-1" strike="noStrike">
-                <a:solidFill>
-                  <a:srgbClr val="000000"/>
-                </a:solidFill>
-                <a:latin typeface="Arial"/>
-                <a:ea typeface="DejaVu Sans"/>
-              </a:rPr>
-              <a:t>ã</a:t>
-            </a:r>
-            <a:r>
-              <a:rPr b="0" lang="pt-BR" sz="1800" spc="-1" strike="noStrike">
-                <a:solidFill>
-                  <a:srgbClr val="000000"/>
-                </a:solidFill>
-                <a:latin typeface="Arial"/>
-                <a:ea typeface="DejaVu Sans"/>
-              </a:rPr>
-              <a:t>o</a:t>
+              <a:t>Agrupamentos</a:t>
             </a:r>
             <a:endParaRPr b="0" lang="pt-BR" sz="1800" spc="-1" strike="noStrike">
               <a:latin typeface="Arial"/>
@@ -10826,7 +8691,7 @@
         <p:spPr>
           <a:xfrm>
             <a:off x="342360" y="1529280"/>
-            <a:ext cx="9375120" cy="5358600"/>
+            <a:ext cx="9374760" cy="5358240"/>
           </a:xfrm>
           <a:prstGeom prst="rect">
             <a:avLst/>
@@ -10877,213 +8742,18 @@
                 <a:latin typeface="Latin Modern Sans"/>
                 <a:ea typeface="DejaVu Sans"/>
               </a:rPr>
-              <a:t>S</a:t>
-            </a:r>
-            <a:r>
-              <a:rPr b="0" lang="pt-BR" sz="1600" spc="-1" strike="noStrike">
-                <a:solidFill>
-                  <a:srgbClr val="1c1c1c"/>
-                </a:solidFill>
-                <a:latin typeface="Latin Modern Sans"/>
-                <a:ea typeface="DejaVu Sans"/>
-              </a:rPr>
-              <a:t>i</a:t>
-            </a:r>
-            <a:r>
-              <a:rPr b="0" lang="pt-BR" sz="1600" spc="-1" strike="noStrike">
-                <a:solidFill>
-                  <a:srgbClr val="1c1c1c"/>
-                </a:solidFill>
-                <a:latin typeface="Latin Modern Sans"/>
-                <a:ea typeface="DejaVu Sans"/>
-              </a:rPr>
-              <a:t>l</a:t>
-            </a:r>
-            <a:r>
-              <a:rPr b="0" lang="pt-BR" sz="1600" spc="-1" strike="noStrike">
-                <a:solidFill>
-                  <a:srgbClr val="1c1c1c"/>
-                </a:solidFill>
-                <a:latin typeface="Latin Modern Sans"/>
-                <a:ea typeface="DejaVu Sans"/>
-              </a:rPr>
-              <a:t>h</a:t>
-            </a:r>
-            <a:r>
-              <a:rPr b="0" lang="pt-BR" sz="1600" spc="-1" strike="noStrike">
-                <a:solidFill>
-                  <a:srgbClr val="1c1c1c"/>
-                </a:solidFill>
-                <a:latin typeface="Latin Modern Sans"/>
-                <a:ea typeface="DejaVu Sans"/>
-              </a:rPr>
-              <a:t>u</a:t>
-            </a:r>
-            <a:r>
-              <a:rPr b="0" lang="pt-BR" sz="1600" spc="-1" strike="noStrike">
-                <a:solidFill>
-                  <a:srgbClr val="1c1c1c"/>
-                </a:solidFill>
-                <a:latin typeface="Latin Modern Sans"/>
-                <a:ea typeface="DejaVu Sans"/>
-              </a:rPr>
-              <a:t>e</a:t>
-            </a:r>
-            <a:r>
-              <a:rPr b="0" lang="pt-BR" sz="1600" spc="-1" strike="noStrike">
-                <a:solidFill>
-                  <a:srgbClr val="1c1c1c"/>
-                </a:solidFill>
-                <a:latin typeface="Latin Modern Sans"/>
-                <a:ea typeface="DejaVu Sans"/>
-              </a:rPr>
-              <a:t>t</a:t>
-            </a:r>
-            <a:r>
-              <a:rPr b="0" lang="pt-BR" sz="1600" spc="-1" strike="noStrike">
-                <a:solidFill>
-                  <a:srgbClr val="1c1c1c"/>
-                </a:solidFill>
-                <a:latin typeface="Latin Modern Sans"/>
-                <a:ea typeface="DejaVu Sans"/>
-              </a:rPr>
-              <a:t>a</a:t>
-            </a:r>
-            <a:r>
-              <a:rPr b="0" lang="pt-BR" sz="1600" spc="-1" strike="noStrike">
-                <a:solidFill>
-                  <a:srgbClr val="1c1c1c"/>
-                </a:solidFill>
-                <a:latin typeface="Latin Modern Sans"/>
-                <a:ea typeface="DejaVu Sans"/>
-              </a:rPr>
-              <a:t> </a:t>
-            </a:r>
-            <a:r>
-              <a:rPr b="0" lang="pt-BR" sz="1600" spc="-1" strike="noStrike">
-                <a:solidFill>
-                  <a:srgbClr val="1c1c1c"/>
-                </a:solidFill>
-                <a:latin typeface="Latin Modern Sans"/>
-                <a:ea typeface="DejaVu Sans"/>
-              </a:rPr>
-              <a:t>(</a:t>
-            </a:r>
-            <a:r>
-              <a:rPr b="0" lang="pt-BR" sz="1600" spc="-1" strike="noStrike">
-                <a:solidFill>
-                  <a:srgbClr val="1c1c1c"/>
-                </a:solidFill>
-                <a:latin typeface="Latin Modern Sans"/>
-                <a:ea typeface="DejaVu Sans"/>
-              </a:rPr>
-              <a:t>S</a:t>
-            </a:r>
-            <a:r>
-              <a:rPr b="0" lang="pt-BR" sz="1600" spc="-1" strike="noStrike">
-                <a:solidFill>
-                  <a:srgbClr val="1c1c1c"/>
-                </a:solidFill>
-                <a:latin typeface="Latin Modern Sans"/>
-                <a:ea typeface="DejaVu Sans"/>
-              </a:rPr>
-              <a:t>i</a:t>
-            </a:r>
-            <a:r>
-              <a:rPr b="0" lang="pt-BR" sz="1600" spc="-1" strike="noStrike">
-                <a:solidFill>
-                  <a:srgbClr val="1c1c1c"/>
-                </a:solidFill>
-                <a:latin typeface="Latin Modern Sans"/>
-                <a:ea typeface="DejaVu Sans"/>
-              </a:rPr>
-              <a:t>l</a:t>
-            </a:r>
-            <a:r>
-              <a:rPr b="0" lang="pt-BR" sz="1600" spc="-1" strike="noStrike">
-                <a:solidFill>
-                  <a:srgbClr val="1c1c1c"/>
-                </a:solidFill>
-                <a:latin typeface="Latin Modern Sans"/>
-                <a:ea typeface="DejaVu Sans"/>
-              </a:rPr>
-              <a:t>h</a:t>
-            </a:r>
-            <a:r>
-              <a:rPr b="0" lang="pt-BR" sz="1600" spc="-1" strike="noStrike">
-                <a:solidFill>
-                  <a:srgbClr val="1c1c1c"/>
-                </a:solidFill>
-                <a:latin typeface="Latin Modern Sans"/>
-                <a:ea typeface="DejaVu Sans"/>
-              </a:rPr>
-              <a:t>o</a:t>
-            </a:r>
-            <a:r>
-              <a:rPr b="0" lang="pt-BR" sz="1600" spc="-1" strike="noStrike">
-                <a:solidFill>
-                  <a:srgbClr val="1c1c1c"/>
-                </a:solidFill>
-                <a:latin typeface="Latin Modern Sans"/>
-                <a:ea typeface="DejaVu Sans"/>
-              </a:rPr>
-              <a:t>u</a:t>
-            </a:r>
-            <a:r>
-              <a:rPr b="0" lang="pt-BR" sz="1600" spc="-1" strike="noStrike">
-                <a:solidFill>
-                  <a:srgbClr val="1c1c1c"/>
-                </a:solidFill>
-                <a:latin typeface="Latin Modern Sans"/>
-                <a:ea typeface="DejaVu Sans"/>
-              </a:rPr>
-              <a:t>e</a:t>
-            </a:r>
-            <a:r>
-              <a:rPr b="0" lang="pt-BR" sz="1600" spc="-1" strike="noStrike">
-                <a:solidFill>
-                  <a:srgbClr val="1c1c1c"/>
-                </a:solidFill>
-                <a:latin typeface="Latin Modern Sans"/>
-                <a:ea typeface="DejaVu Sans"/>
-              </a:rPr>
-              <a:t>t</a:t>
-            </a:r>
-            <a:r>
-              <a:rPr b="0" lang="pt-BR" sz="1600" spc="-1" strike="noStrike">
-                <a:solidFill>
-                  <a:srgbClr val="1c1c1c"/>
-                </a:solidFill>
-                <a:latin typeface="Latin Modern Sans"/>
-                <a:ea typeface="DejaVu Sans"/>
-              </a:rPr>
-              <a:t>e</a:t>
-            </a:r>
-            <a:r>
-              <a:rPr b="0" lang="pt-BR" sz="1600" spc="-1" strike="noStrike">
-                <a:solidFill>
-                  <a:srgbClr val="1c1c1c"/>
-                </a:solidFill>
-                <a:latin typeface="Latin Modern Sans"/>
-                <a:ea typeface="DejaVu Sans"/>
-              </a:rPr>
-              <a:t>)</a:t>
+              <a:t>Silhueta (Silhouete)</a:t>
             </a:r>
             <a:endParaRPr b="0" lang="pt-BR" sz="1600" spc="-1" strike="noStrike">
               <a:latin typeface="Arial"/>
             </a:endParaRPr>
           </a:p>
           <a:p>
-            <a:pPr marL="216000" indent="-216000">
+            <a:pPr>
               <a:lnSpc>
                 <a:spcPct val="150000"/>
               </a:lnSpc>
-              <a:buClr>
-                <a:srgbClr val="000000"/>
-              </a:buClr>
-              <a:buSzPct val="45000"/>
-              <a:buFont typeface="Wingdings" charset="2"/>
-              <a:buChar char=""/>
+              <a:buNone/>
             </a:pPr>
             <a:endParaRPr b="0" lang="pt-BR" sz="1600" spc="-1" strike="noStrike">
               <a:latin typeface="Arial"/>
@@ -11445,7 +9115,7 @@
         <p:spPr>
           <a:xfrm>
             <a:off x="2340000" y="2340000"/>
-            <a:ext cx="5175360" cy="4140000"/>
+            <a:ext cx="5175000" cy="4139640"/>
           </a:xfrm>
           <a:prstGeom prst="rect">
             <a:avLst/>
@@ -11468,7 +9138,7 @@
         <p:spPr>
           <a:xfrm>
             <a:off x="3847320" y="5040000"/>
-            <a:ext cx="652680" cy="294840"/>
+            <a:ext cx="652320" cy="294480"/>
           </a:xfrm>
           <a:prstGeom prst="rect">
             <a:avLst/>
@@ -11491,7 +9161,7 @@
         <p:spPr>
           <a:xfrm>
             <a:off x="5567760" y="4990680"/>
-            <a:ext cx="552240" cy="409320"/>
+            <a:ext cx="551880" cy="408960"/>
           </a:xfrm>
           <a:prstGeom prst="rect">
             <a:avLst/>
@@ -11540,7 +9210,7 @@
         <p:spPr>
           <a:xfrm>
             <a:off x="360000" y="360000"/>
-            <a:ext cx="9348840" cy="888840"/>
+            <a:ext cx="9348480" cy="888480"/>
           </a:xfrm>
           <a:prstGeom prst="rect">
             <a:avLst/>
@@ -11592,7 +9262,7 @@
         <p:spPr>
           <a:xfrm>
             <a:off x="360000" y="1980000"/>
-            <a:ext cx="9168840" cy="4668840"/>
+            <a:ext cx="9168480" cy="4668480"/>
           </a:xfrm>
           <a:prstGeom prst="rect">
             <a:avLst/>
@@ -11651,7 +9321,7 @@
         <p:spPr>
           <a:xfrm>
             <a:off x="897120" y="6886080"/>
-            <a:ext cx="6436080" cy="353880"/>
+            <a:ext cx="6435720" cy="353520"/>
           </a:xfrm>
           <a:prstGeom prst="rect">
             <a:avLst/>
@@ -11703,7 +9373,7 @@
         <p:spPr>
           <a:xfrm>
             <a:off x="7608600" y="6886080"/>
-            <a:ext cx="2274120" cy="353880"/>
+            <a:ext cx="2273760" cy="353520"/>
           </a:xfrm>
           <a:prstGeom prst="rect">
             <a:avLst/>
@@ -11738,7 +9408,7 @@
                 <a:latin typeface="Arial"/>
                 <a:ea typeface="DejaVu Sans"/>
               </a:rPr>
-              <a:t>Combinação</a:t>
+              <a:t>Agrupamentos</a:t>
             </a:r>
             <a:endParaRPr b="0" lang="pt-BR" sz="1800" spc="-1" strike="noStrike">
               <a:latin typeface="Arial"/>
@@ -11755,7 +9425,7 @@
         <p:spPr>
           <a:xfrm>
             <a:off x="342360" y="1529280"/>
-            <a:ext cx="9375120" cy="5358600"/>
+            <a:ext cx="9374760" cy="5358240"/>
           </a:xfrm>
           <a:prstGeom prst="rect">
             <a:avLst/>
@@ -11813,16 +9483,11 @@
             </a:endParaRPr>
           </a:p>
           <a:p>
-            <a:pPr marL="216000" indent="-216000">
+            <a:pPr>
               <a:lnSpc>
                 <a:spcPct val="150000"/>
               </a:lnSpc>
-              <a:buClr>
-                <a:srgbClr val="000000"/>
-              </a:buClr>
-              <a:buSzPct val="45000"/>
-              <a:buFont typeface="Wingdings" charset="2"/>
-              <a:buChar char=""/>
+              <a:buNone/>
             </a:pPr>
             <a:endParaRPr b="0" lang="pt-BR" sz="1600" spc="-1" strike="noStrike">
               <a:latin typeface="Arial"/>
@@ -12184,7 +9849,7 @@
         <p:spPr>
           <a:xfrm>
             <a:off x="3847320" y="5040000"/>
-            <a:ext cx="652680" cy="294840"/>
+            <a:ext cx="652320" cy="294480"/>
           </a:xfrm>
           <a:prstGeom prst="rect">
             <a:avLst/>
@@ -12207,7 +9872,7 @@
         <p:spPr>
           <a:xfrm>
             <a:off x="5567760" y="4990680"/>
-            <a:ext cx="552240" cy="409320"/>
+            <a:ext cx="551880" cy="408960"/>
           </a:xfrm>
           <a:prstGeom prst="rect">
             <a:avLst/>
@@ -12225,13 +9890,13 @@
         </p:nvPicPr>
         <p:blipFill>
           <a:blip r:embed="rId3"/>
-          <a:srcRect l="10318" t="6776" r="9327" b="2354"/>
+          <a:srcRect l="10318" t="6776" r="9325" b="2354"/>
           <a:stretch/>
         </p:blipFill>
         <p:spPr>
           <a:xfrm>
             <a:off x="929160" y="2281320"/>
-            <a:ext cx="7890480" cy="4558680"/>
+            <a:ext cx="7890120" cy="4558320"/>
           </a:xfrm>
           <a:prstGeom prst="rect">
             <a:avLst/>
@@ -12284,7 +9949,7 @@
         <p:spPr>
           <a:xfrm>
             <a:off x="360" y="1833840"/>
-            <a:ext cx="10080360" cy="5150160"/>
+            <a:ext cx="10080000" cy="5149800"/>
           </a:xfrm>
           <a:prstGeom prst="rect">
             <a:avLst/>
@@ -12303,7 +9968,7 @@
         <p:spPr>
           <a:xfrm>
             <a:off x="360000" y="360000"/>
-            <a:ext cx="9348840" cy="888840"/>
+            <a:ext cx="9348480" cy="888480"/>
           </a:xfrm>
           <a:prstGeom prst="rect">
             <a:avLst/>
@@ -12355,7 +10020,7 @@
         <p:spPr>
           <a:xfrm>
             <a:off x="360000" y="1980000"/>
-            <a:ext cx="9168840" cy="4668840"/>
+            <a:ext cx="9168480" cy="4668480"/>
           </a:xfrm>
           <a:prstGeom prst="rect">
             <a:avLst/>
@@ -12414,7 +10079,7 @@
         <p:spPr>
           <a:xfrm>
             <a:off x="897120" y="6886080"/>
-            <a:ext cx="6436080" cy="353880"/>
+            <a:ext cx="6435720" cy="353520"/>
           </a:xfrm>
           <a:prstGeom prst="rect">
             <a:avLst/>
@@ -12466,7 +10131,7 @@
         <p:spPr>
           <a:xfrm>
             <a:off x="7608600" y="6886080"/>
-            <a:ext cx="2274120" cy="353880"/>
+            <a:ext cx="2273760" cy="353520"/>
           </a:xfrm>
           <a:prstGeom prst="rect">
             <a:avLst/>
@@ -12501,7 +10166,7 @@
                 <a:latin typeface="Arial"/>
                 <a:ea typeface="DejaVu Sans"/>
               </a:rPr>
-              <a:t>Combinação</a:t>
+              <a:t>Agrupamentos</a:t>
             </a:r>
             <a:endParaRPr b="0" lang="pt-BR" sz="1800" spc="-1" strike="noStrike">
               <a:latin typeface="Arial"/>
@@ -12518,7 +10183,7 @@
         <p:spPr>
           <a:xfrm>
             <a:off x="342360" y="1529280"/>
-            <a:ext cx="9375120" cy="5358600"/>
+            <a:ext cx="9374760" cy="5358240"/>
           </a:xfrm>
           <a:prstGeom prst="rect">
             <a:avLst/>
@@ -12576,16 +10241,11 @@
             </a:endParaRPr>
           </a:p>
           <a:p>
-            <a:pPr marL="216000" indent="-216000">
+            <a:pPr>
               <a:lnSpc>
                 <a:spcPct val="150000"/>
               </a:lnSpc>
-              <a:buClr>
-                <a:srgbClr val="000000"/>
-              </a:buClr>
-              <a:buSzPct val="45000"/>
-              <a:buFont typeface="Wingdings" charset="2"/>
-              <a:buChar char=""/>
+              <a:buNone/>
             </a:pPr>
             <a:endParaRPr b="0" lang="pt-BR" sz="1600" spc="-1" strike="noStrike">
               <a:latin typeface="Arial"/>
@@ -12977,7 +10637,7 @@
         <p:spPr>
           <a:xfrm>
             <a:off x="39600" y="1797840"/>
-            <a:ext cx="10080360" cy="5150160"/>
+            <a:ext cx="10080000" cy="5149800"/>
           </a:xfrm>
           <a:prstGeom prst="rect">
             <a:avLst/>
@@ -12996,7 +10656,7 @@
         <p:spPr>
           <a:xfrm>
             <a:off x="360000" y="360000"/>
-            <a:ext cx="9348840" cy="888840"/>
+            <a:ext cx="9348480" cy="888480"/>
           </a:xfrm>
           <a:prstGeom prst="rect">
             <a:avLst/>
@@ -13048,7 +10708,7 @@
         <p:spPr>
           <a:xfrm>
             <a:off x="360000" y="1980000"/>
-            <a:ext cx="9168840" cy="4668840"/>
+            <a:ext cx="9168480" cy="4668480"/>
           </a:xfrm>
           <a:prstGeom prst="rect">
             <a:avLst/>
@@ -13107,7 +10767,7 @@
         <p:spPr>
           <a:xfrm>
             <a:off x="897120" y="6886080"/>
-            <a:ext cx="6436080" cy="353880"/>
+            <a:ext cx="6435720" cy="353520"/>
           </a:xfrm>
           <a:prstGeom prst="rect">
             <a:avLst/>
@@ -13159,7 +10819,7 @@
         <p:spPr>
           <a:xfrm>
             <a:off x="7608600" y="6886080"/>
-            <a:ext cx="2274120" cy="353880"/>
+            <a:ext cx="2273760" cy="353520"/>
           </a:xfrm>
           <a:prstGeom prst="rect">
             <a:avLst/>
@@ -13194,7 +10854,7 @@
                 <a:latin typeface="Arial"/>
                 <a:ea typeface="DejaVu Sans"/>
               </a:rPr>
-              <a:t>Combinação</a:t>
+              <a:t>Agrupamentos</a:t>
             </a:r>
             <a:endParaRPr b="0" lang="pt-BR" sz="1800" spc="-1" strike="noStrike">
               <a:latin typeface="Arial"/>
@@ -13211,7 +10871,7 @@
         <p:spPr>
           <a:xfrm>
             <a:off x="342360" y="1529280"/>
-            <a:ext cx="9375120" cy="5358600"/>
+            <a:ext cx="9374760" cy="5358240"/>
           </a:xfrm>
           <a:prstGeom prst="rect">
             <a:avLst/>
@@ -13269,16 +10929,11 @@
             </a:endParaRPr>
           </a:p>
           <a:p>
-            <a:pPr marL="216000" indent="-216000">
+            <a:pPr>
               <a:lnSpc>
                 <a:spcPct val="150000"/>
               </a:lnSpc>
-              <a:buClr>
-                <a:srgbClr val="000000"/>
-              </a:buClr>
-              <a:buSzPct val="45000"/>
-              <a:buFont typeface="Wingdings" charset="2"/>
-              <a:buChar char=""/>
+              <a:buNone/>
             </a:pPr>
             <a:endParaRPr b="0" lang="pt-BR" sz="1600" spc="-1" strike="noStrike">
               <a:latin typeface="Arial"/>
@@ -13670,7 +11325,7 @@
         <p:spPr>
           <a:xfrm>
             <a:off x="360" y="1833840"/>
-            <a:ext cx="10080360" cy="5150160"/>
+            <a:ext cx="10080000" cy="5149800"/>
           </a:xfrm>
           <a:prstGeom prst="rect">
             <a:avLst/>
@@ -13689,7 +11344,7 @@
         <p:spPr>
           <a:xfrm>
             <a:off x="360000" y="360000"/>
-            <a:ext cx="9348840" cy="888840"/>
+            <a:ext cx="9348480" cy="888480"/>
           </a:xfrm>
           <a:prstGeom prst="rect">
             <a:avLst/>
@@ -13741,7 +11396,7 @@
         <p:spPr>
           <a:xfrm>
             <a:off x="360000" y="1980000"/>
-            <a:ext cx="9168840" cy="4668840"/>
+            <a:ext cx="9168480" cy="4668480"/>
           </a:xfrm>
           <a:prstGeom prst="rect">
             <a:avLst/>
@@ -13800,7 +11455,7 @@
         <p:spPr>
           <a:xfrm>
             <a:off x="897120" y="6886080"/>
-            <a:ext cx="6436080" cy="353880"/>
+            <a:ext cx="6435720" cy="353520"/>
           </a:xfrm>
           <a:prstGeom prst="rect">
             <a:avLst/>
@@ -13852,7 +11507,7 @@
         <p:spPr>
           <a:xfrm>
             <a:off x="7608600" y="6886080"/>
-            <a:ext cx="2274120" cy="353880"/>
+            <a:ext cx="2273760" cy="353520"/>
           </a:xfrm>
           <a:prstGeom prst="rect">
             <a:avLst/>
@@ -13887,7 +11542,7 @@
                 <a:latin typeface="Arial"/>
                 <a:ea typeface="DejaVu Sans"/>
               </a:rPr>
-              <a:t>Combinação</a:t>
+              <a:t>Agrupamentos</a:t>
             </a:r>
             <a:endParaRPr b="0" lang="pt-BR" sz="1800" spc="-1" strike="noStrike">
               <a:latin typeface="Arial"/>
@@ -13904,7 +11559,7 @@
         <p:spPr>
           <a:xfrm>
             <a:off x="342360" y="1529280"/>
-            <a:ext cx="9375120" cy="5358600"/>
+            <a:ext cx="9374760" cy="5358240"/>
           </a:xfrm>
           <a:prstGeom prst="rect">
             <a:avLst/>
@@ -13962,16 +11617,11 @@
             </a:endParaRPr>
           </a:p>
           <a:p>
-            <a:pPr marL="216000" indent="-216000">
+            <a:pPr>
               <a:lnSpc>
                 <a:spcPct val="150000"/>
               </a:lnSpc>
-              <a:buClr>
-                <a:srgbClr val="000000"/>
-              </a:buClr>
-              <a:buSzPct val="45000"/>
-              <a:buFont typeface="Wingdings" charset="2"/>
-              <a:buChar char=""/>
+              <a:buNone/>
             </a:pPr>
             <a:endParaRPr b="0" lang="pt-BR" sz="1600" spc="-1" strike="noStrike">
               <a:latin typeface="Arial"/>
@@ -14359,7 +12009,7 @@
         <p:spPr>
           <a:xfrm>
             <a:off x="360000" y="360000"/>
-            <a:ext cx="9348840" cy="888840"/>
+            <a:ext cx="9348480" cy="888480"/>
           </a:xfrm>
           <a:prstGeom prst="rect">
             <a:avLst/>
@@ -14411,7 +12061,7 @@
         <p:spPr>
           <a:xfrm>
             <a:off x="360000" y="1980000"/>
-            <a:ext cx="9168840" cy="4668840"/>
+            <a:ext cx="9168480" cy="4668480"/>
           </a:xfrm>
           <a:prstGeom prst="rect">
             <a:avLst/>
@@ -14470,7 +12120,7 @@
         <p:spPr>
           <a:xfrm>
             <a:off x="897120" y="6886080"/>
-            <a:ext cx="6436080" cy="353880"/>
+            <a:ext cx="6435720" cy="353520"/>
           </a:xfrm>
           <a:prstGeom prst="rect">
             <a:avLst/>
@@ -14522,7 +12172,7 @@
         <p:spPr>
           <a:xfrm>
             <a:off x="7608600" y="6886080"/>
-            <a:ext cx="2274120" cy="353880"/>
+            <a:ext cx="2273760" cy="353520"/>
           </a:xfrm>
           <a:prstGeom prst="rect">
             <a:avLst/>
@@ -14557,7 +12207,7 @@
                 <a:latin typeface="Arial"/>
                 <a:ea typeface="DejaVu Sans"/>
               </a:rPr>
-              <a:t>Combinação</a:t>
+              <a:t>Agrupamentos</a:t>
             </a:r>
             <a:endParaRPr b="0" lang="pt-BR" sz="1800" spc="-1" strike="noStrike">
               <a:latin typeface="Arial"/>
@@ -14574,7 +12224,7 @@
         <p:spPr>
           <a:xfrm>
             <a:off x="342360" y="1529280"/>
-            <a:ext cx="9375120" cy="5358600"/>
+            <a:ext cx="9374760" cy="5358240"/>
           </a:xfrm>
           <a:prstGeom prst="rect">
             <a:avLst/>
@@ -14642,6 +12292,49 @@
               <a:buSzPct val="45000"/>
               <a:buFont typeface="Wingdings" charset="2"/>
               <a:buChar char=""/>
+            </a:pPr>
+            <a:r>
+              <a:rPr b="0" lang="pt-BR" sz="1600" spc="-1" strike="noStrike">
+                <a:solidFill>
+                  <a:srgbClr val="1c1c1c"/>
+                </a:solidFill>
+                <a:latin typeface="Latin Modern Sans"/>
+                <a:ea typeface="DejaVu Sans"/>
+              </a:rPr>
+              <a:t>Link → </a:t>
+            </a:r>
+            <a:r>
+              <a:rPr b="0" lang="pt-BR" sz="1600" spc="-1" strike="noStrike">
+                <a:solidFill>
+                  <a:srgbClr val="1c1c1c"/>
+                </a:solidFill>
+                <a:latin typeface="Latin Modern Sans"/>
+                <a:ea typeface="DejaVu Sans"/>
+                <a:hlinkClick r:id="rId1"/>
+              </a:rPr>
+              <a:t>Tópico 03 - Aprendizado - Não Supervisionado - Kmeans</a:t>
+            </a:r>
+            <a:endParaRPr b="0" lang="pt-BR" sz="1600" spc="-1" strike="noStrike">
+              <a:latin typeface="Arial"/>
+            </a:endParaRPr>
+          </a:p>
+          <a:p>
+            <a:pPr>
+              <a:lnSpc>
+                <a:spcPct val="150000"/>
+              </a:lnSpc>
+              <a:buNone/>
+            </a:pPr>
+            <a:endParaRPr b="0" lang="pt-BR" sz="1600" spc="-1" strike="noStrike">
+              <a:latin typeface="Arial"/>
+            </a:endParaRPr>
+          </a:p>
+          <a:p>
+            <a:pPr>
+              <a:lnSpc>
+                <a:spcPct val="150000"/>
+              </a:lnSpc>
+              <a:buNone/>
             </a:pPr>
             <a:endParaRPr b="0" lang="pt-BR" sz="1600" spc="-1" strike="noStrike">
               <a:latin typeface="Arial"/>
@@ -15033,7 +12726,7 @@
         <p:spPr>
           <a:xfrm>
             <a:off x="1602000" y="4112280"/>
-            <a:ext cx="7425720" cy="2215440"/>
+            <a:ext cx="7425360" cy="2215080"/>
           </a:xfrm>
           <a:prstGeom prst="rect">
             <a:avLst/>
@@ -15052,7 +12745,7 @@
         <p:spPr>
           <a:xfrm>
             <a:off x="360000" y="360000"/>
-            <a:ext cx="9348840" cy="888840"/>
+            <a:ext cx="9348480" cy="888480"/>
           </a:xfrm>
           <a:prstGeom prst="rect">
             <a:avLst/>
@@ -15104,7 +12797,7 @@
         <p:spPr>
           <a:xfrm>
             <a:off x="360000" y="1980000"/>
-            <a:ext cx="9168840" cy="4668840"/>
+            <a:ext cx="9168480" cy="4668480"/>
           </a:xfrm>
           <a:prstGeom prst="rect">
             <a:avLst/>
@@ -15323,7 +13016,7 @@
         <p:spPr>
           <a:xfrm>
             <a:off x="897120" y="6886080"/>
-            <a:ext cx="6436080" cy="353880"/>
+            <a:ext cx="6435720" cy="353520"/>
           </a:xfrm>
           <a:prstGeom prst="rect">
             <a:avLst/>
@@ -15375,7 +13068,7 @@
         <p:spPr>
           <a:xfrm>
             <a:off x="7608600" y="6886080"/>
-            <a:ext cx="2274120" cy="353880"/>
+            <a:ext cx="2273760" cy="353520"/>
           </a:xfrm>
           <a:prstGeom prst="rect">
             <a:avLst/>
@@ -15431,7 +13124,7 @@
         <p:spPr>
           <a:xfrm>
             <a:off x="3332880" y="5882760"/>
-            <a:ext cx="416160" cy="444960"/>
+            <a:ext cx="415800" cy="444600"/>
           </a:xfrm>
           <a:prstGeom prst="rect">
             <a:avLst/>
@@ -15454,7 +13147,7 @@
         <p:spPr>
           <a:xfrm>
             <a:off x="3837240" y="5883120"/>
-            <a:ext cx="416160" cy="444960"/>
+            <a:ext cx="415800" cy="444600"/>
           </a:xfrm>
           <a:prstGeom prst="rect">
             <a:avLst/>
@@ -15477,7 +13170,7 @@
         <p:spPr>
           <a:xfrm>
             <a:off x="4377600" y="5883480"/>
-            <a:ext cx="416160" cy="444960"/>
+            <a:ext cx="415800" cy="444600"/>
           </a:xfrm>
           <a:prstGeom prst="rect">
             <a:avLst/>
@@ -15500,7 +13193,7 @@
         <p:spPr>
           <a:xfrm>
             <a:off x="4917960" y="5883840"/>
-            <a:ext cx="416160" cy="444960"/>
+            <a:ext cx="415800" cy="444600"/>
           </a:xfrm>
           <a:prstGeom prst="rect">
             <a:avLst/>
@@ -15523,7 +13216,7 @@
         <p:spPr>
           <a:xfrm>
             <a:off x="5494320" y="5882760"/>
-            <a:ext cx="416160" cy="444960"/>
+            <a:ext cx="415800" cy="444600"/>
           </a:xfrm>
           <a:prstGeom prst="rect">
             <a:avLst/>
@@ -15546,7 +13239,7 @@
         <p:spPr>
           <a:xfrm>
             <a:off x="6048000" y="5890680"/>
-            <a:ext cx="416160" cy="444960"/>
+            <a:ext cx="415800" cy="444600"/>
           </a:xfrm>
           <a:prstGeom prst="rect">
             <a:avLst/>
@@ -15595,7 +13288,7 @@
         <p:spPr>
           <a:xfrm>
             <a:off x="360000" y="360000"/>
-            <a:ext cx="9348840" cy="888840"/>
+            <a:ext cx="9348480" cy="888480"/>
           </a:xfrm>
           <a:prstGeom prst="rect">
             <a:avLst/>
@@ -15647,7 +13340,7 @@
         <p:spPr>
           <a:xfrm>
             <a:off x="360000" y="1980000"/>
-            <a:ext cx="9168840" cy="4668840"/>
+            <a:ext cx="9168480" cy="4668480"/>
           </a:xfrm>
           <a:prstGeom prst="rect">
             <a:avLst/>
@@ -15706,7 +13399,7 @@
         <p:spPr>
           <a:xfrm>
             <a:off x="897120" y="6886080"/>
-            <a:ext cx="6436080" cy="353880"/>
+            <a:ext cx="6435720" cy="353520"/>
           </a:xfrm>
           <a:prstGeom prst="rect">
             <a:avLst/>
@@ -15758,7 +13451,7 @@
         <p:spPr>
           <a:xfrm>
             <a:off x="7608600" y="6886080"/>
-            <a:ext cx="2274120" cy="353880"/>
+            <a:ext cx="2273760" cy="353520"/>
           </a:xfrm>
           <a:prstGeom prst="rect">
             <a:avLst/>
@@ -15793,7 +13486,7 @@
                 <a:latin typeface="Arial"/>
                 <a:ea typeface="DejaVu Sans"/>
               </a:rPr>
-              <a:t>Combinação</a:t>
+              <a:t>Agrupamentos</a:t>
             </a:r>
             <a:endParaRPr b="0" lang="pt-BR" sz="1800" spc="-1" strike="noStrike">
               <a:latin typeface="Arial"/>
@@ -15810,7 +13503,7 @@
         <p:spPr>
           <a:xfrm>
             <a:off x="342360" y="1529280"/>
-            <a:ext cx="9375120" cy="5358600"/>
+            <a:ext cx="9374760" cy="5358240"/>
           </a:xfrm>
           <a:prstGeom prst="rect">
             <a:avLst/>
@@ -16229,13 +13922,13 @@
         </p:nvPicPr>
         <p:blipFill>
           <a:blip r:embed="rId1"/>
-          <a:srcRect l="2332" t="31612" r="1417" b="4132"/>
+          <a:srcRect l="2332" t="31607" r="1417" b="4132"/>
           <a:stretch/>
         </p:blipFill>
         <p:spPr>
           <a:xfrm>
             <a:off x="1800000" y="2376000"/>
-            <a:ext cx="6372360" cy="2123640"/>
+            <a:ext cx="6372000" cy="2123280"/>
           </a:xfrm>
           <a:prstGeom prst="rect">
             <a:avLst/>
@@ -16258,7 +13951,7 @@
         <p:spPr>
           <a:xfrm>
             <a:off x="2520000" y="4572000"/>
-            <a:ext cx="2097000" cy="2137680"/>
+            <a:ext cx="2096640" cy="2137320"/>
           </a:xfrm>
           <a:prstGeom prst="rect">
             <a:avLst/>
@@ -16281,7 +13974,7 @@
         <p:spPr>
           <a:xfrm>
             <a:off x="5940000" y="4653360"/>
-            <a:ext cx="2131200" cy="2222280"/>
+            <a:ext cx="2130840" cy="2221920"/>
           </a:xfrm>
           <a:prstGeom prst="rect">
             <a:avLst/>
@@ -16330,7 +14023,7 @@
         <p:spPr>
           <a:xfrm>
             <a:off x="360000" y="360000"/>
-            <a:ext cx="9348840" cy="888840"/>
+            <a:ext cx="9348480" cy="888480"/>
           </a:xfrm>
           <a:prstGeom prst="rect">
             <a:avLst/>
@@ -16382,7 +14075,7 @@
         <p:spPr>
           <a:xfrm>
             <a:off x="360000" y="1980000"/>
-            <a:ext cx="9168840" cy="4668840"/>
+            <a:ext cx="9168480" cy="4668480"/>
           </a:xfrm>
           <a:prstGeom prst="rect">
             <a:avLst/>
@@ -16441,7 +14134,7 @@
         <p:spPr>
           <a:xfrm>
             <a:off x="897120" y="6886080"/>
-            <a:ext cx="6436080" cy="353880"/>
+            <a:ext cx="6435720" cy="353520"/>
           </a:xfrm>
           <a:prstGeom prst="rect">
             <a:avLst/>
@@ -16493,7 +14186,7 @@
         <p:spPr>
           <a:xfrm>
             <a:off x="7608600" y="6886080"/>
-            <a:ext cx="2274120" cy="353880"/>
+            <a:ext cx="2273760" cy="353520"/>
           </a:xfrm>
           <a:prstGeom prst="rect">
             <a:avLst/>
@@ -16528,7 +14221,7 @@
                 <a:latin typeface="Arial"/>
                 <a:ea typeface="DejaVu Sans"/>
               </a:rPr>
-              <a:t>Combinação</a:t>
+              <a:t>Agrupamentos</a:t>
             </a:r>
             <a:endParaRPr b="0" lang="pt-BR" sz="1800" spc="-1" strike="noStrike">
               <a:latin typeface="Arial"/>
@@ -16545,7 +14238,7 @@
         <p:spPr>
           <a:xfrm>
             <a:off x="342360" y="1529280"/>
-            <a:ext cx="9375120" cy="5358600"/>
+            <a:ext cx="9374760" cy="5358240"/>
           </a:xfrm>
           <a:prstGeom prst="rect">
             <a:avLst/>
@@ -17073,7 +14766,7 @@
         <p:spPr>
           <a:xfrm>
             <a:off x="2592000" y="4199400"/>
-            <a:ext cx="5555520" cy="2280240"/>
+            <a:ext cx="5555160" cy="2279880"/>
           </a:xfrm>
           <a:prstGeom prst="rect">
             <a:avLst/>
@@ -17122,7 +14815,7 @@
         <p:spPr>
           <a:xfrm>
             <a:off x="360000" y="360000"/>
-            <a:ext cx="9348840" cy="888840"/>
+            <a:ext cx="9348480" cy="888480"/>
           </a:xfrm>
           <a:prstGeom prst="rect">
             <a:avLst/>
@@ -17174,7 +14867,7 @@
         <p:spPr>
           <a:xfrm>
             <a:off x="360000" y="1980000"/>
-            <a:ext cx="9168840" cy="4668840"/>
+            <a:ext cx="9168480" cy="4668480"/>
           </a:xfrm>
           <a:prstGeom prst="rect">
             <a:avLst/>
@@ -17233,7 +14926,7 @@
         <p:spPr>
           <a:xfrm>
             <a:off x="897120" y="6886080"/>
-            <a:ext cx="6436080" cy="353880"/>
+            <a:ext cx="6435720" cy="353520"/>
           </a:xfrm>
           <a:prstGeom prst="rect">
             <a:avLst/>
@@ -17285,7 +14978,7 @@
         <p:spPr>
           <a:xfrm>
             <a:off x="7608600" y="6886080"/>
-            <a:ext cx="2274120" cy="353880"/>
+            <a:ext cx="2273760" cy="353520"/>
           </a:xfrm>
           <a:prstGeom prst="rect">
             <a:avLst/>
@@ -17320,7 +15013,7 @@
                 <a:latin typeface="Arial"/>
                 <a:ea typeface="DejaVu Sans"/>
               </a:rPr>
-              <a:t>Combinação</a:t>
+              <a:t>Agrupamentos</a:t>
             </a:r>
             <a:endParaRPr b="0" lang="pt-BR" sz="1800" spc="-1" strike="noStrike">
               <a:latin typeface="Arial"/>
@@ -17337,7 +15030,7 @@
         <p:spPr>
           <a:xfrm>
             <a:off x="342360" y="1529280"/>
-            <a:ext cx="9375120" cy="5358600"/>
+            <a:ext cx="9374760" cy="5358240"/>
           </a:xfrm>
           <a:prstGeom prst="rect">
             <a:avLst/>
@@ -17577,16 +15270,11 @@
             </a:endParaRPr>
           </a:p>
           <a:p>
-            <a:pPr lvl="1" marL="432000" indent="-216000">
+            <a:pPr>
               <a:lnSpc>
                 <a:spcPct val="150000"/>
               </a:lnSpc>
-              <a:buClr>
-                <a:srgbClr val="000000"/>
-              </a:buClr>
-              <a:buSzPct val="45000"/>
-              <a:buFont typeface="Wingdings" charset="2"/>
-              <a:buChar char=""/>
+              <a:buNone/>
             </a:pPr>
             <a:endParaRPr b="0" lang="pt-BR" sz="1600" spc="-1" strike="noStrike">
               <a:latin typeface="Arial"/>
@@ -18037,7 +15725,7 @@
         <p:spPr>
           <a:xfrm>
             <a:off x="4320360" y="1724760"/>
-            <a:ext cx="5039640" cy="1387440"/>
+            <a:ext cx="5039280" cy="1387080"/>
           </a:xfrm>
           <a:prstGeom prst="rect">
             <a:avLst/>
@@ -18060,7 +15748,7 @@
         <p:spPr>
           <a:xfrm>
             <a:off x="4648320" y="3906000"/>
-            <a:ext cx="4171680" cy="1314000"/>
+            <a:ext cx="4171320" cy="1313640"/>
           </a:xfrm>
           <a:prstGeom prst="rect">
             <a:avLst/>
@@ -18109,7 +15797,7 @@
         <p:spPr>
           <a:xfrm>
             <a:off x="360000" y="360000"/>
-            <a:ext cx="9348840" cy="888840"/>
+            <a:ext cx="9348480" cy="888480"/>
           </a:xfrm>
           <a:prstGeom prst="rect">
             <a:avLst/>
@@ -18161,7 +15849,7 @@
         <p:spPr>
           <a:xfrm>
             <a:off x="360000" y="1980000"/>
-            <a:ext cx="9168840" cy="4668840"/>
+            <a:ext cx="9168480" cy="4668480"/>
           </a:xfrm>
           <a:prstGeom prst="rect">
             <a:avLst/>
@@ -18220,7 +15908,7 @@
         <p:spPr>
           <a:xfrm>
             <a:off x="897120" y="6886080"/>
-            <a:ext cx="6436080" cy="353880"/>
+            <a:ext cx="6435720" cy="353520"/>
           </a:xfrm>
           <a:prstGeom prst="rect">
             <a:avLst/>
@@ -18272,7 +15960,7 @@
         <p:spPr>
           <a:xfrm>
             <a:off x="7608600" y="6886080"/>
-            <a:ext cx="2274120" cy="353880"/>
+            <a:ext cx="2273760" cy="353520"/>
           </a:xfrm>
           <a:prstGeom prst="rect">
             <a:avLst/>
@@ -18307,7 +15995,7 @@
                 <a:latin typeface="Arial"/>
                 <a:ea typeface="DejaVu Sans"/>
               </a:rPr>
-              <a:t>Combinação</a:t>
+              <a:t>Agrupamentos</a:t>
             </a:r>
             <a:endParaRPr b="0" lang="pt-BR" sz="1800" spc="-1" strike="noStrike">
               <a:latin typeface="Arial"/>
@@ -18324,7 +16012,7 @@
         <p:spPr>
           <a:xfrm>
             <a:off x="342360" y="1529280"/>
-            <a:ext cx="9375120" cy="5358600"/>
+            <a:ext cx="9374760" cy="5358240"/>
           </a:xfrm>
           <a:prstGeom prst="rect">
             <a:avLst/>
@@ -18470,16 +16158,11 @@
             </a:endParaRPr>
           </a:p>
           <a:p>
-            <a:pPr marL="216000" indent="-216000">
+            <a:pPr>
               <a:lnSpc>
                 <a:spcPct val="150000"/>
               </a:lnSpc>
-              <a:buClr>
-                <a:srgbClr val="000000"/>
-              </a:buClr>
-              <a:buSzPct val="45000"/>
-              <a:buFont typeface="Wingdings" charset="2"/>
-              <a:buChar char=""/>
+              <a:buNone/>
             </a:pPr>
             <a:endParaRPr b="0" lang="pt-BR" sz="1600" spc="-1" strike="noStrike">
               <a:latin typeface="Arial"/>
@@ -18841,7 +16524,7 @@
         <p:spPr>
           <a:xfrm>
             <a:off x="1440000" y="2536200"/>
-            <a:ext cx="6835680" cy="2323440"/>
+            <a:ext cx="6835320" cy="2323080"/>
           </a:xfrm>
           <a:prstGeom prst="rect">
             <a:avLst/>
@@ -18890,7 +16573,7 @@
         <p:spPr>
           <a:xfrm>
             <a:off x="360000" y="360000"/>
-            <a:ext cx="9348840" cy="888840"/>
+            <a:ext cx="9348480" cy="888480"/>
           </a:xfrm>
           <a:prstGeom prst="rect">
             <a:avLst/>
@@ -18942,7 +16625,7 @@
         <p:spPr>
           <a:xfrm>
             <a:off x="360000" y="1980000"/>
-            <a:ext cx="9168840" cy="4668840"/>
+            <a:ext cx="9168480" cy="4668480"/>
           </a:xfrm>
           <a:prstGeom prst="rect">
             <a:avLst/>
@@ -19001,7 +16684,7 @@
         <p:spPr>
           <a:xfrm>
             <a:off x="897120" y="6886080"/>
-            <a:ext cx="6436080" cy="353880"/>
+            <a:ext cx="6435720" cy="353520"/>
           </a:xfrm>
           <a:prstGeom prst="rect">
             <a:avLst/>
@@ -19053,7 +16736,7 @@
         <p:spPr>
           <a:xfrm>
             <a:off x="7608600" y="6886080"/>
-            <a:ext cx="2274120" cy="353880"/>
+            <a:ext cx="2273760" cy="353520"/>
           </a:xfrm>
           <a:prstGeom prst="rect">
             <a:avLst/>
@@ -19088,7 +16771,7 @@
                 <a:latin typeface="Arial"/>
                 <a:ea typeface="DejaVu Sans"/>
               </a:rPr>
-              <a:t>Combinação</a:t>
+              <a:t>Agrupamentos</a:t>
             </a:r>
             <a:endParaRPr b="0" lang="pt-BR" sz="1800" spc="-1" strike="noStrike">
               <a:latin typeface="Arial"/>
@@ -19105,7 +16788,7 @@
         <p:spPr>
           <a:xfrm>
             <a:off x="342360" y="1529280"/>
-            <a:ext cx="9375120" cy="5358600"/>
+            <a:ext cx="9374760" cy="5358240"/>
           </a:xfrm>
           <a:prstGeom prst="rect">
             <a:avLst/>
@@ -19518,7 +17201,7 @@
         <p:spPr>
           <a:xfrm>
             <a:off x="5762880" y="2160000"/>
-            <a:ext cx="3236760" cy="3629160"/>
+            <a:ext cx="3236400" cy="3628800"/>
           </a:xfrm>
           <a:prstGeom prst="rect">
             <a:avLst/>
@@ -19541,7 +17224,7 @@
         <p:spPr>
           <a:xfrm>
             <a:off x="1440000" y="2281680"/>
-            <a:ext cx="3239640" cy="4367160"/>
+            <a:ext cx="3239280" cy="4366800"/>
           </a:xfrm>
           <a:prstGeom prst="rect">
             <a:avLst/>
@@ -19590,7 +17273,7 @@
         <p:spPr>
           <a:xfrm>
             <a:off x="360000" y="360000"/>
-            <a:ext cx="9348840" cy="888840"/>
+            <a:ext cx="9348480" cy="888480"/>
           </a:xfrm>
           <a:prstGeom prst="rect">
             <a:avLst/>
@@ -19642,7 +17325,7 @@
         <p:spPr>
           <a:xfrm>
             <a:off x="360000" y="1980000"/>
-            <a:ext cx="9168840" cy="4668840"/>
+            <a:ext cx="9168480" cy="4668480"/>
           </a:xfrm>
           <a:prstGeom prst="rect">
             <a:avLst/>
@@ -19701,7 +17384,7 @@
         <p:spPr>
           <a:xfrm>
             <a:off x="897120" y="6886080"/>
-            <a:ext cx="6436080" cy="353880"/>
+            <a:ext cx="6435720" cy="353520"/>
           </a:xfrm>
           <a:prstGeom prst="rect">
             <a:avLst/>
@@ -19753,7 +17436,7 @@
         <p:spPr>
           <a:xfrm>
             <a:off x="7608600" y="6886080"/>
-            <a:ext cx="2274120" cy="353880"/>
+            <a:ext cx="2273760" cy="353520"/>
           </a:xfrm>
           <a:prstGeom prst="rect">
             <a:avLst/>
@@ -19788,7 +17471,7 @@
                 <a:latin typeface="Arial"/>
                 <a:ea typeface="DejaVu Sans"/>
               </a:rPr>
-              <a:t>Combinação</a:t>
+              <a:t>Agrupamentos</a:t>
             </a:r>
             <a:endParaRPr b="0" lang="pt-BR" sz="1800" spc="-1" strike="noStrike">
               <a:latin typeface="Arial"/>
@@ -19805,7 +17488,7 @@
         <p:spPr>
           <a:xfrm>
             <a:off x="342360" y="1529280"/>
-            <a:ext cx="9375120" cy="5358600"/>
+            <a:ext cx="9374760" cy="5358240"/>
           </a:xfrm>
           <a:prstGeom prst="rect">
             <a:avLst/>
@@ -20218,7 +17901,7 @@
         <p:spPr>
           <a:xfrm>
             <a:off x="648000" y="2281680"/>
-            <a:ext cx="3239640" cy="4367160"/>
+            <a:ext cx="3239280" cy="4366800"/>
           </a:xfrm>
           <a:prstGeom prst="rect">
             <a:avLst/>
@@ -20241,7 +17924,7 @@
         <p:spPr>
           <a:xfrm>
             <a:off x="3524760" y="2245680"/>
-            <a:ext cx="6267240" cy="666360"/>
+            <a:ext cx="6266880" cy="666000"/>
           </a:xfrm>
           <a:prstGeom prst="rect">
             <a:avLst/>
@@ -20264,7 +17947,7 @@
         <p:spPr>
           <a:xfrm>
             <a:off x="3816000" y="2919960"/>
-            <a:ext cx="6120000" cy="1004040"/>
+            <a:ext cx="6119640" cy="1003680"/>
           </a:xfrm>
           <a:prstGeom prst="rect">
             <a:avLst/>
@@ -20288,7 +17971,7 @@
         <p:spPr>
           <a:xfrm>
             <a:off x="3815640" y="3924000"/>
-            <a:ext cx="4597200" cy="828360"/>
+            <a:ext cx="4596840" cy="828000"/>
           </a:xfrm>
           <a:prstGeom prst="rect">
             <a:avLst/>
@@ -20311,7 +17994,7 @@
         <p:spPr>
           <a:xfrm>
             <a:off x="3780000" y="5040000"/>
-            <a:ext cx="5695560" cy="666360"/>
+            <a:ext cx="5695200" cy="666000"/>
           </a:xfrm>
           <a:prstGeom prst="rect">
             <a:avLst/>
@@ -20360,7 +18043,7 @@
         <p:spPr>
           <a:xfrm>
             <a:off x="360000" y="360000"/>
-            <a:ext cx="9348840" cy="888840"/>
+            <a:ext cx="9348480" cy="888480"/>
           </a:xfrm>
           <a:prstGeom prst="rect">
             <a:avLst/>
@@ -20412,7 +18095,7 @@
         <p:spPr>
           <a:xfrm>
             <a:off x="360000" y="1980000"/>
-            <a:ext cx="9168840" cy="4668840"/>
+            <a:ext cx="9168480" cy="4668480"/>
           </a:xfrm>
           <a:prstGeom prst="rect">
             <a:avLst/>
@@ -20471,7 +18154,7 @@
         <p:spPr>
           <a:xfrm>
             <a:off x="897120" y="6886080"/>
-            <a:ext cx="6436080" cy="353880"/>
+            <a:ext cx="6435720" cy="353520"/>
           </a:xfrm>
           <a:prstGeom prst="rect">
             <a:avLst/>
@@ -20523,7 +18206,7 @@
         <p:spPr>
           <a:xfrm>
             <a:off x="7608600" y="6886080"/>
-            <a:ext cx="2274120" cy="353880"/>
+            <a:ext cx="2273760" cy="353520"/>
           </a:xfrm>
           <a:prstGeom prst="rect">
             <a:avLst/>
@@ -20558,7 +18241,7 @@
                 <a:latin typeface="Arial"/>
                 <a:ea typeface="DejaVu Sans"/>
               </a:rPr>
-              <a:t>Combinação</a:t>
+              <a:t>Agrupamentos</a:t>
             </a:r>
             <a:endParaRPr b="0" lang="pt-BR" sz="1800" spc="-1" strike="noStrike">
               <a:latin typeface="Arial"/>
@@ -20575,7 +18258,7 @@
         <p:spPr>
           <a:xfrm>
             <a:off x="342360" y="1529280"/>
-            <a:ext cx="9375120" cy="5358600"/>
+            <a:ext cx="9374760" cy="5358240"/>
           </a:xfrm>
           <a:prstGeom prst="rect">
             <a:avLst/>
@@ -20644,16 +18327,11 @@
             </a:endParaRPr>
           </a:p>
           <a:p>
-            <a:pPr marL="216000" indent="-216000">
+            <a:pPr>
               <a:lnSpc>
                 <a:spcPct val="150000"/>
               </a:lnSpc>
-              <a:buClr>
-                <a:srgbClr val="000000"/>
-              </a:buClr>
-              <a:buSzPct val="45000"/>
-              <a:buFont typeface="Wingdings" charset="2"/>
-              <a:buChar char=""/>
+              <a:buNone/>
             </a:pPr>
             <a:endParaRPr b="0" lang="pt-BR" sz="1600" spc="-1" strike="noStrike">
               <a:latin typeface="Arial"/>
@@ -21010,13 +18688,13 @@
         </p:nvPicPr>
         <p:blipFill>
           <a:blip r:embed="rId1"/>
-          <a:srcRect l="0" t="0" r="0" b="29277"/>
+          <a:srcRect l="0" t="0" r="0" b="29270"/>
           <a:stretch/>
         </p:blipFill>
         <p:spPr>
           <a:xfrm>
             <a:off x="540000" y="2452320"/>
-            <a:ext cx="8658000" cy="3980520"/>
+            <a:ext cx="8657640" cy="3980160"/>
           </a:xfrm>
           <a:prstGeom prst="rect">
             <a:avLst/>

--- a/AprendizadoMaquina/Tópico 03 - Aprendizado Não Supervisionado/Tópico 03 - Aprendizado - Não Supervisionado.pptx
+++ b/AprendizadoMaquina/Tópico 03 - Aprendizado Não Supervisionado/Tópico 03 - Aprendizado - Não Supervisionado.pptx
@@ -309,7 +309,7 @@
             <a:pPr algn="r">
               <a:buNone/>
             </a:pPr>
-            <a:fld id="{28A591A9-8FAE-4E97-AFA4-980F7F2981BD}" type="slidenum">
+            <a:fld id="{1FF8C097-8F88-4505-9EE1-415201F041FC}" type="slidenum">
               <a:rPr b="0" lang="pt-BR" sz="1400" spc="-1" strike="noStrike">
                 <a:latin typeface="Times New Roman"/>
               </a:rPr>
@@ -346,7 +346,7 @@
       </p:grpSpPr>
       <p:sp>
         <p:nvSpPr>
-          <p:cNvPr id="207" name="PlaceHolder 1"/>
+          <p:cNvPr id="201" name="PlaceHolder 1"/>
           <p:cNvSpPr>
             <a:spLocks noGrp="1"/>
           </p:cNvSpPr>
@@ -369,7 +369,7 @@
       </p:sp>
       <p:sp>
         <p:nvSpPr>
-          <p:cNvPr id="208" name="PlaceHolder 2"/>
+          <p:cNvPr id="202" name="PlaceHolder 2"/>
           <p:cNvSpPr>
             <a:spLocks noGrp="1"/>
           </p:cNvSpPr>
@@ -403,7 +403,7 @@
       </p:sp>
       <p:sp>
         <p:nvSpPr>
-          <p:cNvPr id="209" name="CustomShape 3"/>
+          <p:cNvPr id="203" name="CustomShape 3"/>
           <p:cNvSpPr/>
           <p:nvPr/>
         </p:nvSpPr>
@@ -477,7 +477,7 @@
       </p:grpSpPr>
       <p:sp>
         <p:nvSpPr>
-          <p:cNvPr id="234" name="PlaceHolder 1"/>
+          <p:cNvPr id="228" name="PlaceHolder 1"/>
           <p:cNvSpPr>
             <a:spLocks noGrp="1"/>
           </p:cNvSpPr>
@@ -500,7 +500,7 @@
       </p:sp>
       <p:sp>
         <p:nvSpPr>
-          <p:cNvPr id="235" name="PlaceHolder 2"/>
+          <p:cNvPr id="229" name="PlaceHolder 2"/>
           <p:cNvSpPr>
             <a:spLocks noGrp="1"/>
           </p:cNvSpPr>
@@ -534,7 +534,7 @@
       </p:sp>
       <p:sp>
         <p:nvSpPr>
-          <p:cNvPr id="236" name="CustomShape 39"/>
+          <p:cNvPr id="230" name="CustomShape 39"/>
           <p:cNvSpPr/>
           <p:nvPr/>
         </p:nvSpPr>
@@ -608,7 +608,7 @@
       </p:grpSpPr>
       <p:sp>
         <p:nvSpPr>
-          <p:cNvPr id="237" name="PlaceHolder 1"/>
+          <p:cNvPr id="231" name="PlaceHolder 1"/>
           <p:cNvSpPr>
             <a:spLocks noGrp="1"/>
           </p:cNvSpPr>
@@ -631,7 +631,7 @@
       </p:sp>
       <p:sp>
         <p:nvSpPr>
-          <p:cNvPr id="238" name="PlaceHolder 2"/>
+          <p:cNvPr id="232" name="PlaceHolder 2"/>
           <p:cNvSpPr>
             <a:spLocks noGrp="1"/>
           </p:cNvSpPr>
@@ -665,7 +665,7 @@
       </p:sp>
       <p:sp>
         <p:nvSpPr>
-          <p:cNvPr id="239" name="CustomShape 44"/>
+          <p:cNvPr id="233" name="CustomShape 44"/>
           <p:cNvSpPr/>
           <p:nvPr/>
         </p:nvSpPr>
@@ -739,7 +739,7 @@
       </p:grpSpPr>
       <p:sp>
         <p:nvSpPr>
-          <p:cNvPr id="240" name="PlaceHolder 1"/>
+          <p:cNvPr id="234" name="PlaceHolder 1"/>
           <p:cNvSpPr>
             <a:spLocks noGrp="1"/>
           </p:cNvSpPr>
@@ -762,7 +762,7 @@
       </p:sp>
       <p:sp>
         <p:nvSpPr>
-          <p:cNvPr id="241" name="PlaceHolder 2"/>
+          <p:cNvPr id="235" name="PlaceHolder 2"/>
           <p:cNvSpPr>
             <a:spLocks noGrp="1"/>
           </p:cNvSpPr>
@@ -796,7 +796,7 @@
       </p:sp>
       <p:sp>
         <p:nvSpPr>
-          <p:cNvPr id="242" name="CustomShape 49"/>
+          <p:cNvPr id="236" name="CustomShape 49"/>
           <p:cNvSpPr/>
           <p:nvPr/>
         </p:nvSpPr>
@@ -870,7 +870,7 @@
       </p:grpSpPr>
       <p:sp>
         <p:nvSpPr>
-          <p:cNvPr id="243" name="PlaceHolder 1"/>
+          <p:cNvPr id="237" name="PlaceHolder 1"/>
           <p:cNvSpPr>
             <a:spLocks noGrp="1"/>
           </p:cNvSpPr>
@@ -893,7 +893,7 @@
       </p:sp>
       <p:sp>
         <p:nvSpPr>
-          <p:cNvPr id="244" name="PlaceHolder 2"/>
+          <p:cNvPr id="238" name="PlaceHolder 2"/>
           <p:cNvSpPr>
             <a:spLocks noGrp="1"/>
           </p:cNvSpPr>
@@ -927,7 +927,7 @@
       </p:sp>
       <p:sp>
         <p:nvSpPr>
-          <p:cNvPr id="245" name="CustomShape 54"/>
+          <p:cNvPr id="239" name="CustomShape 54"/>
           <p:cNvSpPr/>
           <p:nvPr/>
         </p:nvSpPr>
@@ -1001,7 +1001,7 @@
       </p:grpSpPr>
       <p:sp>
         <p:nvSpPr>
-          <p:cNvPr id="246" name="PlaceHolder 1"/>
+          <p:cNvPr id="240" name="PlaceHolder 1"/>
           <p:cNvSpPr>
             <a:spLocks noGrp="1"/>
           </p:cNvSpPr>
@@ -1024,7 +1024,7 @@
       </p:sp>
       <p:sp>
         <p:nvSpPr>
-          <p:cNvPr id="247" name="PlaceHolder 2"/>
+          <p:cNvPr id="241" name="PlaceHolder 2"/>
           <p:cNvSpPr>
             <a:spLocks noGrp="1"/>
           </p:cNvSpPr>
@@ -1058,7 +1058,7 @@
       </p:sp>
       <p:sp>
         <p:nvSpPr>
-          <p:cNvPr id="248" name="CustomShape 59"/>
+          <p:cNvPr id="242" name="CustomShape 59"/>
           <p:cNvSpPr/>
           <p:nvPr/>
         </p:nvSpPr>
@@ -1132,7 +1132,7 @@
       </p:grpSpPr>
       <p:sp>
         <p:nvSpPr>
-          <p:cNvPr id="249" name="PlaceHolder 1"/>
+          <p:cNvPr id="243" name="PlaceHolder 1"/>
           <p:cNvSpPr>
             <a:spLocks noGrp="1"/>
           </p:cNvSpPr>
@@ -1155,7 +1155,7 @@
       </p:sp>
       <p:sp>
         <p:nvSpPr>
-          <p:cNvPr id="250" name="PlaceHolder 2"/>
+          <p:cNvPr id="244" name="PlaceHolder 2"/>
           <p:cNvSpPr>
             <a:spLocks noGrp="1"/>
           </p:cNvSpPr>
@@ -1189,7 +1189,7 @@
       </p:sp>
       <p:sp>
         <p:nvSpPr>
-          <p:cNvPr id="251" name="CustomShape 64"/>
+          <p:cNvPr id="245" name="CustomShape 64"/>
           <p:cNvSpPr/>
           <p:nvPr/>
         </p:nvSpPr>
@@ -1263,7 +1263,7 @@
       </p:grpSpPr>
       <p:sp>
         <p:nvSpPr>
-          <p:cNvPr id="252" name="PlaceHolder 1"/>
+          <p:cNvPr id="246" name="PlaceHolder 1"/>
           <p:cNvSpPr>
             <a:spLocks noGrp="1"/>
           </p:cNvSpPr>
@@ -1286,7 +1286,7 @@
       </p:sp>
       <p:sp>
         <p:nvSpPr>
-          <p:cNvPr id="253" name="PlaceHolder 2"/>
+          <p:cNvPr id="247" name="PlaceHolder 2"/>
           <p:cNvSpPr>
             <a:spLocks noGrp="1"/>
           </p:cNvSpPr>
@@ -1320,7 +1320,7 @@
       </p:sp>
       <p:sp>
         <p:nvSpPr>
-          <p:cNvPr id="254" name="CustomShape 69"/>
+          <p:cNvPr id="248" name="CustomShape 69"/>
           <p:cNvSpPr/>
           <p:nvPr/>
         </p:nvSpPr>
@@ -1394,7 +1394,7 @@
       </p:grpSpPr>
       <p:sp>
         <p:nvSpPr>
-          <p:cNvPr id="255" name="PlaceHolder 1"/>
+          <p:cNvPr id="249" name="PlaceHolder 1"/>
           <p:cNvSpPr>
             <a:spLocks noGrp="1"/>
           </p:cNvSpPr>
@@ -1417,7 +1417,7 @@
       </p:sp>
       <p:sp>
         <p:nvSpPr>
-          <p:cNvPr id="256" name="PlaceHolder 2"/>
+          <p:cNvPr id="250" name="PlaceHolder 2"/>
           <p:cNvSpPr>
             <a:spLocks noGrp="1"/>
           </p:cNvSpPr>
@@ -1451,7 +1451,7 @@
       </p:sp>
       <p:sp>
         <p:nvSpPr>
-          <p:cNvPr id="257" name="CustomShape 79"/>
+          <p:cNvPr id="251" name="CustomShape 79"/>
           <p:cNvSpPr/>
           <p:nvPr/>
         </p:nvSpPr>
@@ -1525,7 +1525,7 @@
       </p:grpSpPr>
       <p:sp>
         <p:nvSpPr>
-          <p:cNvPr id="210" name="PlaceHolder 1"/>
+          <p:cNvPr id="204" name="PlaceHolder 1"/>
           <p:cNvSpPr>
             <a:spLocks noGrp="1"/>
           </p:cNvSpPr>
@@ -1548,7 +1548,7 @@
       </p:sp>
       <p:sp>
         <p:nvSpPr>
-          <p:cNvPr id="211" name="PlaceHolder 2"/>
+          <p:cNvPr id="205" name="PlaceHolder 2"/>
           <p:cNvSpPr>
             <a:spLocks noGrp="1"/>
           </p:cNvSpPr>
@@ -1582,7 +1582,7 @@
       </p:sp>
       <p:sp>
         <p:nvSpPr>
-          <p:cNvPr id="212" name="CustomShape 3"/>
+          <p:cNvPr id="206" name="CustomShape 3"/>
           <p:cNvSpPr/>
           <p:nvPr/>
         </p:nvSpPr>
@@ -1656,7 +1656,7 @@
       </p:grpSpPr>
       <p:sp>
         <p:nvSpPr>
-          <p:cNvPr id="213" name="PlaceHolder 1"/>
+          <p:cNvPr id="207" name="PlaceHolder 1"/>
           <p:cNvSpPr>
             <a:spLocks noGrp="1"/>
           </p:cNvSpPr>
@@ -1679,7 +1679,7 @@
       </p:sp>
       <p:sp>
         <p:nvSpPr>
-          <p:cNvPr id="214" name="PlaceHolder 2"/>
+          <p:cNvPr id="208" name="PlaceHolder 2"/>
           <p:cNvSpPr>
             <a:spLocks noGrp="1"/>
           </p:cNvSpPr>
@@ -1713,7 +1713,7 @@
       </p:sp>
       <p:sp>
         <p:nvSpPr>
-          <p:cNvPr id="215" name="CustomShape 14"/>
+          <p:cNvPr id="209" name="CustomShape 14"/>
           <p:cNvSpPr/>
           <p:nvPr/>
         </p:nvSpPr>
@@ -1787,7 +1787,7 @@
       </p:grpSpPr>
       <p:sp>
         <p:nvSpPr>
-          <p:cNvPr id="216" name="PlaceHolder 1"/>
+          <p:cNvPr id="210" name="PlaceHolder 1"/>
           <p:cNvSpPr>
             <a:spLocks noGrp="1"/>
           </p:cNvSpPr>
@@ -1810,7 +1810,7 @@
       </p:sp>
       <p:sp>
         <p:nvSpPr>
-          <p:cNvPr id="217" name="PlaceHolder 2"/>
+          <p:cNvPr id="211" name="PlaceHolder 2"/>
           <p:cNvSpPr>
             <a:spLocks noGrp="1"/>
           </p:cNvSpPr>
@@ -1844,7 +1844,7 @@
       </p:sp>
       <p:sp>
         <p:nvSpPr>
-          <p:cNvPr id="218" name="CustomShape 11"/>
+          <p:cNvPr id="212" name="CustomShape 11"/>
           <p:cNvSpPr/>
           <p:nvPr/>
         </p:nvSpPr>
@@ -1918,7 +1918,7 @@
       </p:grpSpPr>
       <p:sp>
         <p:nvSpPr>
-          <p:cNvPr id="219" name="PlaceHolder 1"/>
+          <p:cNvPr id="213" name="PlaceHolder 1"/>
           <p:cNvSpPr>
             <a:spLocks noGrp="1"/>
           </p:cNvSpPr>
@@ -1941,7 +1941,7 @@
       </p:sp>
       <p:sp>
         <p:nvSpPr>
-          <p:cNvPr id="220" name="PlaceHolder 2"/>
+          <p:cNvPr id="214" name="PlaceHolder 2"/>
           <p:cNvSpPr>
             <a:spLocks noGrp="1"/>
           </p:cNvSpPr>
@@ -1975,7 +1975,7 @@
       </p:sp>
       <p:sp>
         <p:nvSpPr>
-          <p:cNvPr id="221" name="CustomShape 24"/>
+          <p:cNvPr id="215" name="CustomShape 24"/>
           <p:cNvSpPr/>
           <p:nvPr/>
         </p:nvSpPr>
@@ -2049,7 +2049,7 @@
       </p:grpSpPr>
       <p:sp>
         <p:nvSpPr>
-          <p:cNvPr id="222" name="PlaceHolder 1"/>
+          <p:cNvPr id="216" name="PlaceHolder 1"/>
           <p:cNvSpPr>
             <a:spLocks noGrp="1"/>
           </p:cNvSpPr>
@@ -2072,7 +2072,7 @@
       </p:sp>
       <p:sp>
         <p:nvSpPr>
-          <p:cNvPr id="223" name="PlaceHolder 2"/>
+          <p:cNvPr id="217" name="PlaceHolder 2"/>
           <p:cNvSpPr>
             <a:spLocks noGrp="1"/>
           </p:cNvSpPr>
@@ -2106,7 +2106,7 @@
       </p:sp>
       <p:sp>
         <p:nvSpPr>
-          <p:cNvPr id="224" name="CustomShape 29"/>
+          <p:cNvPr id="218" name="CustomShape 29"/>
           <p:cNvSpPr/>
           <p:nvPr/>
         </p:nvSpPr>
@@ -2180,7 +2180,7 @@
       </p:grpSpPr>
       <p:sp>
         <p:nvSpPr>
-          <p:cNvPr id="225" name="PlaceHolder 1"/>
+          <p:cNvPr id="219" name="PlaceHolder 1"/>
           <p:cNvSpPr>
             <a:spLocks noGrp="1"/>
           </p:cNvSpPr>
@@ -2203,7 +2203,7 @@
       </p:sp>
       <p:sp>
         <p:nvSpPr>
-          <p:cNvPr id="226" name="PlaceHolder 2"/>
+          <p:cNvPr id="220" name="PlaceHolder 2"/>
           <p:cNvSpPr>
             <a:spLocks noGrp="1"/>
           </p:cNvSpPr>
@@ -2237,7 +2237,7 @@
       </p:sp>
       <p:sp>
         <p:nvSpPr>
-          <p:cNvPr id="227" name="CustomShape 34"/>
+          <p:cNvPr id="221" name="CustomShape 34"/>
           <p:cNvSpPr/>
           <p:nvPr/>
         </p:nvSpPr>
@@ -2311,7 +2311,7 @@
       </p:grpSpPr>
       <p:sp>
         <p:nvSpPr>
-          <p:cNvPr id="228" name="PlaceHolder 1"/>
+          <p:cNvPr id="222" name="PlaceHolder 1"/>
           <p:cNvSpPr>
             <a:spLocks noGrp="1"/>
           </p:cNvSpPr>
@@ -2334,7 +2334,7 @@
       </p:sp>
       <p:sp>
         <p:nvSpPr>
-          <p:cNvPr id="229" name="PlaceHolder 2"/>
+          <p:cNvPr id="223" name="PlaceHolder 2"/>
           <p:cNvSpPr>
             <a:spLocks noGrp="1"/>
           </p:cNvSpPr>
@@ -2368,7 +2368,7 @@
       </p:sp>
       <p:sp>
         <p:nvSpPr>
-          <p:cNvPr id="230" name="CustomShape 84"/>
+          <p:cNvPr id="224" name="CustomShape 84"/>
           <p:cNvSpPr/>
           <p:nvPr/>
         </p:nvSpPr>
@@ -2442,7 +2442,7 @@
       </p:grpSpPr>
       <p:sp>
         <p:nvSpPr>
-          <p:cNvPr id="231" name="PlaceHolder 1"/>
+          <p:cNvPr id="225" name="PlaceHolder 1"/>
           <p:cNvSpPr>
             <a:spLocks noGrp="1"/>
           </p:cNvSpPr>
@@ -2465,7 +2465,7 @@
       </p:sp>
       <p:sp>
         <p:nvSpPr>
-          <p:cNvPr id="232" name="PlaceHolder 2"/>
+          <p:cNvPr id="226" name="PlaceHolder 2"/>
           <p:cNvSpPr>
             <a:spLocks noGrp="1"/>
           </p:cNvSpPr>
@@ -2499,7 +2499,7 @@
       </p:sp>
       <p:sp>
         <p:nvSpPr>
-          <p:cNvPr id="233" name="CustomShape 19"/>
+          <p:cNvPr id="227" name="CustomShape 19"/>
           <p:cNvSpPr/>
           <p:nvPr/>
         </p:nvSpPr>
@@ -6611,7 +6611,7 @@
       </p:grpSpPr>
       <p:sp>
         <p:nvSpPr>
-          <p:cNvPr id="150" name="CustomShape 35"/>
+          <p:cNvPr id="144" name="CustomShape 35"/>
           <p:cNvSpPr/>
           <p:nvPr/>
         </p:nvSpPr>
@@ -6663,7 +6663,7 @@
       </p:sp>
       <p:sp>
         <p:nvSpPr>
-          <p:cNvPr id="151" name="CustomShape 36"/>
+          <p:cNvPr id="145" name="CustomShape 36"/>
           <p:cNvSpPr/>
           <p:nvPr/>
         </p:nvSpPr>
@@ -6722,7 +6722,7 @@
       </p:sp>
       <p:sp>
         <p:nvSpPr>
-          <p:cNvPr id="152" name="CustomShape 37"/>
+          <p:cNvPr id="146" name="CustomShape 37"/>
           <p:cNvSpPr/>
           <p:nvPr/>
         </p:nvSpPr>
@@ -6774,7 +6774,7 @@
       </p:sp>
       <p:sp>
         <p:nvSpPr>
-          <p:cNvPr id="153" name="CustomShape 38"/>
+          <p:cNvPr id="147" name="CustomShape 38"/>
           <p:cNvSpPr/>
           <p:nvPr/>
         </p:nvSpPr>
@@ -6826,7 +6826,7 @@
       </p:sp>
       <p:sp>
         <p:nvSpPr>
-          <p:cNvPr id="154" name=""/>
+          <p:cNvPr id="148" name=""/>
           <p:cNvSpPr/>
           <p:nvPr/>
         </p:nvSpPr>
@@ -7257,7 +7257,7 @@
       </p:sp>
       <p:pic>
         <p:nvPicPr>
-          <p:cNvPr id="155" name="" descr=""/>
+          <p:cNvPr id="149" name="" descr=""/>
           <p:cNvPicPr/>
           <p:nvPr/>
         </p:nvPicPr>
@@ -7311,7 +7311,7 @@
       </p:grpSpPr>
       <p:sp>
         <p:nvSpPr>
-          <p:cNvPr id="156" name="CustomShape 40"/>
+          <p:cNvPr id="150" name="CustomShape 40"/>
           <p:cNvSpPr/>
           <p:nvPr/>
         </p:nvSpPr>
@@ -7363,7 +7363,7 @@
       </p:sp>
       <p:sp>
         <p:nvSpPr>
-          <p:cNvPr id="157" name="CustomShape 41"/>
+          <p:cNvPr id="151" name="CustomShape 41"/>
           <p:cNvSpPr/>
           <p:nvPr/>
         </p:nvSpPr>
@@ -7422,7 +7422,7 @@
       </p:sp>
       <p:sp>
         <p:nvSpPr>
-          <p:cNvPr id="158" name="CustomShape 42"/>
+          <p:cNvPr id="152" name="CustomShape 42"/>
           <p:cNvSpPr/>
           <p:nvPr/>
         </p:nvSpPr>
@@ -7474,7 +7474,7 @@
       </p:sp>
       <p:sp>
         <p:nvSpPr>
-          <p:cNvPr id="159" name="CustomShape 43"/>
+          <p:cNvPr id="153" name="CustomShape 43"/>
           <p:cNvSpPr/>
           <p:nvPr/>
         </p:nvSpPr>
@@ -7526,7 +7526,7 @@
       </p:sp>
       <p:sp>
         <p:nvSpPr>
-          <p:cNvPr id="160" name=""/>
+          <p:cNvPr id="154" name=""/>
           <p:cNvSpPr/>
           <p:nvPr/>
         </p:nvSpPr>
@@ -8016,7 +8016,7 @@
       </p:sp>
       <p:pic>
         <p:nvPicPr>
-          <p:cNvPr id="161" name="" descr=""/>
+          <p:cNvPr id="155" name="" descr=""/>
           <p:cNvPicPr/>
           <p:nvPr/>
         </p:nvPicPr>
@@ -8039,7 +8039,7 @@
       </p:pic>
       <p:pic>
         <p:nvPicPr>
-          <p:cNvPr id="162" name="" descr=""/>
+          <p:cNvPr id="156" name="" descr=""/>
           <p:cNvPicPr/>
           <p:nvPr/>
         </p:nvPicPr>
@@ -8062,7 +8062,7 @@
       </p:pic>
       <p:pic>
         <p:nvPicPr>
-          <p:cNvPr id="163" name="" descr=""/>
+          <p:cNvPr id="157" name="" descr=""/>
           <p:cNvPicPr/>
           <p:nvPr/>
         </p:nvPicPr>
@@ -8085,7 +8085,7 @@
       </p:pic>
       <p:pic>
         <p:nvPicPr>
-          <p:cNvPr id="164" name="" descr=""/>
+          <p:cNvPr id="158" name="" descr=""/>
           <p:cNvPicPr/>
           <p:nvPr/>
         </p:nvPicPr>
@@ -8108,7 +8108,7 @@
       </p:pic>
       <p:pic>
         <p:nvPicPr>
-          <p:cNvPr id="165" name="" descr=""/>
+          <p:cNvPr id="159" name="" descr=""/>
           <p:cNvPicPr/>
           <p:nvPr/>
         </p:nvPicPr>
@@ -8132,7 +8132,7 @@
       </p:pic>
       <p:sp>
         <p:nvSpPr>
-          <p:cNvPr id="166" name=""/>
+          <p:cNvPr id="160" name=""/>
           <p:cNvSpPr/>
           <p:nvPr/>
         </p:nvSpPr>
@@ -8221,7 +8221,7 @@
       </p:grpSpPr>
       <p:sp>
         <p:nvSpPr>
-          <p:cNvPr id="167" name="CustomShape 45"/>
+          <p:cNvPr id="161" name="CustomShape 45"/>
           <p:cNvSpPr/>
           <p:nvPr/>
         </p:nvSpPr>
@@ -8273,7 +8273,7 @@
       </p:sp>
       <p:sp>
         <p:nvSpPr>
-          <p:cNvPr id="168" name="CustomShape 46"/>
+          <p:cNvPr id="162" name="CustomShape 46"/>
           <p:cNvSpPr/>
           <p:nvPr/>
         </p:nvSpPr>
@@ -8332,7 +8332,7 @@
       </p:sp>
       <p:sp>
         <p:nvSpPr>
-          <p:cNvPr id="169" name="CustomShape 47"/>
+          <p:cNvPr id="163" name="CustomShape 47"/>
           <p:cNvSpPr/>
           <p:nvPr/>
         </p:nvSpPr>
@@ -8384,7 +8384,7 @@
       </p:sp>
       <p:sp>
         <p:nvSpPr>
-          <p:cNvPr id="170" name="CustomShape 48"/>
+          <p:cNvPr id="164" name="CustomShape 48"/>
           <p:cNvSpPr/>
           <p:nvPr/>
         </p:nvSpPr>
@@ -8436,7 +8436,7 @@
       </p:sp>
       <p:sp>
         <p:nvSpPr>
-          <p:cNvPr id="171" name=""/>
+          <p:cNvPr id="165" name=""/>
           <p:cNvSpPr/>
           <p:nvPr/>
         </p:nvSpPr>
@@ -9093,7 +9093,7 @@
       </p:sp>
       <p:pic>
         <p:nvPicPr>
-          <p:cNvPr id="172" name="" descr=""/>
+          <p:cNvPr id="166" name="" descr=""/>
           <p:cNvPicPr/>
           <p:nvPr/>
         </p:nvPicPr>
@@ -9116,7 +9116,7 @@
       </p:pic>
       <p:pic>
         <p:nvPicPr>
-          <p:cNvPr id="173" name="" descr=""/>
+          <p:cNvPr id="167" name="" descr=""/>
           <p:cNvPicPr/>
           <p:nvPr/>
         </p:nvPicPr>
@@ -9169,7 +9169,7 @@
       </p:grpSpPr>
       <p:sp>
         <p:nvSpPr>
-          <p:cNvPr id="174" name="CustomShape 50"/>
+          <p:cNvPr id="168" name="CustomShape 50"/>
           <p:cNvSpPr/>
           <p:nvPr/>
         </p:nvSpPr>
@@ -9221,7 +9221,7 @@
       </p:sp>
       <p:sp>
         <p:nvSpPr>
-          <p:cNvPr id="175" name="CustomShape 51"/>
+          <p:cNvPr id="169" name="CustomShape 51"/>
           <p:cNvSpPr/>
           <p:nvPr/>
         </p:nvSpPr>
@@ -9280,7 +9280,7 @@
       </p:sp>
       <p:sp>
         <p:nvSpPr>
-          <p:cNvPr id="176" name="CustomShape 52"/>
+          <p:cNvPr id="170" name="CustomShape 52"/>
           <p:cNvSpPr/>
           <p:nvPr/>
         </p:nvSpPr>
@@ -9332,7 +9332,7 @@
       </p:sp>
       <p:sp>
         <p:nvSpPr>
-          <p:cNvPr id="177" name="CustomShape 53"/>
+          <p:cNvPr id="171" name="CustomShape 53"/>
           <p:cNvSpPr/>
           <p:nvPr/>
         </p:nvSpPr>
@@ -9384,7 +9384,7 @@
       </p:sp>
       <p:sp>
         <p:nvSpPr>
-          <p:cNvPr id="178" name=""/>
+          <p:cNvPr id="172" name=""/>
           <p:cNvSpPr/>
           <p:nvPr/>
         </p:nvSpPr>
@@ -9804,7 +9804,7 @@
       </p:sp>
       <p:pic>
         <p:nvPicPr>
-          <p:cNvPr id="179" name="" descr=""/>
+          <p:cNvPr id="173" name="" descr=""/>
           <p:cNvPicPr/>
           <p:nvPr/>
         </p:nvPicPr>
@@ -9827,7 +9827,7 @@
       </p:pic>
       <p:pic>
         <p:nvPicPr>
-          <p:cNvPr id="180" name="" descr=""/>
+          <p:cNvPr id="174" name="" descr=""/>
           <p:cNvPicPr/>
           <p:nvPr/>
         </p:nvPicPr>
@@ -9850,7 +9850,7 @@
       </p:pic>
       <p:pic>
         <p:nvPicPr>
-          <p:cNvPr id="181" name="" descr=""/>
+          <p:cNvPr id="175" name="" descr=""/>
           <p:cNvPicPr/>
           <p:nvPr/>
         </p:nvPicPr>
@@ -9903,7 +9903,7 @@
       </p:grpSpPr>
       <p:sp>
         <p:nvSpPr>
-          <p:cNvPr id="182" name="CustomShape 55"/>
+          <p:cNvPr id="176" name="CustomShape 55"/>
           <p:cNvSpPr/>
           <p:nvPr/>
         </p:nvSpPr>
@@ -9955,7 +9955,7 @@
       </p:sp>
       <p:sp>
         <p:nvSpPr>
-          <p:cNvPr id="183" name="CustomShape 56"/>
+          <p:cNvPr id="177" name="CustomShape 56"/>
           <p:cNvSpPr/>
           <p:nvPr/>
         </p:nvSpPr>
@@ -10014,7 +10014,7 @@
       </p:sp>
       <p:sp>
         <p:nvSpPr>
-          <p:cNvPr id="184" name="CustomShape 57"/>
+          <p:cNvPr id="178" name="CustomShape 57"/>
           <p:cNvSpPr/>
           <p:nvPr/>
         </p:nvSpPr>
@@ -10066,7 +10066,7 @@
       </p:sp>
       <p:sp>
         <p:nvSpPr>
-          <p:cNvPr id="185" name="CustomShape 58"/>
+          <p:cNvPr id="179" name="CustomShape 58"/>
           <p:cNvSpPr/>
           <p:nvPr/>
         </p:nvSpPr>
@@ -10118,7 +10118,7 @@
       </p:sp>
       <p:sp>
         <p:nvSpPr>
-          <p:cNvPr id="186" name=""/>
+          <p:cNvPr id="180" name=""/>
           <p:cNvSpPr/>
           <p:nvPr/>
         </p:nvSpPr>
@@ -10538,7 +10538,7 @@
       </p:sp>
       <p:pic>
         <p:nvPicPr>
-          <p:cNvPr id="187" name="" descr=""/>
+          <p:cNvPr id="181" name="" descr=""/>
           <p:cNvPicPr/>
           <p:nvPr/>
         </p:nvPicPr>
@@ -10561,7 +10561,7 @@
       </p:pic>
       <p:pic>
         <p:nvPicPr>
-          <p:cNvPr id="188" name="" descr=""/>
+          <p:cNvPr id="182" name="" descr=""/>
           <p:cNvPicPr/>
           <p:nvPr/>
         </p:nvPicPr>
@@ -10584,7 +10584,7 @@
       </p:pic>
       <p:pic>
         <p:nvPicPr>
-          <p:cNvPr id="189" name="" descr=""/>
+          <p:cNvPr id="183" name="" descr=""/>
           <p:cNvPicPr/>
           <p:nvPr/>
         </p:nvPicPr>
@@ -10638,7 +10638,7 @@
       </p:grpSpPr>
       <p:pic>
         <p:nvPicPr>
-          <p:cNvPr id="190" name="" descr=""/>
+          <p:cNvPr id="184" name="" descr=""/>
           <p:cNvPicPr/>
           <p:nvPr/>
         </p:nvPicPr>
@@ -10661,7 +10661,7 @@
       </p:pic>
       <p:sp>
         <p:nvSpPr>
-          <p:cNvPr id="191" name="CustomShape 60"/>
+          <p:cNvPr id="185" name="CustomShape 60"/>
           <p:cNvSpPr/>
           <p:nvPr/>
         </p:nvSpPr>
@@ -10713,7 +10713,7 @@
       </p:sp>
       <p:sp>
         <p:nvSpPr>
-          <p:cNvPr id="192" name="CustomShape 61"/>
+          <p:cNvPr id="186" name="CustomShape 61"/>
           <p:cNvSpPr/>
           <p:nvPr/>
         </p:nvSpPr>
@@ -10772,7 +10772,7 @@
       </p:sp>
       <p:sp>
         <p:nvSpPr>
-          <p:cNvPr id="193" name="CustomShape 62"/>
+          <p:cNvPr id="187" name="CustomShape 62"/>
           <p:cNvSpPr/>
           <p:nvPr/>
         </p:nvSpPr>
@@ -10824,7 +10824,7 @@
       </p:sp>
       <p:sp>
         <p:nvSpPr>
-          <p:cNvPr id="194" name="CustomShape 63"/>
+          <p:cNvPr id="188" name="CustomShape 63"/>
           <p:cNvSpPr/>
           <p:nvPr/>
         </p:nvSpPr>
@@ -10876,7 +10876,7 @@
       </p:sp>
       <p:sp>
         <p:nvSpPr>
-          <p:cNvPr id="195" name=""/>
+          <p:cNvPr id="189" name=""/>
           <p:cNvSpPr/>
           <p:nvPr/>
         </p:nvSpPr>
@@ -11326,7 +11326,7 @@
       </p:grpSpPr>
       <p:pic>
         <p:nvPicPr>
-          <p:cNvPr id="196" name="" descr=""/>
+          <p:cNvPr id="190" name="" descr=""/>
           <p:cNvPicPr/>
           <p:nvPr/>
         </p:nvPicPr>
@@ -11349,7 +11349,7 @@
       </p:pic>
       <p:sp>
         <p:nvSpPr>
-          <p:cNvPr id="197" name="CustomShape 65"/>
+          <p:cNvPr id="191" name="CustomShape 65"/>
           <p:cNvSpPr/>
           <p:nvPr/>
         </p:nvSpPr>
@@ -11401,7 +11401,7 @@
       </p:sp>
       <p:sp>
         <p:nvSpPr>
-          <p:cNvPr id="198" name="CustomShape 66"/>
+          <p:cNvPr id="192" name="CustomShape 66"/>
           <p:cNvSpPr/>
           <p:nvPr/>
         </p:nvSpPr>
@@ -11460,7 +11460,7 @@
       </p:sp>
       <p:sp>
         <p:nvSpPr>
-          <p:cNvPr id="199" name="CustomShape 67"/>
+          <p:cNvPr id="193" name="CustomShape 67"/>
           <p:cNvSpPr/>
           <p:nvPr/>
         </p:nvSpPr>
@@ -11512,7 +11512,7 @@
       </p:sp>
       <p:sp>
         <p:nvSpPr>
-          <p:cNvPr id="200" name="CustomShape 68"/>
+          <p:cNvPr id="194" name="CustomShape 68"/>
           <p:cNvSpPr/>
           <p:nvPr/>
         </p:nvSpPr>
@@ -11564,7 +11564,7 @@
       </p:sp>
       <p:sp>
         <p:nvSpPr>
-          <p:cNvPr id="201" name=""/>
+          <p:cNvPr id="195" name=""/>
           <p:cNvSpPr/>
           <p:nvPr/>
         </p:nvSpPr>
@@ -12014,7 +12014,7 @@
       </p:grpSpPr>
       <p:sp>
         <p:nvSpPr>
-          <p:cNvPr id="202" name="CustomShape 75"/>
+          <p:cNvPr id="196" name="CustomShape 75"/>
           <p:cNvSpPr/>
           <p:nvPr/>
         </p:nvSpPr>
@@ -12066,7 +12066,7 @@
       </p:sp>
       <p:sp>
         <p:nvSpPr>
-          <p:cNvPr id="203" name="CustomShape 76"/>
+          <p:cNvPr id="197" name="CustomShape 76"/>
           <p:cNvSpPr/>
           <p:nvPr/>
         </p:nvSpPr>
@@ -12125,7 +12125,7 @@
       </p:sp>
       <p:sp>
         <p:nvSpPr>
-          <p:cNvPr id="204" name="CustomShape 77"/>
+          <p:cNvPr id="198" name="CustomShape 77"/>
           <p:cNvSpPr/>
           <p:nvPr/>
         </p:nvSpPr>
@@ -12177,7 +12177,7 @@
       </p:sp>
       <p:sp>
         <p:nvSpPr>
-          <p:cNvPr id="205" name="CustomShape 78"/>
+          <p:cNvPr id="199" name="CustomShape 78"/>
           <p:cNvSpPr/>
           <p:nvPr/>
         </p:nvSpPr>
@@ -12229,7 +12229,7 @@
       </p:sp>
       <p:sp>
         <p:nvSpPr>
-          <p:cNvPr id="206" name=""/>
+          <p:cNvPr id="200" name=""/>
           <p:cNvSpPr/>
           <p:nvPr/>
         </p:nvSpPr>
@@ -12268,11 +12268,16 @@
             </a:endParaRPr>
           </a:p>
           <a:p>
-            <a:pPr>
+            <a:pPr marL="216000" indent="-216000">
               <a:lnSpc>
                 <a:spcPct val="150000"/>
               </a:lnSpc>
-              <a:buNone/>
+              <a:buClr>
+                <a:srgbClr val="000000"/>
+              </a:buClr>
+              <a:buSzPct val="45000"/>
+              <a:buFont typeface="Wingdings" charset="2"/>
+              <a:buChar char=""/>
             </a:pPr>
             <a:r>
               <a:rPr b="0" lang="pt-BR" sz="1600" spc="-1" strike="noStrike">
@@ -12289,11 +12294,16 @@
             </a:endParaRPr>
           </a:p>
           <a:p>
-            <a:pPr>
+            <a:pPr marL="216000" indent="-216000">
               <a:lnSpc>
                 <a:spcPct val="150000"/>
               </a:lnSpc>
-              <a:buNone/>
+              <a:buClr>
+                <a:srgbClr val="000000"/>
+              </a:buClr>
+              <a:buSzPct val="45000"/>
+              <a:buFont typeface="Wingdings" charset="2"/>
+              <a:buChar char=""/>
             </a:pPr>
             <a:r>
               <a:rPr b="0" lang="pt-BR" sz="1600" spc="-1" strike="noStrike">
@@ -12328,7 +12338,18 @@
               </a:lnSpc>
               <a:buNone/>
             </a:pPr>
-            <a:endParaRPr b="0" lang="pt-BR" sz="2000" spc="-1" strike="noStrike">
+            <a:endParaRPr b="0" lang="pt-BR" sz="1600" spc="-1" strike="noStrike">
+              <a:latin typeface="Arial"/>
+            </a:endParaRPr>
+          </a:p>
+          <a:p>
+            <a:pPr>
+              <a:lnSpc>
+                <a:spcPct val="150000"/>
+              </a:lnSpc>
+              <a:buNone/>
+            </a:pPr>
+            <a:endParaRPr b="0" lang="pt-BR" sz="1600" spc="-1" strike="noStrike">
               <a:latin typeface="Arial"/>
             </a:endParaRPr>
           </a:p>
@@ -12705,32 +12726,9 @@
           <a:chExt cx="0" cy="0"/>
         </a:xfrm>
       </p:grpSpPr>
-      <p:pic>
-        <p:nvPicPr>
-          <p:cNvPr id="89" name="" descr=""/>
-          <p:cNvPicPr/>
-          <p:nvPr/>
-        </p:nvPicPr>
-        <p:blipFill>
-          <a:blip r:embed="rId1"/>
-          <a:stretch/>
-        </p:blipFill>
-        <p:spPr>
-          <a:xfrm>
-            <a:off x="1602000" y="4112280"/>
-            <a:ext cx="7424640" cy="2214360"/>
-          </a:xfrm>
-          <a:prstGeom prst="rect">
-            <a:avLst/>
-          </a:prstGeom>
-          <a:ln w="0">
-            <a:noFill/>
-          </a:ln>
-        </p:spPr>
-      </p:pic>
-      <p:sp>
-        <p:nvSpPr>
-          <p:cNvPr id="90" name="CustomShape 1"/>
+      <p:sp>
+        <p:nvSpPr>
+          <p:cNvPr id="89" name="CustomShape 1"/>
           <p:cNvSpPr/>
           <p:nvPr/>
         </p:nvSpPr>
@@ -12782,7 +12780,7 @@
       </p:sp>
       <p:sp>
         <p:nvSpPr>
-          <p:cNvPr id="91" name="CustomShape 4"/>
+          <p:cNvPr id="90" name="CustomShape 4"/>
           <p:cNvSpPr/>
           <p:nvPr/>
         </p:nvSpPr>
@@ -13001,7 +12999,7 @@
       </p:sp>
       <p:sp>
         <p:nvSpPr>
-          <p:cNvPr id="92" name="CustomShape 2"/>
+          <p:cNvPr id="91" name="CustomShape 2"/>
           <p:cNvSpPr/>
           <p:nvPr/>
         </p:nvSpPr>
@@ -13053,7 +13051,7 @@
       </p:sp>
       <p:sp>
         <p:nvSpPr>
-          <p:cNvPr id="93" name="CustomShape 3"/>
+          <p:cNvPr id="92" name="CustomShape 3"/>
           <p:cNvSpPr/>
           <p:nvPr/>
         </p:nvSpPr>
@@ -13105,133 +13103,18 @@
       </p:sp>
       <p:pic>
         <p:nvPicPr>
-          <p:cNvPr id="94" name="" descr=""/>
+          <p:cNvPr id="93" name="" descr=""/>
           <p:cNvPicPr/>
           <p:nvPr/>
         </p:nvPicPr>
         <p:blipFill>
-          <a:blip r:embed="rId2"/>
+          <a:blip r:embed="rId1"/>
           <a:stretch/>
         </p:blipFill>
         <p:spPr>
           <a:xfrm>
-            <a:off x="3332880" y="5882760"/>
-            <a:ext cx="415080" cy="443880"/>
-          </a:xfrm>
-          <a:prstGeom prst="rect">
-            <a:avLst/>
-          </a:prstGeom>
-          <a:ln w="0">
-            <a:noFill/>
-          </a:ln>
-        </p:spPr>
-      </p:pic>
-      <p:pic>
-        <p:nvPicPr>
-          <p:cNvPr id="95" name="" descr=""/>
-          <p:cNvPicPr/>
-          <p:nvPr/>
-        </p:nvPicPr>
-        <p:blipFill>
-          <a:blip r:embed="rId3"/>
-          <a:stretch/>
-        </p:blipFill>
-        <p:spPr>
-          <a:xfrm>
-            <a:off x="3837240" y="5883120"/>
-            <a:ext cx="415080" cy="443880"/>
-          </a:xfrm>
-          <a:prstGeom prst="rect">
-            <a:avLst/>
-          </a:prstGeom>
-          <a:ln w="0">
-            <a:noFill/>
-          </a:ln>
-        </p:spPr>
-      </p:pic>
-      <p:pic>
-        <p:nvPicPr>
-          <p:cNvPr id="96" name="" descr=""/>
-          <p:cNvPicPr/>
-          <p:nvPr/>
-        </p:nvPicPr>
-        <p:blipFill>
-          <a:blip r:embed="rId4"/>
-          <a:stretch/>
-        </p:blipFill>
-        <p:spPr>
-          <a:xfrm>
-            <a:off x="4377600" y="5883480"/>
-            <a:ext cx="415080" cy="443880"/>
-          </a:xfrm>
-          <a:prstGeom prst="rect">
-            <a:avLst/>
-          </a:prstGeom>
-          <a:ln w="0">
-            <a:noFill/>
-          </a:ln>
-        </p:spPr>
-      </p:pic>
-      <p:pic>
-        <p:nvPicPr>
-          <p:cNvPr id="97" name="" descr=""/>
-          <p:cNvPicPr/>
-          <p:nvPr/>
-        </p:nvPicPr>
-        <p:blipFill>
-          <a:blip r:embed="rId5"/>
-          <a:stretch/>
-        </p:blipFill>
-        <p:spPr>
-          <a:xfrm>
-            <a:off x="4917960" y="5883840"/>
-            <a:ext cx="415080" cy="443880"/>
-          </a:xfrm>
-          <a:prstGeom prst="rect">
-            <a:avLst/>
-          </a:prstGeom>
-          <a:ln w="0">
-            <a:noFill/>
-          </a:ln>
-        </p:spPr>
-      </p:pic>
-      <p:pic>
-        <p:nvPicPr>
-          <p:cNvPr id="98" name="" descr=""/>
-          <p:cNvPicPr/>
-          <p:nvPr/>
-        </p:nvPicPr>
-        <p:blipFill>
-          <a:blip r:embed="rId6"/>
-          <a:stretch/>
-        </p:blipFill>
-        <p:spPr>
-          <a:xfrm>
-            <a:off x="5494320" y="5882760"/>
-            <a:ext cx="415080" cy="443880"/>
-          </a:xfrm>
-          <a:prstGeom prst="rect">
-            <a:avLst/>
-          </a:prstGeom>
-          <a:ln w="0">
-            <a:noFill/>
-          </a:ln>
-        </p:spPr>
-      </p:pic>
-      <p:pic>
-        <p:nvPicPr>
-          <p:cNvPr id="99" name="" descr=""/>
-          <p:cNvPicPr/>
-          <p:nvPr/>
-        </p:nvPicPr>
-        <p:blipFill>
-          <a:blip r:embed="rId7"/>
-          <a:stretch/>
-        </p:blipFill>
-        <p:spPr>
-          <a:xfrm>
-            <a:off x="6048000" y="5890680"/>
-            <a:ext cx="415080" cy="443880"/>
+            <a:off x="1440000" y="4140000"/>
+            <a:ext cx="7183080" cy="2151720"/>
           </a:xfrm>
           <a:prstGeom prst="rect">
             <a:avLst/>
@@ -13273,7 +13156,7 @@
       </p:grpSpPr>
       <p:sp>
         <p:nvSpPr>
-          <p:cNvPr id="100" name="CustomShape 6"/>
+          <p:cNvPr id="94" name="CustomShape 6"/>
           <p:cNvSpPr/>
           <p:nvPr/>
         </p:nvSpPr>
@@ -13325,7 +13208,7 @@
       </p:sp>
       <p:sp>
         <p:nvSpPr>
-          <p:cNvPr id="101" name="CustomShape 7"/>
+          <p:cNvPr id="95" name="CustomShape 7"/>
           <p:cNvSpPr/>
           <p:nvPr/>
         </p:nvSpPr>
@@ -13384,7 +13267,7 @@
       </p:sp>
       <p:sp>
         <p:nvSpPr>
-          <p:cNvPr id="102" name="CustomShape 12"/>
+          <p:cNvPr id="96" name="CustomShape 12"/>
           <p:cNvSpPr/>
           <p:nvPr/>
         </p:nvSpPr>
@@ -13436,7 +13319,7 @@
       </p:sp>
       <p:sp>
         <p:nvSpPr>
-          <p:cNvPr id="103" name="CustomShape 13"/>
+          <p:cNvPr id="97" name="CustomShape 13"/>
           <p:cNvSpPr/>
           <p:nvPr/>
         </p:nvSpPr>
@@ -13488,7 +13371,7 @@
       </p:sp>
       <p:sp>
         <p:nvSpPr>
-          <p:cNvPr id="104" name=""/>
+          <p:cNvPr id="98" name=""/>
           <p:cNvSpPr/>
           <p:nvPr/>
         </p:nvSpPr>
@@ -13908,7 +13791,7 @@
       </p:sp>
       <p:pic>
         <p:nvPicPr>
-          <p:cNvPr id="105" name="" descr=""/>
+          <p:cNvPr id="99" name="" descr=""/>
           <p:cNvPicPr/>
           <p:nvPr/>
         </p:nvPicPr>
@@ -13932,7 +13815,7 @@
       </p:pic>
       <p:pic>
         <p:nvPicPr>
-          <p:cNvPr id="106" name="" descr=""/>
+          <p:cNvPr id="100" name="" descr=""/>
           <p:cNvPicPr/>
           <p:nvPr/>
         </p:nvPicPr>
@@ -13955,7 +13838,7 @@
       </p:pic>
       <p:pic>
         <p:nvPicPr>
-          <p:cNvPr id="107" name="" descr=""/>
+          <p:cNvPr id="101" name="" descr=""/>
           <p:cNvPicPr/>
           <p:nvPr/>
         </p:nvPicPr>
@@ -14008,7 +13891,7 @@
       </p:grpSpPr>
       <p:sp>
         <p:nvSpPr>
-          <p:cNvPr id="108" name="CustomShape 5"/>
+          <p:cNvPr id="102" name="CustomShape 5"/>
           <p:cNvSpPr/>
           <p:nvPr/>
         </p:nvSpPr>
@@ -14060,7 +13943,7 @@
       </p:sp>
       <p:sp>
         <p:nvSpPr>
-          <p:cNvPr id="109" name="CustomShape 8"/>
+          <p:cNvPr id="103" name="CustomShape 8"/>
           <p:cNvSpPr/>
           <p:nvPr/>
         </p:nvSpPr>
@@ -14119,7 +14002,7 @@
       </p:sp>
       <p:sp>
         <p:nvSpPr>
-          <p:cNvPr id="110" name="CustomShape 9"/>
+          <p:cNvPr id="104" name="CustomShape 9"/>
           <p:cNvSpPr/>
           <p:nvPr/>
         </p:nvSpPr>
@@ -14171,7 +14054,7 @@
       </p:sp>
       <p:sp>
         <p:nvSpPr>
-          <p:cNvPr id="111" name="CustomShape 10"/>
+          <p:cNvPr id="105" name="CustomShape 10"/>
           <p:cNvSpPr/>
           <p:nvPr/>
         </p:nvSpPr>
@@ -14223,7 +14106,7 @@
       </p:sp>
       <p:sp>
         <p:nvSpPr>
-          <p:cNvPr id="112" name=""/>
+          <p:cNvPr id="106" name=""/>
           <p:cNvSpPr/>
           <p:nvPr/>
         </p:nvSpPr>
@@ -14747,7 +14630,7 @@
       </p:sp>
       <p:pic>
         <p:nvPicPr>
-          <p:cNvPr id="113" name="" descr=""/>
+          <p:cNvPr id="107" name="" descr=""/>
           <p:cNvPicPr/>
           <p:nvPr/>
         </p:nvPicPr>
@@ -14800,7 +14683,7 @@
       </p:grpSpPr>
       <p:sp>
         <p:nvSpPr>
-          <p:cNvPr id="114" name="CustomShape 20"/>
+          <p:cNvPr id="108" name="CustomShape 20"/>
           <p:cNvSpPr/>
           <p:nvPr/>
         </p:nvSpPr>
@@ -14852,7 +14735,7 @@
       </p:sp>
       <p:sp>
         <p:nvSpPr>
-          <p:cNvPr id="115" name="CustomShape 21"/>
+          <p:cNvPr id="109" name="CustomShape 21"/>
           <p:cNvSpPr/>
           <p:nvPr/>
         </p:nvSpPr>
@@ -14911,7 +14794,7 @@
       </p:sp>
       <p:sp>
         <p:nvSpPr>
-          <p:cNvPr id="116" name="CustomShape 22"/>
+          <p:cNvPr id="110" name="CustomShape 22"/>
           <p:cNvSpPr/>
           <p:nvPr/>
         </p:nvSpPr>
@@ -14963,7 +14846,7 @@
       </p:sp>
       <p:sp>
         <p:nvSpPr>
-          <p:cNvPr id="117" name="CustomShape 23"/>
+          <p:cNvPr id="111" name="CustomShape 23"/>
           <p:cNvSpPr/>
           <p:nvPr/>
         </p:nvSpPr>
@@ -15015,7 +14898,7 @@
       </p:sp>
       <p:sp>
         <p:nvSpPr>
-          <p:cNvPr id="118" name=""/>
+          <p:cNvPr id="112" name=""/>
           <p:cNvSpPr/>
           <p:nvPr/>
         </p:nvSpPr>
@@ -15706,7 +15589,7 @@
       </p:sp>
       <p:pic>
         <p:nvPicPr>
-          <p:cNvPr id="119" name="" descr=""/>
+          <p:cNvPr id="113" name="" descr=""/>
           <p:cNvPicPr/>
           <p:nvPr/>
         </p:nvPicPr>
@@ -15729,7 +15612,7 @@
       </p:pic>
       <p:pic>
         <p:nvPicPr>
-          <p:cNvPr id="120" name="" descr=""/>
+          <p:cNvPr id="114" name="" descr=""/>
           <p:cNvPicPr/>
           <p:nvPr/>
         </p:nvPicPr>
@@ -15782,7 +15665,7 @@
       </p:grpSpPr>
       <p:sp>
         <p:nvSpPr>
-          <p:cNvPr id="121" name="CustomShape 25"/>
+          <p:cNvPr id="115" name="CustomShape 25"/>
           <p:cNvSpPr/>
           <p:nvPr/>
         </p:nvSpPr>
@@ -15834,7 +15717,7 @@
       </p:sp>
       <p:sp>
         <p:nvSpPr>
-          <p:cNvPr id="122" name="CustomShape 26"/>
+          <p:cNvPr id="116" name="CustomShape 26"/>
           <p:cNvSpPr/>
           <p:nvPr/>
         </p:nvSpPr>
@@ -15893,7 +15776,7 @@
       </p:sp>
       <p:sp>
         <p:nvSpPr>
-          <p:cNvPr id="123" name="CustomShape 27"/>
+          <p:cNvPr id="117" name="CustomShape 27"/>
           <p:cNvSpPr/>
           <p:nvPr/>
         </p:nvSpPr>
@@ -15945,7 +15828,7 @@
       </p:sp>
       <p:sp>
         <p:nvSpPr>
-          <p:cNvPr id="124" name="CustomShape 28"/>
+          <p:cNvPr id="118" name="CustomShape 28"/>
           <p:cNvSpPr/>
           <p:nvPr/>
         </p:nvSpPr>
@@ -15997,7 +15880,7 @@
       </p:sp>
       <p:sp>
         <p:nvSpPr>
-          <p:cNvPr id="125" name=""/>
+          <p:cNvPr id="119" name=""/>
           <p:cNvSpPr/>
           <p:nvPr/>
         </p:nvSpPr>
@@ -16505,7 +16388,7 @@
       </p:sp>
       <p:pic>
         <p:nvPicPr>
-          <p:cNvPr id="126" name="" descr=""/>
+          <p:cNvPr id="120" name="" descr=""/>
           <p:cNvPicPr/>
           <p:nvPr/>
         </p:nvPicPr>
@@ -16558,7 +16441,7 @@
       </p:grpSpPr>
       <p:sp>
         <p:nvSpPr>
-          <p:cNvPr id="127" name="CustomShape 30"/>
+          <p:cNvPr id="121" name="CustomShape 30"/>
           <p:cNvSpPr/>
           <p:nvPr/>
         </p:nvSpPr>
@@ -16610,7 +16493,7 @@
       </p:sp>
       <p:sp>
         <p:nvSpPr>
-          <p:cNvPr id="128" name="CustomShape 31"/>
+          <p:cNvPr id="122" name="CustomShape 31"/>
           <p:cNvSpPr/>
           <p:nvPr/>
         </p:nvSpPr>
@@ -16669,7 +16552,7 @@
       </p:sp>
       <p:sp>
         <p:nvSpPr>
-          <p:cNvPr id="129" name="CustomShape 32"/>
+          <p:cNvPr id="123" name="CustomShape 32"/>
           <p:cNvSpPr/>
           <p:nvPr/>
         </p:nvSpPr>
@@ -16721,7 +16604,7 @@
       </p:sp>
       <p:sp>
         <p:nvSpPr>
-          <p:cNvPr id="130" name="CustomShape 33"/>
+          <p:cNvPr id="124" name="CustomShape 33"/>
           <p:cNvSpPr/>
           <p:nvPr/>
         </p:nvSpPr>
@@ -16773,7 +16656,7 @@
       </p:sp>
       <p:sp>
         <p:nvSpPr>
-          <p:cNvPr id="131" name=""/>
+          <p:cNvPr id="125" name=""/>
           <p:cNvSpPr/>
           <p:nvPr/>
         </p:nvSpPr>
@@ -17256,7 +17139,7 @@
       </p:sp>
       <p:pic>
         <p:nvPicPr>
-          <p:cNvPr id="132" name="" descr=""/>
+          <p:cNvPr id="126" name="" descr=""/>
           <p:cNvPicPr/>
           <p:nvPr/>
         </p:nvPicPr>
@@ -17309,7 +17192,7 @@
       </p:grpSpPr>
       <p:sp>
         <p:nvSpPr>
-          <p:cNvPr id="133" name="CustomShape 80"/>
+          <p:cNvPr id="127" name="CustomShape 80"/>
           <p:cNvSpPr/>
           <p:nvPr/>
         </p:nvSpPr>
@@ -17361,7 +17244,7 @@
       </p:sp>
       <p:sp>
         <p:nvSpPr>
-          <p:cNvPr id="134" name="CustomShape 81"/>
+          <p:cNvPr id="128" name="CustomShape 81"/>
           <p:cNvSpPr/>
           <p:nvPr/>
         </p:nvSpPr>
@@ -17420,7 +17303,7 @@
       </p:sp>
       <p:sp>
         <p:nvSpPr>
-          <p:cNvPr id="135" name="CustomShape 82"/>
+          <p:cNvPr id="129" name="CustomShape 82"/>
           <p:cNvSpPr/>
           <p:nvPr/>
         </p:nvSpPr>
@@ -17472,7 +17355,7 @@
       </p:sp>
       <p:sp>
         <p:nvSpPr>
-          <p:cNvPr id="136" name="CustomShape 83"/>
+          <p:cNvPr id="130" name="CustomShape 83"/>
           <p:cNvSpPr/>
           <p:nvPr/>
         </p:nvSpPr>
@@ -17524,7 +17407,7 @@
       </p:sp>
       <p:sp>
         <p:nvSpPr>
-          <p:cNvPr id="137" name=""/>
+          <p:cNvPr id="131" name=""/>
           <p:cNvSpPr/>
           <p:nvPr/>
         </p:nvSpPr>
@@ -17933,7 +17816,7 @@
       </p:sp>
       <p:pic>
         <p:nvPicPr>
-          <p:cNvPr id="138" name="" descr=""/>
+          <p:cNvPr id="132" name="" descr=""/>
           <p:cNvPicPr/>
           <p:nvPr/>
         </p:nvPicPr>
@@ -17956,7 +17839,7 @@
       </p:pic>
       <p:pic>
         <p:nvPicPr>
-          <p:cNvPr id="139" name="" descr=""/>
+          <p:cNvPr id="133" name="" descr=""/>
           <p:cNvPicPr/>
           <p:nvPr/>
         </p:nvPicPr>
@@ -18009,7 +17892,7 @@
       </p:grpSpPr>
       <p:sp>
         <p:nvSpPr>
-          <p:cNvPr id="140" name="CustomShape 15"/>
+          <p:cNvPr id="134" name="CustomShape 15"/>
           <p:cNvSpPr/>
           <p:nvPr/>
         </p:nvSpPr>
@@ -18061,7 +17944,7 @@
       </p:sp>
       <p:sp>
         <p:nvSpPr>
-          <p:cNvPr id="141" name="CustomShape 16"/>
+          <p:cNvPr id="135" name="CustomShape 16"/>
           <p:cNvSpPr/>
           <p:nvPr/>
         </p:nvSpPr>
@@ -18120,7 +18003,7 @@
       </p:sp>
       <p:sp>
         <p:nvSpPr>
-          <p:cNvPr id="142" name="CustomShape 17"/>
+          <p:cNvPr id="136" name="CustomShape 17"/>
           <p:cNvSpPr/>
           <p:nvPr/>
         </p:nvSpPr>
@@ -18172,7 +18055,7 @@
       </p:sp>
       <p:sp>
         <p:nvSpPr>
-          <p:cNvPr id="143" name="CustomShape 18"/>
+          <p:cNvPr id="137" name="CustomShape 18"/>
           <p:cNvSpPr/>
           <p:nvPr/>
         </p:nvSpPr>
@@ -18224,7 +18107,7 @@
       </p:sp>
       <p:sp>
         <p:nvSpPr>
-          <p:cNvPr id="144" name=""/>
+          <p:cNvPr id="138" name=""/>
           <p:cNvSpPr/>
           <p:nvPr/>
         </p:nvSpPr>
@@ -18633,7 +18516,7 @@
       </p:sp>
       <p:pic>
         <p:nvPicPr>
-          <p:cNvPr id="145" name="" descr=""/>
+          <p:cNvPr id="139" name="" descr=""/>
           <p:cNvPicPr/>
           <p:nvPr/>
         </p:nvPicPr>
@@ -18656,7 +18539,7 @@
       </p:pic>
       <p:pic>
         <p:nvPicPr>
-          <p:cNvPr id="146" name="" descr=""/>
+          <p:cNvPr id="140" name="" descr=""/>
           <p:cNvPicPr/>
           <p:nvPr/>
         </p:nvPicPr>
@@ -18679,7 +18562,7 @@
       </p:pic>
       <p:pic>
         <p:nvPicPr>
-          <p:cNvPr id="147" name="" descr=""/>
+          <p:cNvPr id="141" name="" descr=""/>
           <p:cNvPicPr/>
           <p:nvPr/>
         </p:nvPicPr>
@@ -18702,7 +18585,7 @@
       </p:pic>
       <p:pic>
         <p:nvPicPr>
-          <p:cNvPr id="148" name="" descr=""/>
+          <p:cNvPr id="142" name="" descr=""/>
           <p:cNvPicPr/>
           <p:nvPr/>
         </p:nvPicPr>
@@ -18726,7 +18609,7 @@
       </p:pic>
       <p:pic>
         <p:nvPicPr>
-          <p:cNvPr id="149" name="" descr=""/>
+          <p:cNvPr id="143" name="" descr=""/>
           <p:cNvPicPr/>
           <p:nvPr/>
         </p:nvPicPr>
